--- a/capstone/Calder-Capstone-Models_LOGREG_TREE.pptx
+++ b/capstone/Calder-Capstone-Models_LOGREG_TREE.pptx
@@ -5,7 +5,7 @@
     <p:sldMasterId id="2147483648" r:id="rId1"/>
   </p:sldMasterIdLst>
   <p:notesMasterIdLst>
-    <p:notesMasterId r:id="rId13"/>
+    <p:notesMasterId r:id="rId17"/>
   </p:notesMasterIdLst>
   <p:sldIdLst>
     <p:sldId id="256" r:id="rId2"/>
@@ -14,11 +14,15 @@
     <p:sldId id="276" r:id="rId5"/>
     <p:sldId id="277" r:id="rId6"/>
     <p:sldId id="278" r:id="rId7"/>
-    <p:sldId id="265" r:id="rId8"/>
-    <p:sldId id="271" r:id="rId9"/>
-    <p:sldId id="273" r:id="rId10"/>
-    <p:sldId id="280" r:id="rId11"/>
-    <p:sldId id="258" r:id="rId12"/>
+    <p:sldId id="284" r:id="rId8"/>
+    <p:sldId id="265" r:id="rId9"/>
+    <p:sldId id="271" r:id="rId10"/>
+    <p:sldId id="273" r:id="rId11"/>
+    <p:sldId id="280" r:id="rId12"/>
+    <p:sldId id="282" r:id="rId13"/>
+    <p:sldId id="258" r:id="rId14"/>
+    <p:sldId id="285" r:id="rId15"/>
+    <p:sldId id="286" r:id="rId16"/>
   </p:sldIdLst>
   <p:sldSz cx="12192000" cy="6858000"/>
   <p:notesSz cx="6858000" cy="9144000"/>
@@ -207,7 +211,7 @@
           <a:p>
             <a:fld id="{49526737-F744-4B03-B294-F18C3F21C769}" type="datetimeFigureOut">
               <a:rPr lang="en-US" smtClean="0"/>
-              <a:t>3/22/2016</a:t>
+              <a:t>3/29/2016</a:t>
             </a:fld>
             <a:endParaRPr lang="en-US"/>
           </a:p>
@@ -4757,7 +4761,7 @@
           <a:p>
             <a:fld id="{43853AC9-5F08-4BFF-B24D-7497D5024E38}" type="datetime1">
               <a:rPr lang="en-US" smtClean="0"/>
-              <a:t>3/22/2016</a:t>
+              <a:t>3/29/2016</a:t>
             </a:fld>
             <a:endParaRPr lang="en-US" dirty="0"/>
           </a:p>
@@ -5023,7 +5027,7 @@
           <a:p>
             <a:fld id="{4358CF8C-D631-410F-8801-EC23C1D88FF9}" type="datetime1">
               <a:rPr lang="en-US" smtClean="0"/>
-              <a:t>3/22/2016</a:t>
+              <a:t>3/29/2016</a:t>
             </a:fld>
             <a:endParaRPr lang="en-US" dirty="0"/>
           </a:p>
@@ -5218,7 +5222,7 @@
           <a:p>
             <a:fld id="{26E08B84-9C5E-4F44-ADEF-B0512E32B1EA}" type="datetime1">
               <a:rPr lang="en-US" smtClean="0"/>
-              <a:t>3/22/2016</a:t>
+              <a:t>3/29/2016</a:t>
             </a:fld>
             <a:endParaRPr lang="en-US" dirty="0"/>
           </a:p>
@@ -5480,7 +5484,7 @@
           <a:p>
             <a:fld id="{AEBF4901-1DCE-41F3-8C86-BC746F350F28}" type="datetime1">
               <a:rPr lang="en-US" smtClean="0"/>
-              <a:t>3/22/2016</a:t>
+              <a:t>3/29/2016</a:t>
             </a:fld>
             <a:endParaRPr lang="en-US" dirty="0"/>
           </a:p>
@@ -5913,7 +5917,7 @@
           <a:p>
             <a:fld id="{F425E99C-ACF6-43BE-8F2C-5D6823F1EEFE}" type="datetime1">
               <a:rPr lang="en-US" smtClean="0"/>
-              <a:t>3/22/2016</a:t>
+              <a:t>3/29/2016</a:t>
             </a:fld>
             <a:endParaRPr lang="en-US" dirty="0"/>
           </a:p>
@@ -6458,7 +6462,7 @@
           <a:p>
             <a:fld id="{F3B60606-83B0-4DB1-9DC2-B193D64B8388}" type="datetime1">
               <a:rPr lang="en-US" smtClean="0"/>
-              <a:t>3/22/2016</a:t>
+              <a:t>3/29/2016</a:t>
             </a:fld>
             <a:endParaRPr lang="en-US" dirty="0"/>
           </a:p>
@@ -7177,7 +7181,7 @@
           <a:p>
             <a:fld id="{54A592FC-477C-4C54-9940-0D42B5B94975}" type="datetime1">
               <a:rPr lang="en-US" smtClean="0"/>
-              <a:t>3/22/2016</a:t>
+              <a:t>3/29/2016</a:t>
             </a:fld>
             <a:endParaRPr lang="en-US" dirty="0"/>
           </a:p>
@@ -7346,7 +7350,7 @@
           <a:p>
             <a:fld id="{09842FDB-32ED-4359-909B-960FB35B16D8}" type="datetime1">
               <a:rPr lang="en-US" smtClean="0"/>
-              <a:t>3/22/2016</a:t>
+              <a:t>3/29/2016</a:t>
             </a:fld>
             <a:endParaRPr lang="en-US" dirty="0"/>
           </a:p>
@@ -7525,7 +7529,7 @@
           <a:p>
             <a:fld id="{C6536814-B449-4888-A853-093C2045E0EB}" type="datetime1">
               <a:rPr lang="en-US" smtClean="0"/>
-              <a:t>3/22/2016</a:t>
+              <a:t>3/29/2016</a:t>
             </a:fld>
             <a:endParaRPr lang="en-US" dirty="0"/>
           </a:p>
@@ -7694,7 +7698,7 @@
           <a:p>
             <a:fld id="{07022686-44DD-4907-8D19-FF8DB19B7431}" type="datetime1">
               <a:rPr lang="en-US" smtClean="0"/>
-              <a:t>3/22/2016</a:t>
+              <a:t>3/29/2016</a:t>
             </a:fld>
             <a:endParaRPr lang="en-US" dirty="0"/>
           </a:p>
@@ -7943,7 +7947,7 @@
           <a:p>
             <a:fld id="{379D4BA8-D320-44A3-BC08-C2E8E977F907}" type="datetime1">
               <a:rPr lang="en-US" smtClean="0"/>
-              <a:t>3/22/2016</a:t>
+              <a:t>3/29/2016</a:t>
             </a:fld>
             <a:endParaRPr lang="en-US" dirty="0"/>
           </a:p>
@@ -8174,7 +8178,7 @@
           <a:p>
             <a:fld id="{7E738B21-4DB0-4D76-844B-5BEFE8D1384E}" type="datetime1">
               <a:rPr lang="en-US" smtClean="0"/>
-              <a:t>3/22/2016</a:t>
+              <a:t>3/29/2016</a:t>
             </a:fld>
             <a:endParaRPr lang="en-US" dirty="0"/>
           </a:p>
@@ -8554,7 +8558,7 @@
           <a:p>
             <a:fld id="{773CE3A3-2F08-4628-B953-766256A2B833}" type="datetime1">
               <a:rPr lang="en-US" smtClean="0"/>
-              <a:t>3/22/2016</a:t>
+              <a:t>3/29/2016</a:t>
             </a:fld>
             <a:endParaRPr lang="en-US" dirty="0"/>
           </a:p>
@@ -8671,7 +8675,7 @@
           <a:p>
             <a:fld id="{E91F1107-D571-4B1E-997B-C34CDCBBC410}" type="datetime1">
               <a:rPr lang="en-US" smtClean="0"/>
-              <a:t>3/22/2016</a:t>
+              <a:t>3/29/2016</a:t>
             </a:fld>
             <a:endParaRPr lang="en-US" dirty="0"/>
           </a:p>
@@ -8765,7 +8769,7 @@
           <a:p>
             <a:fld id="{CA33A390-CD59-41E8-BAAF-735D41B93D26}" type="datetime1">
               <a:rPr lang="en-US" smtClean="0"/>
-              <a:t>3/22/2016</a:t>
+              <a:t>3/29/2016</a:t>
             </a:fld>
             <a:endParaRPr lang="en-US" dirty="0"/>
           </a:p>
@@ -9013,7 +9017,7 @@
           <a:p>
             <a:fld id="{A62AD6A8-F119-46ED-A56D-8B1F5257584B}" type="datetime1">
               <a:rPr lang="en-US" smtClean="0"/>
-              <a:t>3/22/2016</a:t>
+              <a:t>3/29/2016</a:t>
             </a:fld>
             <a:endParaRPr lang="en-US" dirty="0"/>
           </a:p>
@@ -9292,7 +9296,7 @@
           <a:p>
             <a:fld id="{84B3D9C7-CD71-475B-A94B-55A41AB9DA06}" type="datetime1">
               <a:rPr lang="en-US" smtClean="0"/>
-              <a:t>3/22/2016</a:t>
+              <a:t>3/29/2016</a:t>
             </a:fld>
             <a:endParaRPr lang="en-US" dirty="0"/>
           </a:p>
@@ -12358,7 +12362,7 @@
           <a:p>
             <a:fld id="{4E1E3E59-E8EC-4AF5-9CED-A0634F405AF2}" type="datetime1">
               <a:rPr lang="en-US" smtClean="0"/>
-              <a:t>3/22/2016</a:t>
+              <a:t>3/29/2016</a:t>
             </a:fld>
             <a:endParaRPr lang="en-US" dirty="0"/>
           </a:p>
@@ -12798,10 +12802,6 @@
               <a:rPr lang="en-US" dirty="0" smtClean="0"/>
               <a:t>Capstone Project</a:t>
             </a:r>
-            <a:r>
-              <a:rPr lang="en-US" dirty="0" smtClean="0"/>
-              <a:t/>
-            </a:r>
             <a:br>
               <a:rPr lang="en-US" dirty="0" smtClean="0"/>
             </a:br>
@@ -12830,11 +12830,7 @@
           <a:p>
             <a:r>
               <a:rPr lang="en-US" dirty="0" smtClean="0"/>
-              <a:t>Craig </a:t>
-            </a:r>
-            <a:r>
-              <a:rPr lang="en-US" dirty="0" smtClean="0"/>
-              <a:t>Calder</a:t>
+              <a:t>Craig Calder</a:t>
             </a:r>
           </a:p>
           <a:p>
@@ -12886,55 +12882,27 @@
             <p:ph type="title"/>
           </p:nvPr>
         </p:nvSpPr>
-        <p:spPr/>
+        <p:spPr>
+          <a:xfrm>
+            <a:off x="1200580" y="597002"/>
+            <a:ext cx="9905998" cy="1478570"/>
+          </a:xfrm>
+        </p:spPr>
         <p:txBody>
           <a:bodyPr/>
           <a:lstStyle/>
           <a:p>
             <a:r>
               <a:rPr lang="en-US" dirty="0" smtClean="0"/>
-              <a:t>Model: </a:t>
-            </a:r>
-            <a:r>
-              <a:rPr lang="en-US" dirty="0" err="1" smtClean="0"/>
-              <a:t>RTree</a:t>
+              <a:t>MODEL: Classification Tree</a:t>
             </a:r>
             <a:endParaRPr lang="en-US" dirty="0"/>
           </a:p>
         </p:txBody>
       </p:sp>
-      <p:pic>
-        <p:nvPicPr>
-          <p:cNvPr id="6" name="Content Placeholder 5"/>
-          <p:cNvPicPr>
-            <a:picLocks noGrp="1" noChangeAspect="1"/>
-          </p:cNvPicPr>
-          <p:nvPr>
-            <p:ph idx="1"/>
-          </p:nvPr>
-        </p:nvPicPr>
-        <p:blipFill>
-          <a:blip r:embed="rId2">
-            <a:extLst>
-              <a:ext uri="{28A0092B-C50C-407E-A947-70E740481C1C}">
-                <a14:useLocalDpi xmlns:a14="http://schemas.microsoft.com/office/drawing/2010/main" val="0"/>
-              </a:ext>
-            </a:extLst>
-          </a:blip>
-          <a:stretch>
-            <a:fillRect/>
-          </a:stretch>
-        </p:blipFill>
-        <p:spPr>
-          <a:xfrm>
-            <a:off x="5146986" y="1832050"/>
-            <a:ext cx="5846636" cy="3541712"/>
-          </a:xfrm>
-        </p:spPr>
-      </p:pic>
       <p:sp>
         <p:nvSpPr>
-          <p:cNvPr id="4" name="Footer Placeholder 3"/>
+          <p:cNvPr id="3" name="Footer Placeholder 2"/>
           <p:cNvSpPr>
             <a:spLocks noGrp="1"/>
           </p:cNvSpPr>
@@ -12978,16 +12946,106 @@
           </a:p>
         </p:txBody>
       </p:sp>
+      <p:pic>
+        <p:nvPicPr>
+          <p:cNvPr id="8" name="Picture 7"/>
+          <p:cNvPicPr>
+            <a:picLocks noChangeAspect="1"/>
+          </p:cNvPicPr>
+          <p:nvPr/>
+        </p:nvPicPr>
+        <p:blipFill>
+          <a:blip r:embed="rId2">
+            <a:extLst>
+              <a:ext uri="{28A0092B-C50C-407E-A947-70E740481C1C}">
+                <a14:useLocalDpi xmlns:a14="http://schemas.microsoft.com/office/drawing/2010/main" val="0"/>
+              </a:ext>
+            </a:extLst>
+          </a:blip>
+          <a:stretch>
+            <a:fillRect/>
+          </a:stretch>
+        </p:blipFill>
+        <p:spPr>
+          <a:xfrm>
+            <a:off x="1200580" y="1677658"/>
+            <a:ext cx="4018090" cy="2191686"/>
+          </a:xfrm>
+          <a:prstGeom prst="rect">
+            <a:avLst/>
+          </a:prstGeom>
+        </p:spPr>
+      </p:pic>
+      <p:pic>
+        <p:nvPicPr>
+          <p:cNvPr id="11" name="Picture 10"/>
+          <p:cNvPicPr>
+            <a:picLocks noChangeAspect="1"/>
+          </p:cNvPicPr>
+          <p:nvPr/>
+        </p:nvPicPr>
+        <p:blipFill>
+          <a:blip r:embed="rId3">
+            <a:extLst>
+              <a:ext uri="{28A0092B-C50C-407E-A947-70E740481C1C}">
+                <a14:useLocalDpi xmlns:a14="http://schemas.microsoft.com/office/drawing/2010/main" val="0"/>
+              </a:ext>
+            </a:extLst>
+          </a:blip>
+          <a:stretch>
+            <a:fillRect/>
+          </a:stretch>
+        </p:blipFill>
+        <p:spPr>
+          <a:xfrm>
+            <a:off x="5768585" y="1677658"/>
+            <a:ext cx="2903696" cy="1682359"/>
+          </a:xfrm>
+          <a:prstGeom prst="rect">
+            <a:avLst/>
+          </a:prstGeom>
+        </p:spPr>
+      </p:pic>
+      <p:pic>
+        <p:nvPicPr>
+          <p:cNvPr id="12" name="Picture 11"/>
+          <p:cNvPicPr>
+            <a:picLocks noChangeAspect="1"/>
+          </p:cNvPicPr>
+          <p:nvPr/>
+        </p:nvPicPr>
+        <p:blipFill>
+          <a:blip r:embed="rId4">
+            <a:extLst>
+              <a:ext uri="{28A0092B-C50C-407E-A947-70E740481C1C}">
+                <a14:useLocalDpi xmlns:a14="http://schemas.microsoft.com/office/drawing/2010/main" val="0"/>
+              </a:ext>
+            </a:extLst>
+          </a:blip>
+          <a:stretch>
+            <a:fillRect/>
+          </a:stretch>
+        </p:blipFill>
+        <p:spPr>
+          <a:xfrm>
+            <a:off x="5768585" y="3590332"/>
+            <a:ext cx="4691371" cy="2442038"/>
+          </a:xfrm>
+          <a:prstGeom prst="rect">
+            <a:avLst/>
+          </a:prstGeom>
+        </p:spPr>
+      </p:pic>
       <p:sp>
         <p:nvSpPr>
-          <p:cNvPr id="7" name="Rectangle 6"/>
+          <p:cNvPr id="13" name="Rectangle 12"/>
           <p:cNvSpPr/>
           <p:nvPr/>
         </p:nvSpPr>
         <p:spPr>
           <a:xfrm>
-            <a:off x="1702080" y="1754637"/>
-            <a:ext cx="2611288" cy="1754326"/>
+            <a:off x="8721397" y="1625449"/>
+            <a:ext cx="1389179" cy="900246"/>
           </a:xfrm>
           <a:prstGeom prst="rect">
             <a:avLst/>
@@ -13000,74 +13058,55 @@
           <a:lstStyle/>
           <a:p>
             <a:r>
-              <a:rPr lang="en-US" sz="1200" dirty="0" smtClean="0"/>
-              <a:t>Interestingly a </a:t>
-            </a:r>
-            <a:r>
-              <a:rPr lang="en-US" sz="1200" dirty="0" err="1" smtClean="0"/>
-              <a:t>rtree</a:t>
-            </a:r>
-            <a:r>
-              <a:rPr lang="en-US" sz="1200" dirty="0" smtClean="0"/>
-              <a:t> model identified only three significant variables: Term, annual income, </a:t>
-            </a:r>
-            <a:r>
-              <a:rPr lang="en-US" sz="1200" dirty="0" err="1" smtClean="0"/>
-              <a:t>revoling</a:t>
-            </a:r>
-            <a:r>
-              <a:rPr lang="en-US" sz="1200" dirty="0" smtClean="0"/>
-              <a:t> </a:t>
-            </a:r>
-            <a:r>
-              <a:rPr lang="en-US" sz="1200" dirty="0" err="1" smtClean="0"/>
-              <a:t>util</a:t>
-            </a:r>
-            <a:r>
-              <a:rPr lang="en-US" sz="1200" dirty="0" smtClean="0"/>
-              <a:t>*</a:t>
-            </a:r>
-          </a:p>
-          <a:p>
-            <a:endParaRPr lang="en-US" sz="1200" dirty="0"/>
-          </a:p>
-          <a:p>
-            <a:r>
-              <a:rPr lang="en-US" sz="1200" dirty="0" smtClean="0"/>
-              <a:t>Creating a general linear model with just these three variables results in a model with an AUC </a:t>
-            </a:r>
-            <a:r>
-              <a:rPr lang="en-US" sz="1200" dirty="0"/>
-              <a:t>= </a:t>
-            </a:r>
-            <a:r>
-              <a:rPr lang="en-US" sz="1200" dirty="0" smtClean="0"/>
-              <a:t>0.64859</a:t>
-            </a:r>
-            <a:br>
-              <a:rPr lang="en-US" sz="1200" dirty="0" smtClean="0"/>
-            </a:br>
-            <a:r>
-              <a:rPr lang="en-US" sz="1200" dirty="0" smtClean="0"/>
-              <a:t/>
-            </a:r>
-            <a:br>
-              <a:rPr lang="en-US" sz="1200" dirty="0" smtClean="0"/>
-            </a:br>
-            <a:endParaRPr lang="en-US" sz="1200" dirty="0"/>
+              <a:rPr lang="en-US" sz="1050" dirty="0" smtClean="0"/>
+              <a:t>Do </a:t>
+            </a:r>
+            <a:r>
+              <a:rPr lang="en-US" sz="1050" dirty="0"/>
+              <a:t>K-fold cross-validation </a:t>
+            </a:r>
+            <a:r>
+              <a:rPr lang="en-US" sz="1050" dirty="0" smtClean="0"/>
+              <a:t>to </a:t>
+            </a:r>
+            <a:r>
+              <a:rPr lang="en-US" sz="1050" dirty="0"/>
+              <a:t>find the </a:t>
+            </a:r>
+            <a:r>
+              <a:rPr lang="en-US" sz="1050" dirty="0" smtClean="0"/>
+              <a:t>best </a:t>
+            </a:r>
+            <a:r>
+              <a:rPr lang="en-US" sz="1050" dirty="0"/>
+              <a:t>number </a:t>
+            </a:r>
+            <a:r>
+              <a:rPr lang="en-US" sz="1050" dirty="0" smtClean="0"/>
+              <a:t>of </a:t>
+            </a:r>
+            <a:r>
+              <a:rPr lang="en-US" sz="1050" dirty="0"/>
+              <a:t>nodes for </a:t>
+            </a:r>
+            <a:r>
+              <a:rPr lang="en-US" sz="1050" dirty="0" smtClean="0"/>
+              <a:t>the tree that minimizes overfitting.</a:t>
+            </a:r>
+            <a:endParaRPr lang="en-US" sz="1050" dirty="0"/>
           </a:p>
         </p:txBody>
       </p:sp>
       <p:sp>
         <p:nvSpPr>
-          <p:cNvPr id="8" name="Rectangle 7"/>
+          <p:cNvPr id="14" name="Rectangle 13"/>
           <p:cNvSpPr/>
           <p:nvPr/>
         </p:nvSpPr>
         <p:spPr>
           <a:xfrm>
-            <a:off x="1141411" y="5568941"/>
-            <a:ext cx="8559501" cy="276999"/>
+            <a:off x="1200580" y="3903214"/>
+            <a:ext cx="3817861" cy="738664"/>
           </a:xfrm>
           <a:prstGeom prst="rect">
             <a:avLst/>
@@ -13080,29 +13119,159 @@
           <a:lstStyle/>
           <a:p>
             <a:r>
-              <a:rPr lang="en-US" sz="1200" dirty="0" smtClean="0">
-                <a:latin typeface="Corbel" panose="020B0503020204020204" pitchFamily="34" charset="0"/>
-                <a:ea typeface="SimSun" panose="02010600030101010101" pitchFamily="2" charset="-122"/>
-                <a:cs typeface="Tahoma" panose="020B0604030504040204" pitchFamily="34" charset="0"/>
+              <a:rPr lang="en-US" sz="1050" dirty="0" smtClean="0"/>
+              <a:t>The classification model run with all variables</a:t>
+            </a:r>
+            <a:r>
+              <a:rPr lang="en-US" sz="1050" dirty="0"/>
+              <a:t>. </a:t>
+            </a:r>
+            <a:r>
+              <a:rPr lang="en-US" sz="1050" dirty="0" smtClean="0"/>
+              <a:t/>
+            </a:r>
+            <a:br>
+              <a:rPr lang="en-US" sz="1050" dirty="0" smtClean="0"/>
+            </a:br>
+            <a:r>
+              <a:rPr lang="en-US" sz="1050" dirty="0" smtClean="0"/>
+              <a:t>Number </a:t>
+            </a:r>
+            <a:r>
+              <a:rPr lang="en-US" sz="1050" dirty="0"/>
+              <a:t>of terminal nodes:  10 </a:t>
+            </a:r>
+          </a:p>
+          <a:p>
+            <a:r>
+              <a:rPr lang="en-US" sz="1050" dirty="0"/>
+              <a:t>Residual mean deviance:  </a:t>
+            </a:r>
+            <a:r>
+              <a:rPr lang="en-US" sz="1050" dirty="0" smtClean="0"/>
+              <a:t>1.318</a:t>
+            </a:r>
+            <a:endParaRPr lang="en-US" sz="1050" dirty="0"/>
+          </a:p>
+          <a:p>
+            <a:r>
+              <a:rPr lang="en-US" sz="1050" dirty="0"/>
+              <a:t>Misclassification error rate: </a:t>
+            </a:r>
+            <a:r>
+              <a:rPr lang="en-US" sz="1050" dirty="0" smtClean="0"/>
+              <a:t>0.3888</a:t>
+            </a:r>
+            <a:endParaRPr lang="en-US" sz="1050" dirty="0"/>
+          </a:p>
+        </p:txBody>
+      </p:sp>
+      <p:sp>
+        <p:nvSpPr>
+          <p:cNvPr id="6" name="Rectangle 5"/>
+          <p:cNvSpPr/>
+          <p:nvPr/>
+        </p:nvSpPr>
+        <p:spPr>
+          <a:xfrm>
+            <a:off x="7594040" y="4072687"/>
+            <a:ext cx="2051575" cy="738664"/>
+          </a:xfrm>
+          <a:prstGeom prst="rect">
+            <a:avLst/>
+          </a:prstGeom>
+        </p:spPr>
+        <p:txBody>
+          <a:bodyPr wrap="square">
+            <a:spAutoFit/>
+          </a:bodyPr>
+          <a:lstStyle/>
+          <a:p>
+            <a:r>
+              <a:rPr lang="en-US" sz="1050" dirty="0" smtClean="0">
+                <a:solidFill>
+                  <a:srgbClr val="0070C0"/>
+                </a:solidFill>
               </a:rPr>
-              <a:t>* Revolving </a:t>
-            </a:r>
-            <a:r>
-              <a:rPr lang="en-US" sz="1200" dirty="0">
-                <a:latin typeface="Corbel" panose="020B0503020204020204" pitchFamily="34" charset="0"/>
-                <a:ea typeface="SimSun" panose="02010600030101010101" pitchFamily="2" charset="-122"/>
-                <a:cs typeface="Tahoma" panose="020B0604030504040204" pitchFamily="34" charset="0"/>
+              <a:t>Revised model using 3 as the number </a:t>
+            </a:r>
+            <a:r>
+              <a:rPr lang="en-US" sz="1050" dirty="0">
+                <a:solidFill>
+                  <a:srgbClr val="0070C0"/>
+                </a:solidFill>
               </a:rPr>
-              <a:t>line utilization rate, or the amount of credit the borrower is using relative to all available revolving credit.</a:t>
-            </a:r>
-            <a:endParaRPr lang="en-US" sz="1200" dirty="0"/>
+              <a:t>of terminal </a:t>
+            </a:r>
+            <a:r>
+              <a:rPr lang="en-US" sz="1050" dirty="0" smtClean="0">
+                <a:solidFill>
+                  <a:srgbClr val="0070C0"/>
+                </a:solidFill>
+              </a:rPr>
+              <a:t>nodes</a:t>
+            </a:r>
+            <a:r>
+              <a:rPr lang="en-US" sz="1050" dirty="0">
+                <a:solidFill>
+                  <a:srgbClr val="0070C0"/>
+                </a:solidFill>
+              </a:rPr>
+              <a:t>:</a:t>
+            </a:r>
+          </a:p>
+          <a:p>
+            <a:r>
+              <a:rPr lang="en-US" sz="1050" dirty="0">
+                <a:solidFill>
+                  <a:srgbClr val="0070C0"/>
+                </a:solidFill>
+              </a:rPr>
+              <a:t>Residual mean deviance:  </a:t>
+            </a:r>
+            <a:r>
+              <a:rPr lang="en-US" sz="1050" dirty="0" smtClean="0">
+                <a:solidFill>
+                  <a:srgbClr val="0070C0"/>
+                </a:solidFill>
+              </a:rPr>
+              <a:t>1.341</a:t>
+            </a:r>
+            <a:endParaRPr lang="en-US" sz="1050" dirty="0">
+              <a:solidFill>
+                <a:srgbClr val="0070C0"/>
+              </a:solidFill>
+            </a:endParaRPr>
+          </a:p>
+          <a:p>
+            <a:r>
+              <a:rPr lang="en-US" sz="1050" dirty="0">
+                <a:solidFill>
+                  <a:srgbClr val="0070C0"/>
+                </a:solidFill>
+              </a:rPr>
+              <a:t>Misclassification error rate: </a:t>
+            </a:r>
+            <a:r>
+              <a:rPr lang="en-US" sz="1050" dirty="0" smtClean="0">
+                <a:solidFill>
+                  <a:srgbClr val="0070C0"/>
+                </a:solidFill>
+              </a:rPr>
+              <a:t>0.4047</a:t>
+            </a:r>
+            <a:endParaRPr lang="en-US" sz="1050" dirty="0">
+              <a:solidFill>
+                <a:srgbClr val="0070C0"/>
+              </a:solidFill>
+            </a:endParaRPr>
           </a:p>
         </p:txBody>
       </p:sp>
     </p:spTree>
     <p:extLst>
       <p:ext uri="{BB962C8B-B14F-4D97-AF65-F5344CB8AC3E}">
-        <p14:creationId xmlns:p14="http://schemas.microsoft.com/office/powerpoint/2010/main" val="1649862097"/>
+        <p14:creationId xmlns:p14="http://schemas.microsoft.com/office/powerpoint/2010/main" val="4261395844"/>
       </p:ext>
     </p:extLst>
   </p:cSld>
@@ -13146,6 +13315,556 @@
           <a:p>
             <a:r>
               <a:rPr lang="en-US" dirty="0" smtClean="0"/>
+              <a:t>Model: </a:t>
+            </a:r>
+            <a:r>
+              <a:rPr lang="en-US" dirty="0" err="1" smtClean="0"/>
+              <a:t>RTree</a:t>
+            </a:r>
+            <a:endParaRPr lang="en-US" dirty="0"/>
+          </a:p>
+        </p:txBody>
+      </p:sp>
+      <p:sp>
+        <p:nvSpPr>
+          <p:cNvPr id="4" name="Footer Placeholder 3"/>
+          <p:cNvSpPr>
+            <a:spLocks noGrp="1"/>
+          </p:cNvSpPr>
+          <p:nvPr>
+            <p:ph type="ftr" sz="quarter" idx="11"/>
+          </p:nvPr>
+        </p:nvSpPr>
+        <p:spPr/>
+        <p:txBody>
+          <a:bodyPr/>
+          <a:lstStyle/>
+          <a:p>
+            <a:r>
+              <a:rPr lang="en-US" smtClean="0"/>
+              <a:t>Springboard Foundations of Data Science - Craig Calder</a:t>
+            </a:r>
+            <a:endParaRPr lang="en-US" dirty="0"/>
+          </a:p>
+        </p:txBody>
+      </p:sp>
+      <p:sp>
+        <p:nvSpPr>
+          <p:cNvPr id="5" name="Slide Number Placeholder 4"/>
+          <p:cNvSpPr>
+            <a:spLocks noGrp="1"/>
+          </p:cNvSpPr>
+          <p:nvPr>
+            <p:ph type="sldNum" sz="quarter" idx="12"/>
+          </p:nvPr>
+        </p:nvSpPr>
+        <p:spPr/>
+        <p:txBody>
+          <a:bodyPr/>
+          <a:lstStyle/>
+          <a:p>
+            <a:fld id="{6D22F896-40B5-4ADD-8801-0D06FADFA095}" type="slidenum">
+              <a:rPr lang="en-US" smtClean="0"/>
+              <a:t>11</a:t>
+            </a:fld>
+            <a:endParaRPr lang="en-US" dirty="0"/>
+          </a:p>
+        </p:txBody>
+      </p:sp>
+      <p:sp>
+        <p:nvSpPr>
+          <p:cNvPr id="7" name="Rectangle 6"/>
+          <p:cNvSpPr/>
+          <p:nvPr/>
+        </p:nvSpPr>
+        <p:spPr>
+          <a:xfrm>
+            <a:off x="1242163" y="1754637"/>
+            <a:ext cx="3146957" cy="1569660"/>
+          </a:xfrm>
+          <a:prstGeom prst="rect">
+            <a:avLst/>
+          </a:prstGeom>
+        </p:spPr>
+        <p:txBody>
+          <a:bodyPr wrap="square">
+            <a:spAutoFit/>
+          </a:bodyPr>
+          <a:lstStyle/>
+          <a:p>
+            <a:r>
+              <a:rPr lang="en-US" sz="1200" dirty="0" smtClean="0"/>
+              <a:t>The </a:t>
+            </a:r>
+            <a:r>
+              <a:rPr lang="en-US" sz="1200" dirty="0" err="1" smtClean="0"/>
+              <a:t>Rtree</a:t>
+            </a:r>
+            <a:r>
+              <a:rPr lang="en-US" sz="1200" dirty="0" smtClean="0"/>
+              <a:t> model, shown below using default values, creates an </a:t>
+            </a:r>
+            <a:r>
+              <a:rPr lang="en-US" sz="1200" dirty="0" err="1" smtClean="0"/>
+              <a:t>overfitted</a:t>
+            </a:r>
+            <a:r>
+              <a:rPr lang="en-US" sz="1200" dirty="0" smtClean="0"/>
+              <a:t> tree. But by increasing the number of observations assigned to a minimum split, or by controlling the maximum depth, we can reduce the model down  to a meaningful number of nodes.</a:t>
+            </a:r>
+            <a:br>
+              <a:rPr lang="en-US" sz="1200" dirty="0" smtClean="0"/>
+            </a:br>
+            <a:r>
+              <a:rPr lang="en-US" sz="1200" dirty="0" smtClean="0"/>
+              <a:t/>
+            </a:r>
+            <a:br>
+              <a:rPr lang="en-US" sz="1200" dirty="0" smtClean="0"/>
+            </a:br>
+            <a:endParaRPr lang="en-US" sz="1200" dirty="0"/>
+          </a:p>
+        </p:txBody>
+      </p:sp>
+      <p:pic>
+        <p:nvPicPr>
+          <p:cNvPr id="11" name="Content Placeholder 10"/>
+          <p:cNvPicPr>
+            <a:picLocks noGrp="1" noChangeAspect="1"/>
+          </p:cNvPicPr>
+          <p:nvPr>
+            <p:ph idx="1"/>
+          </p:nvPr>
+        </p:nvPicPr>
+        <p:blipFill>
+          <a:blip r:embed="rId2">
+            <a:extLst>
+              <a:ext uri="{28A0092B-C50C-407E-A947-70E740481C1C}">
+                <a14:useLocalDpi xmlns:a14="http://schemas.microsoft.com/office/drawing/2010/main" val="0"/>
+              </a:ext>
+            </a:extLst>
+          </a:blip>
+          <a:stretch>
+            <a:fillRect/>
+          </a:stretch>
+        </p:blipFill>
+        <p:spPr>
+          <a:xfrm>
+            <a:off x="1242163" y="3098127"/>
+            <a:ext cx="2954753" cy="1784108"/>
+          </a:xfrm>
+        </p:spPr>
+      </p:pic>
+      <p:pic>
+        <p:nvPicPr>
+          <p:cNvPr id="12" name="Picture 11"/>
+          <p:cNvPicPr>
+            <a:picLocks noChangeAspect="1"/>
+          </p:cNvPicPr>
+          <p:nvPr/>
+        </p:nvPicPr>
+        <p:blipFill>
+          <a:blip r:embed="rId3">
+            <a:extLst>
+              <a:ext uri="{28A0092B-C50C-407E-A947-70E740481C1C}">
+                <a14:useLocalDpi xmlns:a14="http://schemas.microsoft.com/office/drawing/2010/main" val="0"/>
+              </a:ext>
+            </a:extLst>
+          </a:blip>
+          <a:stretch>
+            <a:fillRect/>
+          </a:stretch>
+        </p:blipFill>
+        <p:spPr>
+          <a:xfrm>
+            <a:off x="4566620" y="1754637"/>
+            <a:ext cx="6424443" cy="4128637"/>
+          </a:xfrm>
+          <a:prstGeom prst="rect">
+            <a:avLst/>
+          </a:prstGeom>
+        </p:spPr>
+      </p:pic>
+    </p:spTree>
+    <p:extLst>
+      <p:ext uri="{BB962C8B-B14F-4D97-AF65-F5344CB8AC3E}">
+        <p14:creationId xmlns:p14="http://schemas.microsoft.com/office/powerpoint/2010/main" val="1649862097"/>
+      </p:ext>
+    </p:extLst>
+  </p:cSld>
+  <p:clrMapOvr>
+    <a:masterClrMapping/>
+  </p:clrMapOvr>
+</p:sld>
+</file>
+
+<file path=ppt/slides/slide12.xml><?xml version="1.0" encoding="utf-8"?>
+<p:sld xmlns:a="http://schemas.openxmlformats.org/drawingml/2006/main" xmlns:r="http://schemas.openxmlformats.org/officeDocument/2006/relationships" xmlns:p="http://schemas.openxmlformats.org/presentationml/2006/main">
+  <p:cSld>
+    <p:spTree>
+      <p:nvGrpSpPr>
+        <p:cNvPr id="1" name=""/>
+        <p:cNvGrpSpPr/>
+        <p:nvPr/>
+      </p:nvGrpSpPr>
+      <p:grpSpPr>
+        <a:xfrm>
+          <a:off x="0" y="0"/>
+          <a:ext cx="0" cy="0"/>
+          <a:chOff x="0" y="0"/>
+          <a:chExt cx="0" cy="0"/>
+        </a:xfrm>
+      </p:grpSpPr>
+      <p:sp>
+        <p:nvSpPr>
+          <p:cNvPr id="2" name="Title 1"/>
+          <p:cNvSpPr>
+            <a:spLocks noGrp="1"/>
+          </p:cNvSpPr>
+          <p:nvPr>
+            <p:ph type="title"/>
+          </p:nvPr>
+        </p:nvSpPr>
+        <p:spPr/>
+        <p:txBody>
+          <a:bodyPr/>
+          <a:lstStyle/>
+          <a:p>
+            <a:r>
+              <a:rPr lang="en-US" dirty="0" smtClean="0"/>
+              <a:t>Model: </a:t>
+            </a:r>
+            <a:r>
+              <a:rPr lang="en-US" dirty="0" err="1" smtClean="0"/>
+              <a:t>Rtree</a:t>
+            </a:r>
+            <a:r>
+              <a:rPr lang="en-US" dirty="0" smtClean="0"/>
+              <a:t> Validation</a:t>
+            </a:r>
+            <a:endParaRPr lang="en-US" dirty="0"/>
+          </a:p>
+        </p:txBody>
+      </p:sp>
+      <p:sp>
+        <p:nvSpPr>
+          <p:cNvPr id="4" name="Footer Placeholder 3"/>
+          <p:cNvSpPr>
+            <a:spLocks noGrp="1"/>
+          </p:cNvSpPr>
+          <p:nvPr>
+            <p:ph type="ftr" sz="quarter" idx="11"/>
+          </p:nvPr>
+        </p:nvSpPr>
+        <p:spPr/>
+        <p:txBody>
+          <a:bodyPr/>
+          <a:lstStyle/>
+          <a:p>
+            <a:r>
+              <a:rPr lang="en-US" smtClean="0"/>
+              <a:t>Springboard Foundations of Data Science - Craig Calder</a:t>
+            </a:r>
+            <a:endParaRPr lang="en-US" dirty="0"/>
+          </a:p>
+        </p:txBody>
+      </p:sp>
+      <p:sp>
+        <p:nvSpPr>
+          <p:cNvPr id="5" name="Slide Number Placeholder 4"/>
+          <p:cNvSpPr>
+            <a:spLocks noGrp="1"/>
+          </p:cNvSpPr>
+          <p:nvPr>
+            <p:ph type="sldNum" sz="quarter" idx="12"/>
+          </p:nvPr>
+        </p:nvSpPr>
+        <p:spPr/>
+        <p:txBody>
+          <a:bodyPr/>
+          <a:lstStyle/>
+          <a:p>
+            <a:fld id="{6D22F896-40B5-4ADD-8801-0D06FADFA095}" type="slidenum">
+              <a:rPr lang="en-US" smtClean="0"/>
+              <a:t>12</a:t>
+            </a:fld>
+            <a:endParaRPr lang="en-US" dirty="0"/>
+          </a:p>
+        </p:txBody>
+      </p:sp>
+      <p:sp>
+        <p:nvSpPr>
+          <p:cNvPr id="6" name="Rectangle 5"/>
+          <p:cNvSpPr/>
+          <p:nvPr/>
+        </p:nvSpPr>
+        <p:spPr>
+          <a:xfrm>
+            <a:off x="1141411" y="1771914"/>
+            <a:ext cx="3783209" cy="1200329"/>
+          </a:xfrm>
+          <a:prstGeom prst="rect">
+            <a:avLst/>
+          </a:prstGeom>
+        </p:spPr>
+        <p:txBody>
+          <a:bodyPr wrap="square">
+            <a:spAutoFit/>
+          </a:bodyPr>
+          <a:lstStyle/>
+          <a:p>
+            <a:r>
+              <a:rPr lang="en-US" sz="1200" dirty="0" smtClean="0"/>
+              <a:t>Analyzing for the optimal depth that minimizes overfitting. The analysis below suggests that either three or four splits are the optimal. In trying both, four resulted in a more compelling tree and is shown on the right.</a:t>
+            </a:r>
+            <a:br>
+              <a:rPr lang="en-US" sz="1200" dirty="0" smtClean="0"/>
+            </a:br>
+            <a:r>
+              <a:rPr lang="en-US" sz="1200" dirty="0" smtClean="0"/>
+              <a:t/>
+            </a:r>
+            <a:br>
+              <a:rPr lang="en-US" sz="1200" dirty="0" smtClean="0"/>
+            </a:br>
+            <a:endParaRPr lang="en-US" sz="1200" dirty="0"/>
+          </a:p>
+        </p:txBody>
+      </p:sp>
+      <p:pic>
+        <p:nvPicPr>
+          <p:cNvPr id="9" name="Picture 8"/>
+          <p:cNvPicPr>
+            <a:picLocks noChangeAspect="1"/>
+          </p:cNvPicPr>
+          <p:nvPr/>
+        </p:nvPicPr>
+        <p:blipFill>
+          <a:blip r:embed="rId2">
+            <a:extLst>
+              <a:ext uri="{28A0092B-C50C-407E-A947-70E740481C1C}">
+                <a14:useLocalDpi xmlns:a14="http://schemas.microsoft.com/office/drawing/2010/main" val="0"/>
+              </a:ext>
+            </a:extLst>
+          </a:blip>
+          <a:stretch>
+            <a:fillRect/>
+          </a:stretch>
+        </p:blipFill>
+        <p:spPr>
+          <a:xfrm>
+            <a:off x="4998823" y="1771914"/>
+            <a:ext cx="6400895" cy="3455571"/>
+          </a:xfrm>
+          <a:prstGeom prst="rect">
+            <a:avLst/>
+          </a:prstGeom>
+        </p:spPr>
+      </p:pic>
+      <p:sp>
+        <p:nvSpPr>
+          <p:cNvPr id="10" name="Rectangle 9"/>
+          <p:cNvSpPr/>
+          <p:nvPr/>
+        </p:nvSpPr>
+        <p:spPr>
+          <a:xfrm>
+            <a:off x="4998822" y="5236943"/>
+            <a:ext cx="6400895" cy="646331"/>
+          </a:xfrm>
+          <a:prstGeom prst="rect">
+            <a:avLst/>
+          </a:prstGeom>
+        </p:spPr>
+        <p:txBody>
+          <a:bodyPr wrap="square">
+            <a:spAutoFit/>
+          </a:bodyPr>
+          <a:lstStyle/>
+          <a:p>
+            <a:r>
+              <a:rPr lang="en-US" sz="900" dirty="0" smtClean="0">
+                <a:latin typeface="Corbel" panose="020B0503020204020204" pitchFamily="34" charset="0"/>
+                <a:ea typeface="SimSun" panose="02010600030101010101" pitchFamily="2" charset="-122"/>
+                <a:cs typeface="Tahoma" panose="020B0604030504040204" pitchFamily="34" charset="0"/>
+              </a:rPr>
+              <a:t>Variable definitions: </a:t>
+            </a:r>
+            <a:br>
+              <a:rPr lang="en-US" sz="900" dirty="0" smtClean="0">
+                <a:latin typeface="Corbel" panose="020B0503020204020204" pitchFamily="34" charset="0"/>
+                <a:ea typeface="SimSun" panose="02010600030101010101" pitchFamily="2" charset="-122"/>
+                <a:cs typeface="Tahoma" panose="020B0604030504040204" pitchFamily="34" charset="0"/>
+              </a:rPr>
+            </a:br>
+            <a:r>
+              <a:rPr lang="en-US" sz="900" dirty="0" err="1" smtClean="0">
+                <a:latin typeface="Corbel" panose="020B0503020204020204" pitchFamily="34" charset="0"/>
+                <a:ea typeface="SimSun" panose="02010600030101010101" pitchFamily="2" charset="-122"/>
+                <a:cs typeface="Tahoma" panose="020B0604030504040204" pitchFamily="34" charset="0"/>
+              </a:rPr>
+              <a:t>revol_util</a:t>
+            </a:r>
+            <a:r>
+              <a:rPr lang="en-US" sz="900" dirty="0" smtClean="0">
+                <a:latin typeface="Corbel" panose="020B0503020204020204" pitchFamily="34" charset="0"/>
+                <a:ea typeface="SimSun" panose="02010600030101010101" pitchFamily="2" charset="-122"/>
+                <a:cs typeface="Tahoma" panose="020B0604030504040204" pitchFamily="34" charset="0"/>
+              </a:rPr>
+              <a:t> = Revolving </a:t>
+            </a:r>
+            <a:r>
+              <a:rPr lang="en-US" sz="900" dirty="0">
+                <a:latin typeface="Corbel" panose="020B0503020204020204" pitchFamily="34" charset="0"/>
+                <a:ea typeface="SimSun" panose="02010600030101010101" pitchFamily="2" charset="-122"/>
+                <a:cs typeface="Tahoma" panose="020B0604030504040204" pitchFamily="34" charset="0"/>
+              </a:rPr>
+              <a:t>line utilization rate, or the amount of credit the borrower is using relative to all available revolving credit. </a:t>
+            </a:r>
+            <a:r>
+              <a:rPr lang="en-US" sz="900" dirty="0" smtClean="0">
+                <a:latin typeface="Corbel" panose="020B0503020204020204" pitchFamily="34" charset="0"/>
+                <a:ea typeface="SimSun" panose="02010600030101010101" pitchFamily="2" charset="-122"/>
+                <a:cs typeface="Tahoma" panose="020B0604030504040204" pitchFamily="34" charset="0"/>
+              </a:rPr>
+              <a:t/>
+            </a:r>
+            <a:br>
+              <a:rPr lang="en-US" sz="900" dirty="0" smtClean="0">
+                <a:latin typeface="Corbel" panose="020B0503020204020204" pitchFamily="34" charset="0"/>
+                <a:ea typeface="SimSun" panose="02010600030101010101" pitchFamily="2" charset="-122"/>
+                <a:cs typeface="Tahoma" panose="020B0604030504040204" pitchFamily="34" charset="0"/>
+              </a:rPr>
+            </a:br>
+            <a:r>
+              <a:rPr lang="en-US" sz="900" dirty="0" err="1">
+                <a:latin typeface="Corbel" panose="020B0503020204020204" pitchFamily="34" charset="0"/>
+                <a:ea typeface="SimSun" panose="02010600030101010101" pitchFamily="2" charset="-122"/>
+                <a:cs typeface="Tahoma" panose="020B0604030504040204" pitchFamily="34" charset="0"/>
+              </a:rPr>
+              <a:t>d</a:t>
+            </a:r>
+            <a:r>
+              <a:rPr lang="en-US" sz="900" dirty="0" err="1" smtClean="0">
+                <a:latin typeface="Corbel" panose="020B0503020204020204" pitchFamily="34" charset="0"/>
+                <a:ea typeface="SimSun" panose="02010600030101010101" pitchFamily="2" charset="-122"/>
+                <a:cs typeface="Tahoma" panose="020B0604030504040204" pitchFamily="34" charset="0"/>
+              </a:rPr>
+              <a:t>ti</a:t>
+            </a:r>
+            <a:r>
+              <a:rPr lang="en-US" sz="900" dirty="0" smtClean="0">
+                <a:latin typeface="Corbel" panose="020B0503020204020204" pitchFamily="34" charset="0"/>
+                <a:ea typeface="SimSun" panose="02010600030101010101" pitchFamily="2" charset="-122"/>
+                <a:cs typeface="Tahoma" panose="020B0604030504040204" pitchFamily="34" charset="0"/>
+              </a:rPr>
+              <a:t> = A </a:t>
+            </a:r>
+            <a:r>
+              <a:rPr lang="en-US" sz="900" dirty="0">
+                <a:latin typeface="Corbel" panose="020B0503020204020204" pitchFamily="34" charset="0"/>
+                <a:ea typeface="SimSun" panose="02010600030101010101" pitchFamily="2" charset="-122"/>
+                <a:cs typeface="Tahoma" panose="020B0604030504040204" pitchFamily="34" charset="0"/>
+              </a:rPr>
+              <a:t>ratio calculated using the borrower's total monthly debt payments on the total debt </a:t>
+            </a:r>
+            <a:r>
+              <a:rPr lang="en-US" sz="900" dirty="0" smtClean="0">
+                <a:latin typeface="Corbel" panose="020B0503020204020204" pitchFamily="34" charset="0"/>
+                <a:ea typeface="SimSun" panose="02010600030101010101" pitchFamily="2" charset="-122"/>
+                <a:cs typeface="Tahoma" panose="020B0604030504040204" pitchFamily="34" charset="0"/>
+              </a:rPr>
+              <a:t>obligations, </a:t>
+            </a:r>
+            <a:r>
+              <a:rPr lang="en-US" sz="900" dirty="0">
+                <a:latin typeface="Corbel" panose="020B0503020204020204" pitchFamily="34" charset="0"/>
+                <a:ea typeface="SimSun" panose="02010600030101010101" pitchFamily="2" charset="-122"/>
+                <a:cs typeface="Tahoma" panose="020B0604030504040204" pitchFamily="34" charset="0"/>
+              </a:rPr>
+              <a:t>divided by the borrower's self-reported monthly income.</a:t>
+            </a:r>
+            <a:endParaRPr lang="en-US" sz="900" dirty="0"/>
+          </a:p>
+        </p:txBody>
+      </p:sp>
+      <p:pic>
+        <p:nvPicPr>
+          <p:cNvPr id="11" name="Picture 10"/>
+          <p:cNvPicPr>
+            <a:picLocks noChangeAspect="1"/>
+          </p:cNvPicPr>
+          <p:nvPr/>
+        </p:nvPicPr>
+        <p:blipFill>
+          <a:blip r:embed="rId3">
+            <a:extLst>
+              <a:ext uri="{28A0092B-C50C-407E-A947-70E740481C1C}">
+                <a14:useLocalDpi xmlns:a14="http://schemas.microsoft.com/office/drawing/2010/main" val="0"/>
+              </a:ext>
+            </a:extLst>
+          </a:blip>
+          <a:stretch>
+            <a:fillRect/>
+          </a:stretch>
+        </p:blipFill>
+        <p:spPr>
+          <a:xfrm>
+            <a:off x="1215614" y="2694542"/>
+            <a:ext cx="3556887" cy="2090689"/>
+          </a:xfrm>
+          <a:prstGeom prst="rect">
+            <a:avLst/>
+          </a:prstGeom>
+        </p:spPr>
+      </p:pic>
+    </p:spTree>
+    <p:extLst>
+      <p:ext uri="{BB962C8B-B14F-4D97-AF65-F5344CB8AC3E}">
+        <p14:creationId xmlns:p14="http://schemas.microsoft.com/office/powerpoint/2010/main" val="47024990"/>
+      </p:ext>
+    </p:extLst>
+  </p:cSld>
+  <p:clrMapOvr>
+    <a:masterClrMapping/>
+  </p:clrMapOvr>
+</p:sld>
+</file>
+
+<file path=ppt/slides/slide13.xml><?xml version="1.0" encoding="utf-8"?>
+<p:sld xmlns:a="http://schemas.openxmlformats.org/drawingml/2006/main" xmlns:r="http://schemas.openxmlformats.org/officeDocument/2006/relationships" xmlns:p="http://schemas.openxmlformats.org/presentationml/2006/main">
+  <p:cSld>
+    <p:spTree>
+      <p:nvGrpSpPr>
+        <p:cNvPr id="1" name=""/>
+        <p:cNvGrpSpPr/>
+        <p:nvPr/>
+      </p:nvGrpSpPr>
+      <p:grpSpPr>
+        <a:xfrm>
+          <a:off x="0" y="0"/>
+          <a:ext cx="0" cy="0"/>
+          <a:chOff x="0" y="0"/>
+          <a:chExt cx="0" cy="0"/>
+        </a:xfrm>
+      </p:grpSpPr>
+      <p:sp>
+        <p:nvSpPr>
+          <p:cNvPr id="2" name="Title 1"/>
+          <p:cNvSpPr>
+            <a:spLocks noGrp="1"/>
+          </p:cNvSpPr>
+          <p:nvPr>
+            <p:ph type="title"/>
+          </p:nvPr>
+        </p:nvSpPr>
+        <p:spPr/>
+        <p:txBody>
+          <a:bodyPr/>
+          <a:lstStyle/>
+          <a:p>
+            <a:r>
+              <a:rPr lang="en-US" dirty="0" smtClean="0"/>
               <a:t>Summary</a:t>
             </a:r>
             <a:endParaRPr lang="en-US" dirty="0"/>
@@ -13162,28 +13881,42 @@
             <p:ph idx="1"/>
             <p:extLst>
               <p:ext uri="{D42A27DB-BD31-4B8C-83A1-F6EECF244321}">
-                <p14:modId xmlns:p14="http://schemas.microsoft.com/office/powerpoint/2010/main" val="1900410898"/>
+                <p14:modId xmlns:p14="http://schemas.microsoft.com/office/powerpoint/2010/main" val="3691443708"/>
               </p:ext>
             </p:extLst>
           </p:nvPr>
         </p:nvGraphicFramePr>
         <p:xfrm>
-          <a:off x="2264390" y="1992548"/>
-          <a:ext cx="7455048" cy="3441395"/>
+          <a:off x="947254" y="1962313"/>
+          <a:ext cx="10293844" cy="3258457"/>
         </p:xfrm>
         <a:graphic>
           <a:graphicData uri="http://schemas.openxmlformats.org/drawingml/2006/table">
             <a:tbl>
               <a:tblPr firstRow="1" firstCol="1" bandRow="1"/>
               <a:tblGrid>
-                <a:gridCol w="6312838">
+                <a:gridCol w="804105">
                   <a:extLst>
                     <a:ext uri="{9D8B030D-6E8A-4147-A177-3AD203B41FA5}">
                       <a16:colId xmlns:a16="http://schemas.microsoft.com/office/drawing/2014/main" val="3187706053"/>
                     </a:ext>
                   </a:extLst>
                 </a:gridCol>
-                <a:gridCol w="1142210">
+                <a:gridCol w="1422651">
+                  <a:extLst>
+                    <a:ext uri="{9D8B030D-6E8A-4147-A177-3AD203B41FA5}">
+                      <a16:colId xmlns:a16="http://schemas.microsoft.com/office/drawing/2014/main" val="3972964956"/>
+                    </a:ext>
+                  </a:extLst>
+                </a:gridCol>
+                <a:gridCol w="6954009">
+                  <a:extLst>
+                    <a:ext uri="{9D8B030D-6E8A-4147-A177-3AD203B41FA5}">
+                      <a16:colId xmlns:a16="http://schemas.microsoft.com/office/drawing/2014/main" val="3584904968"/>
+                    </a:ext>
+                  </a:extLst>
+                </a:gridCol>
+                <a:gridCol w="1113079">
                   <a:extLst>
                     <a:ext uri="{9D8B030D-6E8A-4147-A177-3AD203B41FA5}">
                       <a16:colId xmlns:a16="http://schemas.microsoft.com/office/drawing/2014/main" val="1340062138"/>
@@ -13269,15 +14002,147 @@
                         </a:spcAft>
                       </a:pPr>
                       <a:r>
-                        <a:rPr lang="en-US" sz="1800" b="1">
+                        <a:rPr lang="en-US" sz="1800" b="1" kern="1200" dirty="0" smtClean="0">
+                          <a:solidFill>
+                            <a:schemeClr val="tx1"/>
+                          </a:solidFill>
                           <a:effectLst/>
                           <a:latin typeface="Corbel" panose="020B0503020204020204" pitchFamily="34" charset="0"/>
                           <a:ea typeface="SimSun" panose="02010600030101010101" pitchFamily="2" charset="-122"/>
                           <a:cs typeface="Tahoma" panose="020B0604030504040204" pitchFamily="34" charset="0"/>
                         </a:rPr>
+                        <a:t>Technique</a:t>
+                      </a:r>
+                      <a:endParaRPr lang="en-US" sz="1800" b="1" kern="1200" dirty="0">
+                        <a:solidFill>
+                          <a:schemeClr val="tx1"/>
+                        </a:solidFill>
+                        <a:effectLst/>
+                        <a:latin typeface="Corbel" panose="020B0503020204020204" pitchFamily="34" charset="0"/>
+                        <a:ea typeface="SimSun" panose="02010600030101010101" pitchFamily="2" charset="-122"/>
+                        <a:cs typeface="Tahoma" panose="020B0604030504040204" pitchFamily="34" charset="0"/>
+                      </a:endParaRPr>
+                    </a:p>
+                  </a:txBody>
+                  <a:tcPr marL="68580" marR="68580" marT="0" marB="0">
+                    <a:lnL>
+                      <a:noFill/>
+                    </a:lnL>
+                    <a:lnR>
+                      <a:noFill/>
+                    </a:lnR>
+                    <a:lnT w="12700" cap="flat" cmpd="sng" algn="ctr">
+                      <a:solidFill>
+                        <a:srgbClr val="959595"/>
+                      </a:solidFill>
+                      <a:prstDash val="solid"/>
+                      <a:round/>
+                      <a:headEnd type="none" w="med" len="med"/>
+                      <a:tailEnd type="none" w="med" len="med"/>
+                    </a:lnT>
+                    <a:lnB w="12700" cap="flat" cmpd="sng" algn="ctr">
+                      <a:solidFill>
+                        <a:srgbClr val="959595"/>
+                      </a:solidFill>
+                      <a:prstDash val="solid"/>
+                      <a:round/>
+                      <a:headEnd type="none" w="med" len="med"/>
+                      <a:tailEnd type="none" w="med" len="med"/>
+                    </a:lnB>
+                  </a:tcPr>
+                </a:tc>
+                <a:tc>
+                  <a:txBody>
+                    <a:bodyPr/>
+                    <a:lstStyle/>
+                    <a:p>
+                      <a:pPr marL="0" marR="0" algn="ctr">
+                        <a:lnSpc>
+                          <a:spcPct val="110000"/>
+                        </a:lnSpc>
+                        <a:spcBef>
+                          <a:spcPts val="600"/>
+                        </a:spcBef>
+                        <a:spcAft>
+                          <a:spcPts val="0"/>
+                        </a:spcAft>
+                      </a:pPr>
+                      <a:r>
+                        <a:rPr lang="en-US" sz="1800" b="1" kern="1200" dirty="0" err="1" smtClean="0">
+                          <a:solidFill>
+                            <a:schemeClr val="tx1"/>
+                          </a:solidFill>
+                          <a:effectLst/>
+                          <a:latin typeface="Corbel" panose="020B0503020204020204" pitchFamily="34" charset="0"/>
+                          <a:ea typeface="SimSun" panose="02010600030101010101" pitchFamily="2" charset="-122"/>
+                          <a:cs typeface="Tahoma" panose="020B0604030504040204" pitchFamily="34" charset="0"/>
+                        </a:rPr>
+                        <a:t>Variable.Imp</a:t>
+                      </a:r>
+                      <a:endParaRPr lang="en-US" sz="1800" b="1" kern="1200" dirty="0">
+                        <a:solidFill>
+                          <a:schemeClr val="tx1"/>
+                        </a:solidFill>
+                        <a:effectLst/>
+                        <a:latin typeface="Corbel" panose="020B0503020204020204" pitchFamily="34" charset="0"/>
+                        <a:ea typeface="SimSun" panose="02010600030101010101" pitchFamily="2" charset="-122"/>
+                        <a:cs typeface="Tahoma" panose="020B0604030504040204" pitchFamily="34" charset="0"/>
+                      </a:endParaRPr>
+                    </a:p>
+                  </a:txBody>
+                  <a:tcPr marL="68580" marR="68580" marT="0" marB="0">
+                    <a:lnL>
+                      <a:noFill/>
+                    </a:lnL>
+                    <a:lnR>
+                      <a:noFill/>
+                    </a:lnR>
+                    <a:lnT w="12700" cap="flat" cmpd="sng" algn="ctr">
+                      <a:solidFill>
+                        <a:srgbClr val="959595"/>
+                      </a:solidFill>
+                      <a:prstDash val="solid"/>
+                      <a:round/>
+                      <a:headEnd type="none" w="med" len="med"/>
+                      <a:tailEnd type="none" w="med" len="med"/>
+                    </a:lnT>
+                    <a:lnB w="12700" cap="flat" cmpd="sng" algn="ctr">
+                      <a:solidFill>
+                        <a:srgbClr val="959595"/>
+                      </a:solidFill>
+                      <a:prstDash val="solid"/>
+                      <a:round/>
+                      <a:headEnd type="none" w="med" len="med"/>
+                      <a:tailEnd type="none" w="med" len="med"/>
+                    </a:lnB>
+                  </a:tcPr>
+                </a:tc>
+                <a:tc>
+                  <a:txBody>
+                    <a:bodyPr/>
+                    <a:lstStyle/>
+                    <a:p>
+                      <a:pPr marL="0" marR="0" algn="ctr">
+                        <a:lnSpc>
+                          <a:spcPct val="110000"/>
+                        </a:lnSpc>
+                        <a:spcBef>
+                          <a:spcPts val="600"/>
+                        </a:spcBef>
+                        <a:spcAft>
+                          <a:spcPts val="0"/>
+                        </a:spcAft>
+                      </a:pPr>
+                      <a:r>
+                        <a:rPr lang="en-US" sz="1800" b="1" dirty="0">
+                          <a:effectLst/>
+                          <a:latin typeface="Corbel" panose="020B0503020204020204" pitchFamily="34" charset="0"/>
+                          <a:ea typeface="SimSun" panose="02010600030101010101" pitchFamily="2" charset="-122"/>
+                          <a:cs typeface="Tahoma" panose="020B0604030504040204" pitchFamily="34" charset="0"/>
+                        </a:rPr>
                         <a:t>AUC</a:t>
                       </a:r>
-                      <a:endParaRPr lang="en-US" sz="1800">
+                      <a:endParaRPr lang="en-US" sz="1800" dirty="0">
                         <a:effectLst/>
                         <a:latin typeface="Corbel" panose="020B0503020204020204" pitchFamily="34" charset="0"/>
                         <a:ea typeface="SimSun" panose="02010600030101010101" pitchFamily="2" charset="-122"/>
@@ -13318,7 +14183,7 @@
                   </a:ext>
                 </a:extLst>
               </a:tr>
-              <a:tr h="1804211">
+              <a:tr h="1049934">
                 <a:tc>
                   <a:txBody>
                     <a:bodyPr/>
@@ -13336,453 +14201,13 @@
                         </a:spcAft>
                       </a:pPr>
                       <a:r>
-                        <a:rPr lang="en-US" sz="1800" b="1" dirty="0">
+                        <a:rPr lang="en-US" sz="1800" b="1" dirty="0" smtClean="0">
                           <a:effectLst/>
                           <a:latin typeface="Corbel" panose="020B0503020204020204" pitchFamily="34" charset="0"/>
                           <a:ea typeface="SimSun" panose="02010600030101010101" pitchFamily="2" charset="-122"/>
                           <a:cs typeface="Tahoma" panose="020B0604030504040204" pitchFamily="34" charset="0"/>
                         </a:rPr>
-                        <a:t>LoanModel00 = </a:t>
-                      </a:r>
-                      <a:r>
-                        <a:rPr lang="en-US" sz="1800" b="1" dirty="0" err="1">
-                          <a:effectLst/>
-                          <a:latin typeface="Corbel" panose="020B0503020204020204" pitchFamily="34" charset="0"/>
-                          <a:ea typeface="SimSun" panose="02010600030101010101" pitchFamily="2" charset="-122"/>
-                          <a:cs typeface="Tahoma" panose="020B0604030504040204" pitchFamily="34" charset="0"/>
-                        </a:rPr>
-                        <a:t>glm</a:t>
-                      </a:r>
-                      <a:r>
-                        <a:rPr lang="en-US" sz="1800" b="1" dirty="0">
-                          <a:effectLst/>
-                          <a:latin typeface="Corbel" panose="020B0503020204020204" pitchFamily="34" charset="0"/>
-                          <a:ea typeface="SimSun" panose="02010600030101010101" pitchFamily="2" charset="-122"/>
-                          <a:cs typeface="Tahoma" panose="020B0604030504040204" pitchFamily="34" charset="0"/>
-                        </a:rPr>
-                        <a:t> (</a:t>
-                      </a:r>
-                      <a:r>
-                        <a:rPr lang="en-US" sz="1800" b="1" dirty="0" err="1">
-                          <a:effectLst/>
-                          <a:latin typeface="Corbel" panose="020B0503020204020204" pitchFamily="34" charset="0"/>
-                          <a:ea typeface="SimSun" panose="02010600030101010101" pitchFamily="2" charset="-122"/>
-                          <a:cs typeface="Tahoma" panose="020B0604030504040204" pitchFamily="34" charset="0"/>
-                        </a:rPr>
-                        <a:t>bad_loan</a:t>
-                      </a:r>
-                      <a:r>
-                        <a:rPr lang="en-US" sz="1800" b="1" dirty="0">
-                          <a:effectLst/>
-                          <a:latin typeface="Corbel" panose="020B0503020204020204" pitchFamily="34" charset="0"/>
-                          <a:ea typeface="SimSun" panose="02010600030101010101" pitchFamily="2" charset="-122"/>
-                          <a:cs typeface="Tahoma" panose="020B0604030504040204" pitchFamily="34" charset="0"/>
-                        </a:rPr>
-                        <a:t> ~ </a:t>
-                      </a:r>
-                      <a:endParaRPr lang="en-US" sz="1800" b="1" dirty="0" smtClean="0">
-                        <a:effectLst/>
-                        <a:latin typeface="Corbel" panose="020B0503020204020204" pitchFamily="34" charset="0"/>
-                        <a:ea typeface="SimSun" panose="02010600030101010101" pitchFamily="2" charset="-122"/>
-                        <a:cs typeface="Tahoma" panose="020B0604030504040204" pitchFamily="34" charset="0"/>
-                      </a:endParaRPr>
-                    </a:p>
-                    <a:p>
-                      <a:pPr marL="0" marR="0">
-                        <a:lnSpc>
-                          <a:spcPct val="110000"/>
-                        </a:lnSpc>
-                        <a:spcBef>
-                          <a:spcPts val="600"/>
-                        </a:spcBef>
-                        <a:spcAft>
-                          <a:spcPts val="0"/>
-                        </a:spcAft>
-                      </a:pPr>
-                      <a:r>
-                        <a:rPr lang="en-US" sz="1800" b="1" dirty="0" err="1" smtClean="0">
-                          <a:solidFill>
-                            <a:schemeClr val="accent1">
-                              <a:lumMod val="60000"/>
-                              <a:lumOff val="40000"/>
-                            </a:schemeClr>
-                          </a:solidFill>
-                          <a:effectLst/>
-                          <a:latin typeface="Corbel" panose="020B0503020204020204" pitchFamily="34" charset="0"/>
-                          <a:ea typeface="SimSun" panose="02010600030101010101" pitchFamily="2" charset="-122"/>
-                          <a:cs typeface="Tahoma" panose="020B0604030504040204" pitchFamily="34" charset="0"/>
-                        </a:rPr>
-                        <a:t>loan_amnt</a:t>
-                      </a:r>
-                      <a:r>
-                        <a:rPr lang="en-US" sz="1800" b="1" dirty="0" smtClean="0">
-                          <a:solidFill>
-                            <a:schemeClr val="accent1">
-                              <a:lumMod val="60000"/>
-                              <a:lumOff val="40000"/>
-                            </a:schemeClr>
-                          </a:solidFill>
-                          <a:effectLst/>
-                          <a:latin typeface="Corbel" panose="020B0503020204020204" pitchFamily="34" charset="0"/>
-                          <a:ea typeface="SimSun" panose="02010600030101010101" pitchFamily="2" charset="-122"/>
-                          <a:cs typeface="Tahoma" panose="020B0604030504040204" pitchFamily="34" charset="0"/>
-                        </a:rPr>
-                        <a:t> </a:t>
-                      </a:r>
-                      <a:r>
-                        <a:rPr lang="en-US" sz="1800" b="1" dirty="0">
-                          <a:solidFill>
-                            <a:schemeClr val="accent1">
-                              <a:lumMod val="60000"/>
-                              <a:lumOff val="40000"/>
-                            </a:schemeClr>
-                          </a:solidFill>
-                          <a:effectLst/>
-                          <a:latin typeface="Corbel" panose="020B0503020204020204" pitchFamily="34" charset="0"/>
-                          <a:ea typeface="SimSun" panose="02010600030101010101" pitchFamily="2" charset="-122"/>
-                          <a:cs typeface="Tahoma" panose="020B0604030504040204" pitchFamily="34" charset="0"/>
-                        </a:rPr>
-                        <a:t>+ </a:t>
-                      </a:r>
-                      <a:r>
-                        <a:rPr lang="en-US" sz="1800" b="1" dirty="0" err="1">
-                          <a:solidFill>
-                            <a:schemeClr val="accent1">
-                              <a:lumMod val="60000"/>
-                              <a:lumOff val="40000"/>
-                            </a:schemeClr>
-                          </a:solidFill>
-                          <a:effectLst/>
-                          <a:latin typeface="Corbel" panose="020B0503020204020204" pitchFamily="34" charset="0"/>
-                          <a:ea typeface="SimSun" panose="02010600030101010101" pitchFamily="2" charset="-122"/>
-                          <a:cs typeface="Tahoma" panose="020B0604030504040204" pitchFamily="34" charset="0"/>
-                        </a:rPr>
-                        <a:t>annual_inc</a:t>
-                      </a:r>
-                      <a:r>
-                        <a:rPr lang="en-US" sz="1800" b="1" dirty="0">
-                          <a:solidFill>
-                            <a:schemeClr val="accent1">
-                              <a:lumMod val="60000"/>
-                              <a:lumOff val="40000"/>
-                            </a:schemeClr>
-                          </a:solidFill>
-                          <a:effectLst/>
-                          <a:latin typeface="Corbel" panose="020B0503020204020204" pitchFamily="34" charset="0"/>
-                          <a:ea typeface="SimSun" panose="02010600030101010101" pitchFamily="2" charset="-122"/>
-                          <a:cs typeface="Tahoma" panose="020B0604030504040204" pitchFamily="34" charset="0"/>
-                        </a:rPr>
-                        <a:t> + </a:t>
-                      </a:r>
-                      <a:r>
-                        <a:rPr lang="en-US" sz="1800" b="1" dirty="0" err="1">
-                          <a:solidFill>
-                            <a:schemeClr val="accent1">
-                              <a:lumMod val="60000"/>
-                              <a:lumOff val="40000"/>
-                            </a:schemeClr>
-                          </a:solidFill>
-                          <a:effectLst/>
-                          <a:latin typeface="Corbel" panose="020B0503020204020204" pitchFamily="34" charset="0"/>
-                          <a:ea typeface="SimSun" panose="02010600030101010101" pitchFamily="2" charset="-122"/>
-                          <a:cs typeface="Tahoma" panose="020B0604030504040204" pitchFamily="34" charset="0"/>
-                        </a:rPr>
-                        <a:t>dti</a:t>
-                      </a:r>
-                      <a:r>
-                        <a:rPr lang="en-US" sz="1800" b="1" dirty="0">
-                          <a:solidFill>
-                            <a:schemeClr val="accent1">
-                              <a:lumMod val="60000"/>
-                              <a:lumOff val="40000"/>
-                            </a:schemeClr>
-                          </a:solidFill>
-                          <a:effectLst/>
-                          <a:latin typeface="Corbel" panose="020B0503020204020204" pitchFamily="34" charset="0"/>
-                          <a:ea typeface="SimSun" panose="02010600030101010101" pitchFamily="2" charset="-122"/>
-                          <a:cs typeface="Tahoma" panose="020B0604030504040204" pitchFamily="34" charset="0"/>
-                        </a:rPr>
-                        <a:t> + delinq_2yrs + </a:t>
-                      </a:r>
-                      <a:r>
-                        <a:rPr lang="en-US" sz="1800" b="1" dirty="0" err="1">
-                          <a:solidFill>
-                            <a:schemeClr val="accent1">
-                              <a:lumMod val="60000"/>
-                              <a:lumOff val="40000"/>
-                            </a:schemeClr>
-                          </a:solidFill>
-                          <a:effectLst/>
-                          <a:latin typeface="Corbel" panose="020B0503020204020204" pitchFamily="34" charset="0"/>
-                          <a:ea typeface="SimSun" panose="02010600030101010101" pitchFamily="2" charset="-122"/>
-                          <a:cs typeface="Tahoma" panose="020B0604030504040204" pitchFamily="34" charset="0"/>
-                        </a:rPr>
-                        <a:t>revol_util</a:t>
-                      </a:r>
-                      <a:r>
-                        <a:rPr lang="en-US" sz="1800" b="1" dirty="0">
-                          <a:solidFill>
-                            <a:schemeClr val="accent1">
-                              <a:lumMod val="60000"/>
-                              <a:lumOff val="40000"/>
-                            </a:schemeClr>
-                          </a:solidFill>
-                          <a:effectLst/>
-                          <a:latin typeface="Corbel" panose="020B0503020204020204" pitchFamily="34" charset="0"/>
-                          <a:ea typeface="SimSun" panose="02010600030101010101" pitchFamily="2" charset="-122"/>
-                          <a:cs typeface="Tahoma" panose="020B0604030504040204" pitchFamily="34" charset="0"/>
-                        </a:rPr>
-                        <a:t> + </a:t>
-                      </a:r>
-                      <a:r>
-                        <a:rPr lang="en-US" sz="1800" b="1" dirty="0" err="1">
-                          <a:solidFill>
-                            <a:schemeClr val="accent1">
-                              <a:lumMod val="60000"/>
-                              <a:lumOff val="40000"/>
-                            </a:schemeClr>
-                          </a:solidFill>
-                          <a:effectLst/>
-                          <a:latin typeface="Corbel" panose="020B0503020204020204" pitchFamily="34" charset="0"/>
-                          <a:ea typeface="SimSun" panose="02010600030101010101" pitchFamily="2" charset="-122"/>
-                          <a:cs typeface="Tahoma" panose="020B0604030504040204" pitchFamily="34" charset="0"/>
-                        </a:rPr>
-                        <a:t>total_acc</a:t>
-                      </a:r>
-                      <a:r>
-                        <a:rPr lang="en-US" sz="1800" b="1" dirty="0">
-                          <a:solidFill>
-                            <a:schemeClr val="accent1">
-                              <a:lumMod val="60000"/>
-                              <a:lumOff val="40000"/>
-                            </a:schemeClr>
-                          </a:solidFill>
-                          <a:effectLst/>
-                          <a:latin typeface="Corbel" panose="020B0503020204020204" pitchFamily="34" charset="0"/>
-                          <a:ea typeface="SimSun" panose="02010600030101010101" pitchFamily="2" charset="-122"/>
-                          <a:cs typeface="Tahoma" panose="020B0604030504040204" pitchFamily="34" charset="0"/>
-                        </a:rPr>
-                        <a:t> + </a:t>
-                      </a:r>
-                      <a:r>
-                        <a:rPr lang="en-US" sz="1800" b="1" dirty="0" err="1">
-                          <a:solidFill>
-                            <a:schemeClr val="accent1">
-                              <a:lumMod val="60000"/>
-                              <a:lumOff val="40000"/>
-                            </a:schemeClr>
-                          </a:solidFill>
-                          <a:effectLst/>
-                          <a:latin typeface="Corbel" panose="020B0503020204020204" pitchFamily="34" charset="0"/>
-                          <a:ea typeface="SimSun" panose="02010600030101010101" pitchFamily="2" charset="-122"/>
-                          <a:cs typeface="Tahoma" panose="020B0604030504040204" pitchFamily="34" charset="0"/>
-                        </a:rPr>
-                        <a:t>longest_credit_length</a:t>
-                      </a:r>
-                      <a:r>
-                        <a:rPr lang="en-US" sz="1800" b="1" dirty="0">
-                          <a:solidFill>
-                            <a:schemeClr val="accent1">
-                              <a:lumMod val="60000"/>
-                              <a:lumOff val="40000"/>
-                            </a:schemeClr>
-                          </a:solidFill>
-                          <a:effectLst/>
-                          <a:latin typeface="Corbel" panose="020B0503020204020204" pitchFamily="34" charset="0"/>
-                          <a:ea typeface="SimSun" panose="02010600030101010101" pitchFamily="2" charset="-122"/>
-                          <a:cs typeface="Tahoma" panose="020B0604030504040204" pitchFamily="34" charset="0"/>
-                        </a:rPr>
-                        <a:t> + </a:t>
-                      </a:r>
-                      <a:r>
-                        <a:rPr lang="en-US" sz="1800" b="1" dirty="0" err="1">
-                          <a:solidFill>
-                            <a:schemeClr val="accent1">
-                              <a:lumMod val="60000"/>
-                              <a:lumOff val="40000"/>
-                            </a:schemeClr>
-                          </a:solidFill>
-                          <a:effectLst/>
-                          <a:latin typeface="Corbel" panose="020B0503020204020204" pitchFamily="34" charset="0"/>
-                          <a:ea typeface="SimSun" panose="02010600030101010101" pitchFamily="2" charset="-122"/>
-                          <a:cs typeface="Tahoma" panose="020B0604030504040204" pitchFamily="34" charset="0"/>
-                        </a:rPr>
-                        <a:t>bankrpc_state_low</a:t>
-                      </a:r>
-                      <a:r>
-                        <a:rPr lang="en-US" sz="1800" b="1" dirty="0">
-                          <a:solidFill>
-                            <a:schemeClr val="accent1">
-                              <a:lumMod val="60000"/>
-                              <a:lumOff val="40000"/>
-                            </a:schemeClr>
-                          </a:solidFill>
-                          <a:effectLst/>
-                          <a:latin typeface="Corbel" panose="020B0503020204020204" pitchFamily="34" charset="0"/>
-                          <a:ea typeface="SimSun" panose="02010600030101010101" pitchFamily="2" charset="-122"/>
-                          <a:cs typeface="Tahoma" panose="020B0604030504040204" pitchFamily="34" charset="0"/>
-                        </a:rPr>
-                        <a:t> +  </a:t>
-                      </a:r>
-                      <a:r>
-                        <a:rPr lang="en-US" sz="1800" b="1" dirty="0" err="1">
-                          <a:solidFill>
-                            <a:schemeClr val="accent1">
-                              <a:lumMod val="60000"/>
-                              <a:lumOff val="40000"/>
-                            </a:schemeClr>
-                          </a:solidFill>
-                          <a:effectLst/>
-                          <a:latin typeface="Corbel" panose="020B0503020204020204" pitchFamily="34" charset="0"/>
-                          <a:ea typeface="SimSun" panose="02010600030101010101" pitchFamily="2" charset="-122"/>
-                          <a:cs typeface="Tahoma" panose="020B0604030504040204" pitchFamily="34" charset="0"/>
-                        </a:rPr>
-                        <a:t>bankrpc_state_high</a:t>
-                      </a:r>
-                      <a:r>
-                        <a:rPr lang="en-US" sz="1800" b="1" dirty="0">
-                          <a:solidFill>
-                            <a:schemeClr val="accent1">
-                              <a:lumMod val="60000"/>
-                              <a:lumOff val="40000"/>
-                            </a:schemeClr>
-                          </a:solidFill>
-                          <a:effectLst/>
-                          <a:latin typeface="Corbel" panose="020B0503020204020204" pitchFamily="34" charset="0"/>
-                          <a:ea typeface="SimSun" panose="02010600030101010101" pitchFamily="2" charset="-122"/>
-                          <a:cs typeface="Tahoma" panose="020B0604030504040204" pitchFamily="34" charset="0"/>
-                        </a:rPr>
-                        <a:t>  + </a:t>
-                      </a:r>
-                      <a:r>
-                        <a:rPr lang="en-US" sz="1800" b="1" dirty="0" err="1">
-                          <a:solidFill>
-                            <a:schemeClr val="accent1">
-                              <a:lumMod val="60000"/>
-                              <a:lumOff val="40000"/>
-                            </a:schemeClr>
-                          </a:solidFill>
-                          <a:effectLst/>
-                          <a:latin typeface="Corbel" panose="020B0503020204020204" pitchFamily="34" charset="0"/>
-                          <a:ea typeface="SimSun" panose="02010600030101010101" pitchFamily="2" charset="-122"/>
-                          <a:cs typeface="Tahoma" panose="020B0604030504040204" pitchFamily="34" charset="0"/>
-                        </a:rPr>
-                        <a:t>homeown_mort</a:t>
-                      </a:r>
-                      <a:r>
-                        <a:rPr lang="en-US" sz="1800" b="1" dirty="0">
-                          <a:solidFill>
-                            <a:schemeClr val="accent1">
-                              <a:lumMod val="60000"/>
-                              <a:lumOff val="40000"/>
-                            </a:schemeClr>
-                          </a:solidFill>
-                          <a:effectLst/>
-                          <a:latin typeface="Corbel" panose="020B0503020204020204" pitchFamily="34" charset="0"/>
-                          <a:ea typeface="SimSun" panose="02010600030101010101" pitchFamily="2" charset="-122"/>
-                          <a:cs typeface="Tahoma" panose="020B0604030504040204" pitchFamily="34" charset="0"/>
-                        </a:rPr>
-                        <a:t> + </a:t>
-                      </a:r>
-                      <a:r>
-                        <a:rPr lang="en-US" sz="1800" b="1" dirty="0" err="1">
-                          <a:solidFill>
-                            <a:schemeClr val="accent1">
-                              <a:lumMod val="60000"/>
-                              <a:lumOff val="40000"/>
-                            </a:schemeClr>
-                          </a:solidFill>
-                          <a:effectLst/>
-                          <a:latin typeface="Corbel" panose="020B0503020204020204" pitchFamily="34" charset="0"/>
-                          <a:ea typeface="SimSun" panose="02010600030101010101" pitchFamily="2" charset="-122"/>
-                          <a:cs typeface="Tahoma" panose="020B0604030504040204" pitchFamily="34" charset="0"/>
-                        </a:rPr>
-                        <a:t>homeown_rent</a:t>
-                      </a:r>
-                      <a:r>
-                        <a:rPr lang="en-US" sz="1800" b="1" dirty="0">
-                          <a:solidFill>
-                            <a:schemeClr val="accent1">
-                              <a:lumMod val="60000"/>
-                              <a:lumOff val="40000"/>
-                            </a:schemeClr>
-                          </a:solidFill>
-                          <a:effectLst/>
-                          <a:latin typeface="Corbel" panose="020B0503020204020204" pitchFamily="34" charset="0"/>
-                          <a:ea typeface="SimSun" panose="02010600030101010101" pitchFamily="2" charset="-122"/>
-                          <a:cs typeface="Tahoma" panose="020B0604030504040204" pitchFamily="34" charset="0"/>
-                        </a:rPr>
-                        <a:t> + term + purpose + </a:t>
-                      </a:r>
-                      <a:r>
-                        <a:rPr lang="en-US" sz="1800" b="1" dirty="0" err="1">
-                          <a:solidFill>
-                            <a:schemeClr val="accent1">
-                              <a:lumMod val="60000"/>
-                              <a:lumOff val="40000"/>
-                            </a:schemeClr>
-                          </a:solidFill>
-                          <a:effectLst/>
-                          <a:latin typeface="Corbel" panose="020B0503020204020204" pitchFamily="34" charset="0"/>
-                          <a:ea typeface="SimSun" panose="02010600030101010101" pitchFamily="2" charset="-122"/>
-                          <a:cs typeface="Tahoma" panose="020B0604030504040204" pitchFamily="34" charset="0"/>
-                        </a:rPr>
-                        <a:t>vstatus_verified</a:t>
-                      </a:r>
-                      <a:r>
-                        <a:rPr lang="en-US" sz="1800" b="1" dirty="0">
-                          <a:effectLst/>
-                          <a:latin typeface="Corbel" panose="020B0503020204020204" pitchFamily="34" charset="0"/>
-                          <a:ea typeface="SimSun" panose="02010600030101010101" pitchFamily="2" charset="-122"/>
-                          <a:cs typeface="Tahoma" panose="020B0604030504040204" pitchFamily="34" charset="0"/>
-                        </a:rPr>
-                        <a:t>, </a:t>
-                      </a:r>
-                      <a:endParaRPr lang="en-US" sz="1800" b="1" dirty="0" smtClean="0">
-                        <a:effectLst/>
-                        <a:latin typeface="Corbel" panose="020B0503020204020204" pitchFamily="34" charset="0"/>
-                        <a:ea typeface="SimSun" panose="02010600030101010101" pitchFamily="2" charset="-122"/>
-                        <a:cs typeface="Tahoma" panose="020B0604030504040204" pitchFamily="34" charset="0"/>
-                      </a:endParaRPr>
-                    </a:p>
-                    <a:p>
-                      <a:pPr marL="0" marR="0">
-                        <a:lnSpc>
-                          <a:spcPct val="110000"/>
-                        </a:lnSpc>
-                        <a:spcBef>
-                          <a:spcPts val="600"/>
-                        </a:spcBef>
-                        <a:spcAft>
-                          <a:spcPts val="0"/>
-                        </a:spcAft>
-                      </a:pPr>
-                      <a:r>
-                        <a:rPr lang="en-US" sz="1800" b="1" dirty="0" smtClean="0">
-                          <a:effectLst/>
-                          <a:latin typeface="Corbel" panose="020B0503020204020204" pitchFamily="34" charset="0"/>
-                          <a:ea typeface="SimSun" panose="02010600030101010101" pitchFamily="2" charset="-122"/>
-                          <a:cs typeface="Tahoma" panose="020B0604030504040204" pitchFamily="34" charset="0"/>
-                        </a:rPr>
-                        <a:t>data=</a:t>
-                      </a:r>
-                      <a:r>
-                        <a:rPr lang="en-US" sz="1800" b="1" dirty="0" err="1" smtClean="0">
-                          <a:effectLst/>
-                          <a:latin typeface="Corbel" panose="020B0503020204020204" pitchFamily="34" charset="0"/>
-                          <a:ea typeface="SimSun" panose="02010600030101010101" pitchFamily="2" charset="-122"/>
-                          <a:cs typeface="Tahoma" panose="020B0604030504040204" pitchFamily="34" charset="0"/>
-                        </a:rPr>
-                        <a:t>loan_train</a:t>
-                      </a:r>
-                      <a:r>
-                        <a:rPr lang="en-US" sz="1800" b="1" dirty="0">
-                          <a:effectLst/>
-                          <a:latin typeface="Corbel" panose="020B0503020204020204" pitchFamily="34" charset="0"/>
-                          <a:ea typeface="SimSun" panose="02010600030101010101" pitchFamily="2" charset="-122"/>
-                          <a:cs typeface="Tahoma" panose="020B0604030504040204" pitchFamily="34" charset="0"/>
-                        </a:rPr>
-                        <a:t>, family="binomial")</a:t>
+                        <a:t>1</a:t>
                       </a:r>
                       <a:endParaRPr lang="en-US" sz="1800" dirty="0">
                         <a:effectLst/>
@@ -13836,229 +14261,8 @@
                         </a:spcAft>
                       </a:pPr>
                       <a:r>
-                        <a:rPr lang="en-US" sz="1800">
-                          <a:effectLst/>
-                          <a:latin typeface="Corbel" panose="020B0503020204020204" pitchFamily="34" charset="0"/>
-                          <a:ea typeface="SimSun" panose="02010600030101010101" pitchFamily="2" charset="-122"/>
-                          <a:cs typeface="Tahoma" panose="020B0604030504040204" pitchFamily="34" charset="0"/>
-                        </a:rPr>
-                        <a:t>66.186%</a:t>
-                      </a:r>
-                    </a:p>
-                  </a:txBody>
-                  <a:tcPr marL="68580" marR="68580" marT="0" marB="0">
-                    <a:lnL>
-                      <a:noFill/>
-                    </a:lnL>
-                    <a:lnR>
-                      <a:noFill/>
-                    </a:lnR>
-                    <a:lnT w="12700" cap="flat" cmpd="sng" algn="ctr">
-                      <a:solidFill>
-                        <a:srgbClr val="959595"/>
-                      </a:solidFill>
-                      <a:prstDash val="solid"/>
-                      <a:round/>
-                      <a:headEnd type="none" w="med" len="med"/>
-                      <a:tailEnd type="none" w="med" len="med"/>
-                    </a:lnT>
-                    <a:lnB w="12700" cap="flat" cmpd="sng" algn="ctr">
-                      <a:solidFill>
-                        <a:srgbClr val="959595"/>
-                      </a:solidFill>
-                      <a:prstDash val="solid"/>
-                      <a:round/>
-                      <a:headEnd type="none" w="med" len="med"/>
-                      <a:tailEnd type="none" w="med" len="med"/>
-                    </a:lnB>
-                  </a:tcPr>
-                </a:tc>
-                <a:extLst>
-                  <a:ext uri="{0D108BD9-81ED-4DB2-BD59-A6C34878D82A}">
-                    <a16:rowId xmlns:a16="http://schemas.microsoft.com/office/drawing/2014/main" val="2103482849"/>
-                  </a:ext>
-                </a:extLst>
-              </a:tr>
-              <a:tr h="902105">
-                <a:tc>
-                  <a:txBody>
-                    <a:bodyPr/>
-                    <a:lstStyle/>
-                    <a:p>
-                      <a:pPr marL="0" marR="0">
-                        <a:lnSpc>
-                          <a:spcPct val="110000"/>
-                        </a:lnSpc>
-                        <a:spcBef>
-                          <a:spcPts val="600"/>
-                        </a:spcBef>
-                        <a:spcAft>
-                          <a:spcPts val="0"/>
-                        </a:spcAft>
-                      </a:pPr>
-                      <a:r>
-                        <a:rPr lang="en-US" sz="1800" b="1" dirty="0">
-                          <a:effectLst/>
-                          <a:latin typeface="Corbel" panose="020B0503020204020204" pitchFamily="34" charset="0"/>
-                          <a:ea typeface="SimSun" panose="02010600030101010101" pitchFamily="2" charset="-122"/>
-                          <a:cs typeface="Tahoma" panose="020B0604030504040204" pitchFamily="34" charset="0"/>
-                        </a:rPr>
-                        <a:t>LoanModel03b = </a:t>
-                      </a:r>
-                      <a:r>
-                        <a:rPr lang="en-US" sz="1800" b="1" dirty="0" err="1">
-                          <a:effectLst/>
-                          <a:latin typeface="Corbel" panose="020B0503020204020204" pitchFamily="34" charset="0"/>
-                          <a:ea typeface="SimSun" panose="02010600030101010101" pitchFamily="2" charset="-122"/>
-                          <a:cs typeface="Tahoma" panose="020B0604030504040204" pitchFamily="34" charset="0"/>
-                        </a:rPr>
-                        <a:t>glm</a:t>
-                      </a:r>
-                      <a:r>
-                        <a:rPr lang="en-US" sz="1800" b="1" dirty="0">
-                          <a:effectLst/>
-                          <a:latin typeface="Corbel" panose="020B0503020204020204" pitchFamily="34" charset="0"/>
-                          <a:ea typeface="SimSun" panose="02010600030101010101" pitchFamily="2" charset="-122"/>
-                          <a:cs typeface="Tahoma" panose="020B0604030504040204" pitchFamily="34" charset="0"/>
-                        </a:rPr>
-                        <a:t> (</a:t>
-                      </a:r>
-                      <a:r>
-                        <a:rPr lang="en-US" sz="1800" b="1" dirty="0" err="1">
-                          <a:effectLst/>
-                          <a:latin typeface="Corbel" panose="020B0503020204020204" pitchFamily="34" charset="0"/>
-                          <a:ea typeface="SimSun" panose="02010600030101010101" pitchFamily="2" charset="-122"/>
-                          <a:cs typeface="Tahoma" panose="020B0604030504040204" pitchFamily="34" charset="0"/>
-                        </a:rPr>
-                        <a:t>bad_loan</a:t>
-                      </a:r>
-                      <a:r>
-                        <a:rPr lang="en-US" sz="1800" b="1" dirty="0">
-                          <a:effectLst/>
-                          <a:latin typeface="Corbel" panose="020B0503020204020204" pitchFamily="34" charset="0"/>
-                          <a:ea typeface="SimSun" panose="02010600030101010101" pitchFamily="2" charset="-122"/>
-                          <a:cs typeface="Tahoma" panose="020B0604030504040204" pitchFamily="34" charset="0"/>
-                        </a:rPr>
-                        <a:t> ~ </a:t>
-                      </a:r>
-                      <a:endParaRPr lang="en-US" sz="1800" b="1" dirty="0" smtClean="0">
-                        <a:effectLst/>
-                        <a:latin typeface="Corbel" panose="020B0503020204020204" pitchFamily="34" charset="0"/>
-                        <a:ea typeface="SimSun" panose="02010600030101010101" pitchFamily="2" charset="-122"/>
-                        <a:cs typeface="Tahoma" panose="020B0604030504040204" pitchFamily="34" charset="0"/>
-                      </a:endParaRPr>
-                    </a:p>
-                    <a:p>
-                      <a:pPr marL="0" marR="0">
-                        <a:lnSpc>
-                          <a:spcPct val="110000"/>
-                        </a:lnSpc>
-                        <a:spcBef>
-                          <a:spcPts val="600"/>
-                        </a:spcBef>
-                        <a:spcAft>
-                          <a:spcPts val="0"/>
-                        </a:spcAft>
-                      </a:pPr>
-                      <a:r>
-                        <a:rPr lang="en-US" sz="1800" b="1" dirty="0" err="1" smtClean="0">
-                          <a:solidFill>
-                            <a:schemeClr val="accent1">
-                              <a:lumMod val="60000"/>
-                              <a:lumOff val="40000"/>
-                            </a:schemeClr>
-                          </a:solidFill>
-                          <a:effectLst/>
-                          <a:latin typeface="Corbel" panose="020B0503020204020204" pitchFamily="34" charset="0"/>
-                          <a:ea typeface="SimSun" panose="02010600030101010101" pitchFamily="2" charset="-122"/>
-                          <a:cs typeface="Tahoma" panose="020B0604030504040204" pitchFamily="34" charset="0"/>
-                        </a:rPr>
-                        <a:t>annual_inc</a:t>
-                      </a:r>
-                      <a:r>
-                        <a:rPr lang="en-US" sz="1800" b="1" dirty="0" smtClean="0">
-                          <a:solidFill>
-                            <a:schemeClr val="accent1">
-                              <a:lumMod val="60000"/>
-                              <a:lumOff val="40000"/>
-                            </a:schemeClr>
-                          </a:solidFill>
-                          <a:effectLst/>
-                          <a:latin typeface="Corbel" panose="020B0503020204020204" pitchFamily="34" charset="0"/>
-                          <a:ea typeface="SimSun" panose="02010600030101010101" pitchFamily="2" charset="-122"/>
-                          <a:cs typeface="Tahoma" panose="020B0604030504040204" pitchFamily="34" charset="0"/>
-                        </a:rPr>
-                        <a:t> </a:t>
-                      </a:r>
-                      <a:r>
-                        <a:rPr lang="en-US" sz="1800" b="1" dirty="0">
-                          <a:solidFill>
-                            <a:schemeClr val="accent1">
-                              <a:lumMod val="60000"/>
-                              <a:lumOff val="40000"/>
-                            </a:schemeClr>
-                          </a:solidFill>
-                          <a:effectLst/>
-                          <a:latin typeface="Corbel" panose="020B0503020204020204" pitchFamily="34" charset="0"/>
-                          <a:ea typeface="SimSun" panose="02010600030101010101" pitchFamily="2" charset="-122"/>
-                          <a:cs typeface="Tahoma" panose="020B0604030504040204" pitchFamily="34" charset="0"/>
-                        </a:rPr>
-                        <a:t>+ term</a:t>
-                      </a:r>
-                      <a:r>
-                        <a:rPr lang="en-US" sz="1800" b="1" dirty="0">
-                          <a:effectLst/>
-                          <a:latin typeface="Corbel" panose="020B0503020204020204" pitchFamily="34" charset="0"/>
-                          <a:ea typeface="SimSun" panose="02010600030101010101" pitchFamily="2" charset="-122"/>
-                          <a:cs typeface="Tahoma" panose="020B0604030504040204" pitchFamily="34" charset="0"/>
-                        </a:rPr>
-                        <a:t>, </a:t>
-                      </a:r>
-                      <a:endParaRPr lang="en-US" sz="1800" b="1" dirty="0" smtClean="0">
-                        <a:effectLst/>
-                        <a:latin typeface="Corbel" panose="020B0503020204020204" pitchFamily="34" charset="0"/>
-                        <a:ea typeface="SimSun" panose="02010600030101010101" pitchFamily="2" charset="-122"/>
-                        <a:cs typeface="Tahoma" panose="020B0604030504040204" pitchFamily="34" charset="0"/>
-                      </a:endParaRPr>
-                    </a:p>
-                    <a:p>
-                      <a:pPr marL="0" marR="0">
-                        <a:lnSpc>
-                          <a:spcPct val="110000"/>
-                        </a:lnSpc>
-                        <a:spcBef>
-                          <a:spcPts val="600"/>
-                        </a:spcBef>
-                        <a:spcAft>
-                          <a:spcPts val="0"/>
-                        </a:spcAft>
-                      </a:pPr>
-                      <a:r>
-                        <a:rPr lang="en-US" sz="1800" b="1" dirty="0" smtClean="0">
-                          <a:effectLst/>
-                          <a:latin typeface="Corbel" panose="020B0503020204020204" pitchFamily="34" charset="0"/>
-                          <a:ea typeface="SimSun" panose="02010600030101010101" pitchFamily="2" charset="-122"/>
-                          <a:cs typeface="Tahoma" panose="020B0604030504040204" pitchFamily="34" charset="0"/>
-                        </a:rPr>
-                        <a:t>data=</a:t>
-                      </a:r>
-                      <a:r>
-                        <a:rPr lang="en-US" sz="1800" b="1" dirty="0" err="1" smtClean="0">
-                          <a:effectLst/>
-                          <a:latin typeface="Corbel" panose="020B0503020204020204" pitchFamily="34" charset="0"/>
-                          <a:ea typeface="SimSun" panose="02010600030101010101" pitchFamily="2" charset="-122"/>
-                          <a:cs typeface="Tahoma" panose="020B0604030504040204" pitchFamily="34" charset="0"/>
-                        </a:rPr>
-                        <a:t>loan_train</a:t>
-                      </a:r>
-                      <a:r>
-                        <a:rPr lang="en-US" sz="1800" b="1" dirty="0">
-                          <a:effectLst/>
-                          <a:latin typeface="Corbel" panose="020B0503020204020204" pitchFamily="34" charset="0"/>
-                          <a:ea typeface="SimSun" panose="02010600030101010101" pitchFamily="2" charset="-122"/>
-                          <a:cs typeface="Tahoma" panose="020B0604030504040204" pitchFamily="34" charset="0"/>
-                        </a:rPr>
-                        <a:t>, family="binomial")</a:t>
+                        <a:rPr lang="en-US" dirty="0" smtClean="0"/>
+                        <a:t>Logistic</a:t>
                       </a:r>
                       <a:endParaRPr lang="en-US" sz="1800" dirty="0">
                         <a:effectLst/>
@@ -14112,14 +14316,891 @@
                         </a:spcAft>
                       </a:pPr>
                       <a:r>
-                        <a:rPr lang="en-US" sz="1800" dirty="0">
+                        <a:rPr lang="en-US" sz="1800" b="1" dirty="0" smtClean="0">
+                          <a:solidFill>
+                            <a:schemeClr val="accent1">
+                              <a:lumMod val="60000"/>
+                              <a:lumOff val="40000"/>
+                            </a:schemeClr>
+                          </a:solidFill>
                           <a:effectLst/>
                           <a:latin typeface="Corbel" panose="020B0503020204020204" pitchFamily="34" charset="0"/>
                           <a:ea typeface="SimSun" panose="02010600030101010101" pitchFamily="2" charset="-122"/>
                           <a:cs typeface="Tahoma" panose="020B0604030504040204" pitchFamily="34" charset="0"/>
                         </a:rPr>
+                        <a:t>term,</a:t>
+                      </a:r>
+                      <a:r>
+                        <a:rPr lang="en-US" sz="1800" b="1" baseline="0" dirty="0" smtClean="0">
+                          <a:solidFill>
+                            <a:schemeClr val="accent1">
+                              <a:lumMod val="60000"/>
+                              <a:lumOff val="40000"/>
+                            </a:schemeClr>
+                          </a:solidFill>
+                          <a:effectLst/>
+                          <a:latin typeface="Corbel" panose="020B0503020204020204" pitchFamily="34" charset="0"/>
+                          <a:ea typeface="SimSun" panose="02010600030101010101" pitchFamily="2" charset="-122"/>
+                          <a:cs typeface="Tahoma" panose="020B0604030504040204" pitchFamily="34" charset="0"/>
+                        </a:rPr>
+                        <a:t> </a:t>
+                      </a:r>
+                      <a:r>
+                        <a:rPr lang="en-US" sz="1800" b="1" dirty="0" err="1" smtClean="0">
+                          <a:solidFill>
+                            <a:schemeClr val="accent1">
+                              <a:lumMod val="60000"/>
+                              <a:lumOff val="40000"/>
+                            </a:schemeClr>
+                          </a:solidFill>
+                          <a:effectLst/>
+                          <a:latin typeface="Corbel" panose="020B0503020204020204" pitchFamily="34" charset="0"/>
+                          <a:ea typeface="SimSun" panose="02010600030101010101" pitchFamily="2" charset="-122"/>
+                          <a:cs typeface="Tahoma" panose="020B0604030504040204" pitchFamily="34" charset="0"/>
+                        </a:rPr>
+                        <a:t>annual_inc</a:t>
+                      </a:r>
+                      <a:r>
+                        <a:rPr lang="en-US" sz="1800" b="1" dirty="0" smtClean="0">
+                          <a:solidFill>
+                            <a:schemeClr val="accent1">
+                              <a:lumMod val="60000"/>
+                              <a:lumOff val="40000"/>
+                            </a:schemeClr>
+                          </a:solidFill>
+                          <a:effectLst/>
+                          <a:latin typeface="Corbel" panose="020B0503020204020204" pitchFamily="34" charset="0"/>
+                          <a:ea typeface="SimSun" panose="02010600030101010101" pitchFamily="2" charset="-122"/>
+                          <a:cs typeface="Tahoma" panose="020B0604030504040204" pitchFamily="34" charset="0"/>
+                        </a:rPr>
+                        <a:t>,</a:t>
+                      </a:r>
+                      <a:r>
+                        <a:rPr lang="en-US" sz="1800" b="1" baseline="0" dirty="0" smtClean="0">
+                          <a:solidFill>
+                            <a:schemeClr val="accent1">
+                              <a:lumMod val="60000"/>
+                              <a:lumOff val="40000"/>
+                            </a:schemeClr>
+                          </a:solidFill>
+                          <a:effectLst/>
+                          <a:latin typeface="Corbel" panose="020B0503020204020204" pitchFamily="34" charset="0"/>
+                          <a:ea typeface="SimSun" panose="02010600030101010101" pitchFamily="2" charset="-122"/>
+                          <a:cs typeface="Tahoma" panose="020B0604030504040204" pitchFamily="34" charset="0"/>
+                        </a:rPr>
+                        <a:t> </a:t>
+                      </a:r>
+                      <a:r>
+                        <a:rPr lang="en-US" sz="1800" b="1" dirty="0" err="1" smtClean="0">
+                          <a:solidFill>
+                            <a:schemeClr val="accent1">
+                              <a:lumMod val="60000"/>
+                              <a:lumOff val="40000"/>
+                            </a:schemeClr>
+                          </a:solidFill>
+                          <a:effectLst/>
+                          <a:latin typeface="Corbel" panose="020B0503020204020204" pitchFamily="34" charset="0"/>
+                          <a:ea typeface="SimSun" panose="02010600030101010101" pitchFamily="2" charset="-122"/>
+                          <a:cs typeface="Tahoma" panose="020B0604030504040204" pitchFamily="34" charset="0"/>
+                        </a:rPr>
+                        <a:t>loan_amnt</a:t>
+                      </a:r>
+                      <a:r>
+                        <a:rPr lang="en-US" sz="1800" b="1" dirty="0" smtClean="0">
+                          <a:solidFill>
+                            <a:schemeClr val="accent1">
+                              <a:lumMod val="60000"/>
+                              <a:lumOff val="40000"/>
+                            </a:schemeClr>
+                          </a:solidFill>
+                          <a:effectLst/>
+                          <a:latin typeface="Corbel" panose="020B0503020204020204" pitchFamily="34" charset="0"/>
+                          <a:ea typeface="SimSun" panose="02010600030101010101" pitchFamily="2" charset="-122"/>
+                          <a:cs typeface="Tahoma" panose="020B0604030504040204" pitchFamily="34" charset="0"/>
+                        </a:rPr>
+                        <a:t>,</a:t>
+                      </a:r>
+                      <a:r>
+                        <a:rPr lang="en-US" sz="1800" b="1" baseline="0" dirty="0" smtClean="0">
+                          <a:solidFill>
+                            <a:schemeClr val="accent1">
+                              <a:lumMod val="60000"/>
+                              <a:lumOff val="40000"/>
+                            </a:schemeClr>
+                          </a:solidFill>
+                          <a:effectLst/>
+                          <a:latin typeface="Corbel" panose="020B0503020204020204" pitchFamily="34" charset="0"/>
+                          <a:ea typeface="SimSun" panose="02010600030101010101" pitchFamily="2" charset="-122"/>
+                          <a:cs typeface="Tahoma" panose="020B0604030504040204" pitchFamily="34" charset="0"/>
+                        </a:rPr>
+                        <a:t> </a:t>
+                      </a:r>
+                      <a:r>
+                        <a:rPr lang="en-US" sz="1800" b="1" dirty="0" err="1" smtClean="0">
+                          <a:solidFill>
+                            <a:schemeClr val="accent1">
+                              <a:lumMod val="60000"/>
+                              <a:lumOff val="40000"/>
+                            </a:schemeClr>
+                          </a:solidFill>
+                          <a:effectLst/>
+                          <a:latin typeface="Corbel" panose="020B0503020204020204" pitchFamily="34" charset="0"/>
+                          <a:ea typeface="SimSun" panose="02010600030101010101" pitchFamily="2" charset="-122"/>
+                          <a:cs typeface="Tahoma" panose="020B0604030504040204" pitchFamily="34" charset="0"/>
+                        </a:rPr>
+                        <a:t>dti</a:t>
+                      </a:r>
+                      <a:r>
+                        <a:rPr lang="en-US" sz="1800" b="1" dirty="0" smtClean="0">
+                          <a:solidFill>
+                            <a:schemeClr val="accent1">
+                              <a:lumMod val="60000"/>
+                              <a:lumOff val="40000"/>
+                            </a:schemeClr>
+                          </a:solidFill>
+                          <a:effectLst/>
+                          <a:latin typeface="Corbel" panose="020B0503020204020204" pitchFamily="34" charset="0"/>
+                          <a:ea typeface="SimSun" panose="02010600030101010101" pitchFamily="2" charset="-122"/>
+                          <a:cs typeface="Tahoma" panose="020B0604030504040204" pitchFamily="34" charset="0"/>
+                        </a:rPr>
+                        <a:t>,</a:t>
+                      </a:r>
+                      <a:r>
+                        <a:rPr lang="en-US" sz="1800" b="1" baseline="0" dirty="0" smtClean="0">
+                          <a:solidFill>
+                            <a:schemeClr val="accent1">
+                              <a:lumMod val="60000"/>
+                              <a:lumOff val="40000"/>
+                            </a:schemeClr>
+                          </a:solidFill>
+                          <a:effectLst/>
+                          <a:latin typeface="Corbel" panose="020B0503020204020204" pitchFamily="34" charset="0"/>
+                          <a:ea typeface="SimSun" panose="02010600030101010101" pitchFamily="2" charset="-122"/>
+                          <a:cs typeface="Tahoma" panose="020B0604030504040204" pitchFamily="34" charset="0"/>
+                        </a:rPr>
+                        <a:t> </a:t>
+                      </a:r>
+                      <a:r>
+                        <a:rPr lang="en-US" sz="1800" b="1" dirty="0" smtClean="0">
+                          <a:solidFill>
+                            <a:schemeClr val="accent1">
+                              <a:lumMod val="60000"/>
+                              <a:lumOff val="40000"/>
+                            </a:schemeClr>
+                          </a:solidFill>
+                          <a:effectLst/>
+                          <a:latin typeface="Corbel" panose="020B0503020204020204" pitchFamily="34" charset="0"/>
+                          <a:ea typeface="SimSun" panose="02010600030101010101" pitchFamily="2" charset="-122"/>
+                          <a:cs typeface="Tahoma" panose="020B0604030504040204" pitchFamily="34" charset="0"/>
+                        </a:rPr>
+                        <a:t>delinq_2yrs,</a:t>
+                      </a:r>
+                      <a:r>
+                        <a:rPr lang="en-US" sz="1800" b="1" baseline="0" dirty="0" smtClean="0">
+                          <a:solidFill>
+                            <a:schemeClr val="accent1">
+                              <a:lumMod val="60000"/>
+                              <a:lumOff val="40000"/>
+                            </a:schemeClr>
+                          </a:solidFill>
+                          <a:effectLst/>
+                          <a:latin typeface="Corbel" panose="020B0503020204020204" pitchFamily="34" charset="0"/>
+                          <a:ea typeface="SimSun" panose="02010600030101010101" pitchFamily="2" charset="-122"/>
+                          <a:cs typeface="Tahoma" panose="020B0604030504040204" pitchFamily="34" charset="0"/>
+                        </a:rPr>
+                        <a:t> </a:t>
+                      </a:r>
+                      <a:r>
+                        <a:rPr lang="en-US" sz="1800" b="1" dirty="0" err="1" smtClean="0">
+                          <a:solidFill>
+                            <a:schemeClr val="accent1">
+                              <a:lumMod val="60000"/>
+                              <a:lumOff val="40000"/>
+                            </a:schemeClr>
+                          </a:solidFill>
+                          <a:effectLst/>
+                          <a:latin typeface="Corbel" panose="020B0503020204020204" pitchFamily="34" charset="0"/>
+                          <a:ea typeface="SimSun" panose="02010600030101010101" pitchFamily="2" charset="-122"/>
+                          <a:cs typeface="Tahoma" panose="020B0604030504040204" pitchFamily="34" charset="0"/>
+                        </a:rPr>
+                        <a:t>revol_util</a:t>
+                      </a:r>
+                      <a:r>
+                        <a:rPr lang="en-US" sz="1800" b="1" dirty="0" smtClean="0">
+                          <a:solidFill>
+                            <a:schemeClr val="accent1">
+                              <a:lumMod val="60000"/>
+                              <a:lumOff val="40000"/>
+                            </a:schemeClr>
+                          </a:solidFill>
+                          <a:effectLst/>
+                          <a:latin typeface="Corbel" panose="020B0503020204020204" pitchFamily="34" charset="0"/>
+                          <a:ea typeface="SimSun" panose="02010600030101010101" pitchFamily="2" charset="-122"/>
+                          <a:cs typeface="Tahoma" panose="020B0604030504040204" pitchFamily="34" charset="0"/>
+                        </a:rPr>
+                        <a:t>, </a:t>
+                      </a:r>
+                      <a:r>
+                        <a:rPr lang="en-US" sz="1800" b="1" dirty="0" err="1" smtClean="0">
+                          <a:solidFill>
+                            <a:schemeClr val="accent1">
+                              <a:lumMod val="60000"/>
+                              <a:lumOff val="40000"/>
+                            </a:schemeClr>
+                          </a:solidFill>
+                          <a:effectLst/>
+                          <a:latin typeface="Corbel" panose="020B0503020204020204" pitchFamily="34" charset="0"/>
+                          <a:ea typeface="SimSun" panose="02010600030101010101" pitchFamily="2" charset="-122"/>
+                          <a:cs typeface="Tahoma" panose="020B0604030504040204" pitchFamily="34" charset="0"/>
+                        </a:rPr>
+                        <a:t>total_acc</a:t>
+                      </a:r>
+                      <a:r>
+                        <a:rPr lang="en-US" sz="1800" b="1" dirty="0" smtClean="0">
+                          <a:solidFill>
+                            <a:schemeClr val="accent1">
+                              <a:lumMod val="60000"/>
+                              <a:lumOff val="40000"/>
+                            </a:schemeClr>
+                          </a:solidFill>
+                          <a:effectLst/>
+                          <a:latin typeface="Corbel" panose="020B0503020204020204" pitchFamily="34" charset="0"/>
+                          <a:ea typeface="SimSun" panose="02010600030101010101" pitchFamily="2" charset="-122"/>
+                          <a:cs typeface="Tahoma" panose="020B0604030504040204" pitchFamily="34" charset="0"/>
+                        </a:rPr>
+                        <a:t>,</a:t>
+                      </a:r>
+                      <a:r>
+                        <a:rPr lang="en-US" sz="1800" b="1" baseline="0" dirty="0" smtClean="0">
+                          <a:solidFill>
+                            <a:schemeClr val="accent1">
+                              <a:lumMod val="60000"/>
+                              <a:lumOff val="40000"/>
+                            </a:schemeClr>
+                          </a:solidFill>
+                          <a:effectLst/>
+                          <a:latin typeface="Corbel" panose="020B0503020204020204" pitchFamily="34" charset="0"/>
+                          <a:ea typeface="SimSun" panose="02010600030101010101" pitchFamily="2" charset="-122"/>
+                          <a:cs typeface="Tahoma" panose="020B0604030504040204" pitchFamily="34" charset="0"/>
+                        </a:rPr>
+                        <a:t> </a:t>
+                      </a:r>
+                      <a:r>
+                        <a:rPr lang="en-US" sz="1800" b="1" dirty="0" err="1" smtClean="0">
+                          <a:solidFill>
+                            <a:schemeClr val="accent1">
+                              <a:lumMod val="60000"/>
+                              <a:lumOff val="40000"/>
+                            </a:schemeClr>
+                          </a:solidFill>
+                          <a:effectLst/>
+                          <a:latin typeface="Corbel" panose="020B0503020204020204" pitchFamily="34" charset="0"/>
+                          <a:ea typeface="SimSun" panose="02010600030101010101" pitchFamily="2" charset="-122"/>
+                          <a:cs typeface="Tahoma" panose="020B0604030504040204" pitchFamily="34" charset="0"/>
+                        </a:rPr>
+                        <a:t>longest_credit_length</a:t>
+                      </a:r>
+                      <a:r>
+                        <a:rPr lang="en-US" sz="1800" b="1" dirty="0" smtClean="0">
+                          <a:solidFill>
+                            <a:schemeClr val="accent1">
+                              <a:lumMod val="60000"/>
+                              <a:lumOff val="40000"/>
+                            </a:schemeClr>
+                          </a:solidFill>
+                          <a:effectLst/>
+                          <a:latin typeface="Corbel" panose="020B0503020204020204" pitchFamily="34" charset="0"/>
+                          <a:ea typeface="SimSun" panose="02010600030101010101" pitchFamily="2" charset="-122"/>
+                          <a:cs typeface="Tahoma" panose="020B0604030504040204" pitchFamily="34" charset="0"/>
+                        </a:rPr>
+                        <a:t>,</a:t>
+                      </a:r>
+                      <a:r>
+                        <a:rPr lang="en-US" sz="1800" b="1" baseline="0" dirty="0" smtClean="0">
+                          <a:solidFill>
+                            <a:schemeClr val="accent1">
+                              <a:lumMod val="60000"/>
+                              <a:lumOff val="40000"/>
+                            </a:schemeClr>
+                          </a:solidFill>
+                          <a:effectLst/>
+                          <a:latin typeface="Corbel" panose="020B0503020204020204" pitchFamily="34" charset="0"/>
+                          <a:ea typeface="SimSun" panose="02010600030101010101" pitchFamily="2" charset="-122"/>
+                          <a:cs typeface="Tahoma" panose="020B0604030504040204" pitchFamily="34" charset="0"/>
+                        </a:rPr>
+                        <a:t> </a:t>
+                      </a:r>
+                      <a:r>
+                        <a:rPr lang="en-US" sz="1800" b="1" dirty="0" err="1" smtClean="0">
+                          <a:solidFill>
+                            <a:schemeClr val="accent1">
+                              <a:lumMod val="60000"/>
+                              <a:lumOff val="40000"/>
+                            </a:schemeClr>
+                          </a:solidFill>
+                          <a:effectLst/>
+                          <a:latin typeface="Corbel" panose="020B0503020204020204" pitchFamily="34" charset="0"/>
+                          <a:ea typeface="SimSun" panose="02010600030101010101" pitchFamily="2" charset="-122"/>
+                          <a:cs typeface="Tahoma" panose="020B0604030504040204" pitchFamily="34" charset="0"/>
+                        </a:rPr>
+                        <a:t>bankrpc_state_low</a:t>
+                      </a:r>
+                      <a:r>
+                        <a:rPr lang="en-US" sz="1800" b="1" dirty="0" smtClean="0">
+                          <a:solidFill>
+                            <a:schemeClr val="accent1">
+                              <a:lumMod val="60000"/>
+                              <a:lumOff val="40000"/>
+                            </a:schemeClr>
+                          </a:solidFill>
+                          <a:effectLst/>
+                          <a:latin typeface="Corbel" panose="020B0503020204020204" pitchFamily="34" charset="0"/>
+                          <a:ea typeface="SimSun" panose="02010600030101010101" pitchFamily="2" charset="-122"/>
+                          <a:cs typeface="Tahoma" panose="020B0604030504040204" pitchFamily="34" charset="0"/>
+                        </a:rPr>
+                        <a:t>,</a:t>
+                      </a:r>
+                      <a:r>
+                        <a:rPr lang="en-US" sz="1800" b="1" baseline="0" dirty="0" smtClean="0">
+                          <a:solidFill>
+                            <a:schemeClr val="accent1">
+                              <a:lumMod val="60000"/>
+                              <a:lumOff val="40000"/>
+                            </a:schemeClr>
+                          </a:solidFill>
+                          <a:effectLst/>
+                          <a:latin typeface="Corbel" panose="020B0503020204020204" pitchFamily="34" charset="0"/>
+                          <a:ea typeface="SimSun" panose="02010600030101010101" pitchFamily="2" charset="-122"/>
+                          <a:cs typeface="Tahoma" panose="020B0604030504040204" pitchFamily="34" charset="0"/>
+                        </a:rPr>
+                        <a:t> </a:t>
+                      </a:r>
+                      <a:r>
+                        <a:rPr lang="en-US" sz="1800" b="1" dirty="0" err="1" smtClean="0">
+                          <a:solidFill>
+                            <a:schemeClr val="accent1">
+                              <a:lumMod val="60000"/>
+                              <a:lumOff val="40000"/>
+                            </a:schemeClr>
+                          </a:solidFill>
+                          <a:effectLst/>
+                          <a:latin typeface="Corbel" panose="020B0503020204020204" pitchFamily="34" charset="0"/>
+                          <a:ea typeface="SimSun" panose="02010600030101010101" pitchFamily="2" charset="-122"/>
+                          <a:cs typeface="Tahoma" panose="020B0604030504040204" pitchFamily="34" charset="0"/>
+                        </a:rPr>
+                        <a:t>bankrpc_state_high</a:t>
+                      </a:r>
+                      <a:r>
+                        <a:rPr lang="en-US" sz="1800" b="1" dirty="0" smtClean="0">
+                          <a:solidFill>
+                            <a:schemeClr val="accent1">
+                              <a:lumMod val="60000"/>
+                              <a:lumOff val="40000"/>
+                            </a:schemeClr>
+                          </a:solidFill>
+                          <a:effectLst/>
+                          <a:latin typeface="Corbel" panose="020B0503020204020204" pitchFamily="34" charset="0"/>
+                          <a:ea typeface="SimSun" panose="02010600030101010101" pitchFamily="2" charset="-122"/>
+                          <a:cs typeface="Tahoma" panose="020B0604030504040204" pitchFamily="34" charset="0"/>
+                        </a:rPr>
+                        <a:t>,</a:t>
+                      </a:r>
+                      <a:r>
+                        <a:rPr lang="en-US" sz="1800" b="1" baseline="0" dirty="0" smtClean="0">
+                          <a:solidFill>
+                            <a:schemeClr val="accent1">
+                              <a:lumMod val="60000"/>
+                              <a:lumOff val="40000"/>
+                            </a:schemeClr>
+                          </a:solidFill>
+                          <a:effectLst/>
+                          <a:latin typeface="Corbel" panose="020B0503020204020204" pitchFamily="34" charset="0"/>
+                          <a:ea typeface="SimSun" panose="02010600030101010101" pitchFamily="2" charset="-122"/>
+                          <a:cs typeface="Tahoma" panose="020B0604030504040204" pitchFamily="34" charset="0"/>
+                        </a:rPr>
+                        <a:t> </a:t>
+                      </a:r>
+                      <a:r>
+                        <a:rPr lang="en-US" sz="1800" b="1" dirty="0" err="1" smtClean="0">
+                          <a:solidFill>
+                            <a:schemeClr val="accent1">
+                              <a:lumMod val="60000"/>
+                              <a:lumOff val="40000"/>
+                            </a:schemeClr>
+                          </a:solidFill>
+                          <a:effectLst/>
+                          <a:latin typeface="Corbel" panose="020B0503020204020204" pitchFamily="34" charset="0"/>
+                          <a:ea typeface="SimSun" panose="02010600030101010101" pitchFamily="2" charset="-122"/>
+                          <a:cs typeface="Tahoma" panose="020B0604030504040204" pitchFamily="34" charset="0"/>
+                        </a:rPr>
+                        <a:t>homeown_mort</a:t>
+                      </a:r>
+                      <a:r>
+                        <a:rPr lang="en-US" sz="1800" b="1" dirty="0" smtClean="0">
+                          <a:solidFill>
+                            <a:schemeClr val="accent1">
+                              <a:lumMod val="60000"/>
+                              <a:lumOff val="40000"/>
+                            </a:schemeClr>
+                          </a:solidFill>
+                          <a:effectLst/>
+                          <a:latin typeface="Corbel" panose="020B0503020204020204" pitchFamily="34" charset="0"/>
+                          <a:ea typeface="SimSun" panose="02010600030101010101" pitchFamily="2" charset="-122"/>
+                          <a:cs typeface="Tahoma" panose="020B0604030504040204" pitchFamily="34" charset="0"/>
+                        </a:rPr>
+                        <a:t>, </a:t>
+                      </a:r>
+                      <a:r>
+                        <a:rPr lang="en-US" sz="1800" b="1" dirty="0" err="1" smtClean="0">
+                          <a:solidFill>
+                            <a:schemeClr val="accent1">
+                              <a:lumMod val="60000"/>
+                              <a:lumOff val="40000"/>
+                            </a:schemeClr>
+                          </a:solidFill>
+                          <a:effectLst/>
+                          <a:latin typeface="Corbel" panose="020B0503020204020204" pitchFamily="34" charset="0"/>
+                          <a:ea typeface="SimSun" panose="02010600030101010101" pitchFamily="2" charset="-122"/>
+                          <a:cs typeface="Tahoma" panose="020B0604030504040204" pitchFamily="34" charset="0"/>
+                        </a:rPr>
+                        <a:t>homeown_rent</a:t>
+                      </a:r>
+                      <a:r>
+                        <a:rPr lang="en-US" sz="1800" b="1" dirty="0" smtClean="0">
+                          <a:solidFill>
+                            <a:schemeClr val="accent1">
+                              <a:lumMod val="60000"/>
+                              <a:lumOff val="40000"/>
+                            </a:schemeClr>
+                          </a:solidFill>
+                          <a:effectLst/>
+                          <a:latin typeface="Corbel" panose="020B0503020204020204" pitchFamily="34" charset="0"/>
+                          <a:ea typeface="SimSun" panose="02010600030101010101" pitchFamily="2" charset="-122"/>
+                          <a:cs typeface="Tahoma" panose="020B0604030504040204" pitchFamily="34" charset="0"/>
+                        </a:rPr>
+                        <a:t>,</a:t>
+                      </a:r>
+                      <a:r>
+                        <a:rPr lang="en-US" sz="1800" b="1" baseline="0" dirty="0" smtClean="0">
+                          <a:solidFill>
+                            <a:schemeClr val="accent1">
+                              <a:lumMod val="60000"/>
+                              <a:lumOff val="40000"/>
+                            </a:schemeClr>
+                          </a:solidFill>
+                          <a:effectLst/>
+                          <a:latin typeface="Corbel" panose="020B0503020204020204" pitchFamily="34" charset="0"/>
+                          <a:ea typeface="SimSun" panose="02010600030101010101" pitchFamily="2" charset="-122"/>
+                          <a:cs typeface="Tahoma" panose="020B0604030504040204" pitchFamily="34" charset="0"/>
+                        </a:rPr>
+                        <a:t> </a:t>
+                      </a:r>
+                      <a:r>
+                        <a:rPr lang="en-US" sz="1800" b="1" dirty="0" smtClean="0">
+                          <a:solidFill>
+                            <a:schemeClr val="accent1">
+                              <a:lumMod val="60000"/>
+                              <a:lumOff val="40000"/>
+                            </a:schemeClr>
+                          </a:solidFill>
+                          <a:effectLst/>
+                          <a:latin typeface="Corbel" panose="020B0503020204020204" pitchFamily="34" charset="0"/>
+                          <a:ea typeface="SimSun" panose="02010600030101010101" pitchFamily="2" charset="-122"/>
+                          <a:cs typeface="Tahoma" panose="020B0604030504040204" pitchFamily="34" charset="0"/>
+                        </a:rPr>
+                        <a:t>purpose</a:t>
+                      </a:r>
+                      <a:r>
+                        <a:rPr lang="en-US" sz="1800" b="1" dirty="0" smtClean="0">
+                          <a:solidFill>
+                            <a:schemeClr val="accent1">
+                              <a:lumMod val="60000"/>
+                              <a:lumOff val="40000"/>
+                            </a:schemeClr>
+                          </a:solidFill>
+                          <a:effectLst/>
+                          <a:latin typeface="Corbel" panose="020B0503020204020204" pitchFamily="34" charset="0"/>
+                          <a:ea typeface="SimSun" panose="02010600030101010101" pitchFamily="2" charset="-122"/>
+                          <a:cs typeface="Tahoma" panose="020B0604030504040204" pitchFamily="34" charset="0"/>
+                        </a:rPr>
+                        <a:t>,</a:t>
+                      </a:r>
+                      <a:r>
+                        <a:rPr lang="en-US" sz="1800" b="1" baseline="0" dirty="0" smtClean="0">
+                          <a:solidFill>
+                            <a:schemeClr val="accent1">
+                              <a:lumMod val="60000"/>
+                              <a:lumOff val="40000"/>
+                            </a:schemeClr>
+                          </a:solidFill>
+                          <a:effectLst/>
+                          <a:latin typeface="Corbel" panose="020B0503020204020204" pitchFamily="34" charset="0"/>
+                          <a:ea typeface="SimSun" panose="02010600030101010101" pitchFamily="2" charset="-122"/>
+                          <a:cs typeface="Tahoma" panose="020B0604030504040204" pitchFamily="34" charset="0"/>
+                        </a:rPr>
+                        <a:t> </a:t>
+                      </a:r>
+                      <a:r>
+                        <a:rPr lang="en-US" sz="1800" b="1" dirty="0" err="1" smtClean="0">
+                          <a:solidFill>
+                            <a:schemeClr val="accent1">
+                              <a:lumMod val="60000"/>
+                              <a:lumOff val="40000"/>
+                            </a:schemeClr>
+                          </a:solidFill>
+                          <a:effectLst/>
+                          <a:latin typeface="Corbel" panose="020B0503020204020204" pitchFamily="34" charset="0"/>
+                          <a:ea typeface="SimSun" panose="02010600030101010101" pitchFamily="2" charset="-122"/>
+                          <a:cs typeface="Tahoma" panose="020B0604030504040204" pitchFamily="34" charset="0"/>
+                        </a:rPr>
+                        <a:t>vstatus_verified</a:t>
+                      </a:r>
+                      <a:endParaRPr lang="en-US" sz="1800" dirty="0">
+                        <a:effectLst/>
+                        <a:latin typeface="Corbel" panose="020B0503020204020204" pitchFamily="34" charset="0"/>
+                        <a:ea typeface="SimSun" panose="02010600030101010101" pitchFamily="2" charset="-122"/>
+                        <a:cs typeface="Tahoma" panose="020B0604030504040204" pitchFamily="34" charset="0"/>
+                      </a:endParaRPr>
+                    </a:p>
+                  </a:txBody>
+                  <a:tcPr marL="68580" marR="68580" marT="0" marB="0">
+                    <a:lnL>
+                      <a:noFill/>
+                    </a:lnL>
+                    <a:lnR>
+                      <a:noFill/>
+                    </a:lnR>
+                    <a:lnT w="12700" cap="flat" cmpd="sng" algn="ctr">
+                      <a:solidFill>
+                        <a:srgbClr val="959595"/>
+                      </a:solidFill>
+                      <a:prstDash val="solid"/>
+                      <a:round/>
+                      <a:headEnd type="none" w="med" len="med"/>
+                      <a:tailEnd type="none" w="med" len="med"/>
+                    </a:lnT>
+                    <a:lnB w="12700" cap="flat" cmpd="sng" algn="ctr">
+                      <a:solidFill>
+                        <a:srgbClr val="959595"/>
+                      </a:solidFill>
+                      <a:prstDash val="solid"/>
+                      <a:round/>
+                      <a:headEnd type="none" w="med" len="med"/>
+                      <a:tailEnd type="none" w="med" len="med"/>
+                    </a:lnB>
+                  </a:tcPr>
+                </a:tc>
+                <a:tc>
+                  <a:txBody>
+                    <a:bodyPr/>
+                    <a:lstStyle/>
+                    <a:p>
+                      <a:pPr marL="0" marR="0">
+                        <a:lnSpc>
+                          <a:spcPct val="110000"/>
+                        </a:lnSpc>
+                        <a:spcBef>
+                          <a:spcPts val="600"/>
+                        </a:spcBef>
+                        <a:spcAft>
+                          <a:spcPts val="0"/>
+                        </a:spcAft>
+                      </a:pPr>
+                      <a:r>
+                        <a:rPr lang="en-US" sz="1800" dirty="0" smtClean="0">
+                          <a:effectLst/>
+                          <a:latin typeface="Corbel" panose="020B0503020204020204" pitchFamily="34" charset="0"/>
+                          <a:ea typeface="SimSun" panose="02010600030101010101" pitchFamily="2" charset="-122"/>
+                          <a:cs typeface="Tahoma" panose="020B0604030504040204" pitchFamily="34" charset="0"/>
+                        </a:rPr>
+                        <a:t>66.186%</a:t>
+                      </a:r>
+                      <a:endParaRPr lang="en-US" sz="1800" dirty="0">
+                        <a:effectLst/>
+                        <a:latin typeface="Corbel" panose="020B0503020204020204" pitchFamily="34" charset="0"/>
+                        <a:ea typeface="SimSun" panose="02010600030101010101" pitchFamily="2" charset="-122"/>
+                        <a:cs typeface="Tahoma" panose="020B0604030504040204" pitchFamily="34" charset="0"/>
+                      </a:endParaRPr>
+                    </a:p>
+                  </a:txBody>
+                  <a:tcPr marL="68580" marR="68580" marT="0" marB="0">
+                    <a:lnL>
+                      <a:noFill/>
+                    </a:lnL>
+                    <a:lnR>
+                      <a:noFill/>
+                    </a:lnR>
+                    <a:lnT w="12700" cap="flat" cmpd="sng" algn="ctr">
+                      <a:solidFill>
+                        <a:srgbClr val="959595"/>
+                      </a:solidFill>
+                      <a:prstDash val="solid"/>
+                      <a:round/>
+                      <a:headEnd type="none" w="med" len="med"/>
+                      <a:tailEnd type="none" w="med" len="med"/>
+                    </a:lnT>
+                    <a:lnB w="12700" cap="flat" cmpd="sng" algn="ctr">
+                      <a:solidFill>
+                        <a:srgbClr val="959595"/>
+                      </a:solidFill>
+                      <a:prstDash val="solid"/>
+                      <a:round/>
+                      <a:headEnd type="none" w="med" len="med"/>
+                      <a:tailEnd type="none" w="med" len="med"/>
+                    </a:lnB>
+                  </a:tcPr>
+                </a:tc>
+                <a:extLst>
+                  <a:ext uri="{0D108BD9-81ED-4DB2-BD59-A6C34878D82A}">
+                    <a16:rowId xmlns:a16="http://schemas.microsoft.com/office/drawing/2014/main" val="2103482849"/>
+                  </a:ext>
+                </a:extLst>
+              </a:tr>
+              <a:tr h="791127">
+                <a:tc>
+                  <a:txBody>
+                    <a:bodyPr/>
+                    <a:lstStyle/>
+                    <a:p>
+                      <a:pPr marL="0" marR="0">
+                        <a:lnSpc>
+                          <a:spcPct val="110000"/>
+                        </a:lnSpc>
+                        <a:spcBef>
+                          <a:spcPts val="600"/>
+                        </a:spcBef>
+                        <a:spcAft>
+                          <a:spcPts val="0"/>
+                        </a:spcAft>
+                      </a:pPr>
+                      <a:r>
+                        <a:rPr lang="en-US" sz="1800" b="1" dirty="0" smtClean="0">
+                          <a:effectLst/>
+                          <a:latin typeface="Corbel" panose="020B0503020204020204" pitchFamily="34" charset="0"/>
+                          <a:ea typeface="SimSun" panose="02010600030101010101" pitchFamily="2" charset="-122"/>
+                          <a:cs typeface="Tahoma" panose="020B0604030504040204" pitchFamily="34" charset="0"/>
+                        </a:rPr>
+                        <a:t>2</a:t>
+                      </a:r>
+                      <a:endParaRPr lang="en-US" sz="1800" dirty="0">
+                        <a:effectLst/>
+                        <a:latin typeface="Corbel" panose="020B0503020204020204" pitchFamily="34" charset="0"/>
+                        <a:ea typeface="SimSun" panose="02010600030101010101" pitchFamily="2" charset="-122"/>
+                        <a:cs typeface="Tahoma" panose="020B0604030504040204" pitchFamily="34" charset="0"/>
+                      </a:endParaRPr>
+                    </a:p>
+                  </a:txBody>
+                  <a:tcPr marL="68580" marR="68580" marT="0" marB="0">
+                    <a:lnL>
+                      <a:noFill/>
+                    </a:lnL>
+                    <a:lnR>
+                      <a:noFill/>
+                    </a:lnR>
+                    <a:lnT w="12700" cap="flat" cmpd="sng" algn="ctr">
+                      <a:solidFill>
+                        <a:srgbClr val="959595"/>
+                      </a:solidFill>
+                      <a:prstDash val="solid"/>
+                      <a:round/>
+                      <a:headEnd type="none" w="med" len="med"/>
+                      <a:tailEnd type="none" w="med" len="med"/>
+                    </a:lnT>
+                    <a:lnB w="12700" cap="flat" cmpd="sng" algn="ctr">
+                      <a:solidFill>
+                        <a:srgbClr val="959595"/>
+                      </a:solidFill>
+                      <a:prstDash val="solid"/>
+                      <a:round/>
+                      <a:headEnd type="none" w="med" len="med"/>
+                      <a:tailEnd type="none" w="med" len="med"/>
+                    </a:lnB>
+                  </a:tcPr>
+                </a:tc>
+                <a:tc>
+                  <a:txBody>
+                    <a:bodyPr/>
+                    <a:lstStyle/>
+                    <a:p>
+                      <a:pPr marL="0" marR="0">
+                        <a:lnSpc>
+                          <a:spcPct val="110000"/>
+                        </a:lnSpc>
+                        <a:spcBef>
+                          <a:spcPts val="600"/>
+                        </a:spcBef>
+                        <a:spcAft>
+                          <a:spcPts val="0"/>
+                        </a:spcAft>
+                      </a:pPr>
+                      <a:r>
+                        <a:rPr lang="en-US" dirty="0" smtClean="0"/>
+                        <a:t>Decision Tree</a:t>
+                      </a:r>
+                      <a:br>
+                        <a:rPr lang="en-US" dirty="0" smtClean="0"/>
+                      </a:br>
+                      <a:r>
+                        <a:rPr lang="en-US" dirty="0" smtClean="0"/>
+                        <a:t>(Tree</a:t>
+                      </a:r>
+                      <a:r>
+                        <a:rPr lang="en-US" dirty="0" smtClean="0"/>
+                        <a:t>) </a:t>
+                      </a:r>
+                      <a:endParaRPr lang="en-US" sz="1800" dirty="0">
+                        <a:effectLst/>
+                        <a:latin typeface="Corbel" panose="020B0503020204020204" pitchFamily="34" charset="0"/>
+                        <a:ea typeface="SimSun" panose="02010600030101010101" pitchFamily="2" charset="-122"/>
+                        <a:cs typeface="Tahoma" panose="020B0604030504040204" pitchFamily="34" charset="0"/>
+                      </a:endParaRPr>
+                    </a:p>
+                  </a:txBody>
+                  <a:tcPr marL="68580" marR="68580" marT="0" marB="0">
+                    <a:lnL>
+                      <a:noFill/>
+                    </a:lnL>
+                    <a:lnR>
+                      <a:noFill/>
+                    </a:lnR>
+                    <a:lnT w="12700" cap="flat" cmpd="sng" algn="ctr">
+                      <a:solidFill>
+                        <a:srgbClr val="959595"/>
+                      </a:solidFill>
+                      <a:prstDash val="solid"/>
+                      <a:round/>
+                      <a:headEnd type="none" w="med" len="med"/>
+                      <a:tailEnd type="none" w="med" len="med"/>
+                    </a:lnT>
+                    <a:lnB w="12700" cap="flat" cmpd="sng" algn="ctr">
+                      <a:solidFill>
+                        <a:srgbClr val="959595"/>
+                      </a:solidFill>
+                      <a:prstDash val="solid"/>
+                      <a:round/>
+                      <a:headEnd type="none" w="med" len="med"/>
+                      <a:tailEnd type="none" w="med" len="med"/>
+                    </a:lnB>
+                  </a:tcPr>
+                </a:tc>
+                <a:tc>
+                  <a:txBody>
+                    <a:bodyPr/>
+                    <a:lstStyle/>
+                    <a:p>
+                      <a:pPr marL="0" marR="0" indent="0" algn="l" defTabSz="914400" rtl="0" eaLnBrk="1" fontAlgn="auto" latinLnBrk="0" hangingPunct="1">
+                        <a:lnSpc>
+                          <a:spcPct val="110000"/>
+                        </a:lnSpc>
+                        <a:spcBef>
+                          <a:spcPts val="600"/>
+                        </a:spcBef>
+                        <a:spcAft>
+                          <a:spcPts val="0"/>
+                        </a:spcAft>
+                        <a:buClrTx/>
+                        <a:buSzTx/>
+                        <a:buFontTx/>
+                        <a:buNone/>
+                        <a:tabLst/>
+                        <a:defRPr/>
+                      </a:pPr>
+                      <a:r>
+                        <a:rPr lang="en-US" sz="1800" b="1" dirty="0" smtClean="0">
+                          <a:solidFill>
+                            <a:schemeClr val="accent1">
+                              <a:lumMod val="60000"/>
+                              <a:lumOff val="40000"/>
+                            </a:schemeClr>
+                          </a:solidFill>
+                          <a:effectLst/>
+                          <a:latin typeface="Corbel" panose="020B0503020204020204" pitchFamily="34" charset="0"/>
+                          <a:ea typeface="SimSun" panose="02010600030101010101" pitchFamily="2" charset="-122"/>
+                          <a:cs typeface="Tahoma" panose="020B0604030504040204" pitchFamily="34" charset="0"/>
+                        </a:rPr>
+                        <a:t>term, </a:t>
+                      </a:r>
+                      <a:r>
+                        <a:rPr lang="en-US" sz="1800" b="1" dirty="0" err="1" smtClean="0">
+                          <a:solidFill>
+                            <a:schemeClr val="accent1">
+                              <a:lumMod val="60000"/>
+                              <a:lumOff val="40000"/>
+                            </a:schemeClr>
+                          </a:solidFill>
+                          <a:effectLst/>
+                          <a:latin typeface="Corbel" panose="020B0503020204020204" pitchFamily="34" charset="0"/>
+                          <a:ea typeface="SimSun" panose="02010600030101010101" pitchFamily="2" charset="-122"/>
+                          <a:cs typeface="Tahoma" panose="020B0604030504040204" pitchFamily="34" charset="0"/>
+                        </a:rPr>
+                        <a:t>annual_inc</a:t>
+                      </a:r>
+                      <a:endParaRPr lang="en-US" sz="1800" dirty="0" smtClean="0">
+                        <a:effectLst/>
+                        <a:latin typeface="Corbel" panose="020B0503020204020204" pitchFamily="34" charset="0"/>
+                        <a:ea typeface="SimSun" panose="02010600030101010101" pitchFamily="2" charset="-122"/>
+                        <a:cs typeface="Tahoma" panose="020B0604030504040204" pitchFamily="34" charset="0"/>
+                      </a:endParaRPr>
+                    </a:p>
+                  </a:txBody>
+                  <a:tcPr marL="68580" marR="68580" marT="0" marB="0">
+                    <a:lnL>
+                      <a:noFill/>
+                    </a:lnL>
+                    <a:lnR>
+                      <a:noFill/>
+                    </a:lnR>
+                    <a:lnT w="12700" cap="flat" cmpd="sng" algn="ctr">
+                      <a:solidFill>
+                        <a:srgbClr val="959595"/>
+                      </a:solidFill>
+                      <a:prstDash val="solid"/>
+                      <a:round/>
+                      <a:headEnd type="none" w="med" len="med"/>
+                      <a:tailEnd type="none" w="med" len="med"/>
+                    </a:lnT>
+                    <a:lnB w="12700" cap="flat" cmpd="sng" algn="ctr">
+                      <a:solidFill>
+                        <a:srgbClr val="959595"/>
+                      </a:solidFill>
+                      <a:prstDash val="solid"/>
+                      <a:round/>
+                      <a:headEnd type="none" w="med" len="med"/>
+                      <a:tailEnd type="none" w="med" len="med"/>
+                    </a:lnB>
+                  </a:tcPr>
+                </a:tc>
+                <a:tc>
+                  <a:txBody>
+                    <a:bodyPr/>
+                    <a:lstStyle/>
+                    <a:p>
+                      <a:pPr marL="0" marR="0">
+                        <a:lnSpc>
+                          <a:spcPct val="110000"/>
+                        </a:lnSpc>
+                        <a:spcBef>
+                          <a:spcPts val="600"/>
+                        </a:spcBef>
+                        <a:spcAft>
+                          <a:spcPts val="0"/>
+                        </a:spcAft>
+                      </a:pPr>
+                      <a:r>
+                        <a:rPr lang="en-US" sz="1800" dirty="0" smtClean="0">
+                          <a:effectLst/>
+                          <a:latin typeface="Corbel" panose="020B0503020204020204" pitchFamily="34" charset="0"/>
+                          <a:ea typeface="SimSun" panose="02010600030101010101" pitchFamily="2" charset="-122"/>
+                          <a:cs typeface="Tahoma" panose="020B0604030504040204" pitchFamily="34" charset="0"/>
+                        </a:rPr>
                         <a:t>63.492%</a:t>
                       </a:r>
+                      <a:endParaRPr lang="en-US" sz="1800" dirty="0">
+                        <a:effectLst/>
+                        <a:latin typeface="Corbel" panose="020B0503020204020204" pitchFamily="34" charset="0"/>
+                        <a:ea typeface="SimSun" panose="02010600030101010101" pitchFamily="2" charset="-122"/>
+                        <a:cs typeface="Tahoma" panose="020B0604030504040204" pitchFamily="34" charset="0"/>
+                      </a:endParaRPr>
                     </a:p>
                   </a:txBody>
                   <a:tcPr marL="68580" marR="68580" marT="0" marB="0">
@@ -14152,6 +15233,435 @@
                 <a:extLst>
                   <a:ext uri="{0D108BD9-81ED-4DB2-BD59-A6C34878D82A}">
                     <a16:rowId xmlns:a16="http://schemas.microsoft.com/office/drawing/2014/main" val="791791539"/>
+                  </a:ext>
+                </a:extLst>
+              </a:tr>
+              <a:tr h="695382">
+                <a:tc>
+                  <a:txBody>
+                    <a:bodyPr/>
+                    <a:lstStyle/>
+                    <a:p>
+                      <a:pPr marL="0" marR="0">
+                        <a:lnSpc>
+                          <a:spcPct val="110000"/>
+                        </a:lnSpc>
+                        <a:spcBef>
+                          <a:spcPts val="600"/>
+                        </a:spcBef>
+                        <a:spcAft>
+                          <a:spcPts val="0"/>
+                        </a:spcAft>
+                      </a:pPr>
+                      <a:r>
+                        <a:rPr lang="en-US" sz="1800" dirty="0" smtClean="0">
+                          <a:effectLst/>
+                          <a:latin typeface="Corbel" panose="020B0503020204020204" pitchFamily="34" charset="0"/>
+                          <a:ea typeface="SimSun" panose="02010600030101010101" pitchFamily="2" charset="-122"/>
+                          <a:cs typeface="Tahoma" panose="020B0604030504040204" pitchFamily="34" charset="0"/>
+                        </a:rPr>
+                        <a:t>3</a:t>
+                      </a:r>
+                      <a:endParaRPr lang="en-US" sz="1800" dirty="0">
+                        <a:effectLst/>
+                        <a:latin typeface="Corbel" panose="020B0503020204020204" pitchFamily="34" charset="0"/>
+                        <a:ea typeface="SimSun" panose="02010600030101010101" pitchFamily="2" charset="-122"/>
+                        <a:cs typeface="Tahoma" panose="020B0604030504040204" pitchFamily="34" charset="0"/>
+                      </a:endParaRPr>
+                    </a:p>
+                  </a:txBody>
+                  <a:tcPr marL="68580" marR="68580" marT="0" marB="0">
+                    <a:lnL>
+                      <a:noFill/>
+                    </a:lnL>
+                    <a:lnR>
+                      <a:noFill/>
+                    </a:lnR>
+                    <a:lnT w="12700" cap="flat" cmpd="sng" algn="ctr">
+                      <a:solidFill>
+                        <a:srgbClr val="959595"/>
+                      </a:solidFill>
+                      <a:prstDash val="solid"/>
+                      <a:round/>
+                      <a:headEnd type="none" w="med" len="med"/>
+                      <a:tailEnd type="none" w="med" len="med"/>
+                    </a:lnT>
+                    <a:lnB w="12700" cap="flat" cmpd="sng" algn="ctr">
+                      <a:solidFill>
+                        <a:srgbClr val="959595"/>
+                      </a:solidFill>
+                      <a:prstDash val="solid"/>
+                      <a:round/>
+                      <a:headEnd type="none" w="med" len="med"/>
+                      <a:tailEnd type="none" w="med" len="med"/>
+                    </a:lnB>
+                  </a:tcPr>
+                </a:tc>
+                <a:tc>
+                  <a:txBody>
+                    <a:bodyPr/>
+                    <a:lstStyle/>
+                    <a:p>
+                      <a:pPr marL="0" marR="0" indent="0" algn="l" defTabSz="914400" rtl="0" eaLnBrk="1" fontAlgn="auto" latinLnBrk="0" hangingPunct="1">
+                        <a:lnSpc>
+                          <a:spcPct val="110000"/>
+                        </a:lnSpc>
+                        <a:spcBef>
+                          <a:spcPts val="600"/>
+                        </a:spcBef>
+                        <a:spcAft>
+                          <a:spcPts val="0"/>
+                        </a:spcAft>
+                        <a:buClrTx/>
+                        <a:buSzTx/>
+                        <a:buFontTx/>
+                        <a:buNone/>
+                        <a:tabLst/>
+                        <a:defRPr/>
+                      </a:pPr>
+                      <a:r>
+                        <a:rPr lang="en-US" dirty="0" smtClean="0"/>
+                        <a:t>Decision Tree</a:t>
+                      </a:r>
+                      <a:br>
+                        <a:rPr lang="en-US" dirty="0" smtClean="0"/>
+                      </a:br>
+                      <a:r>
+                        <a:rPr lang="en-US" dirty="0" smtClean="0"/>
+                        <a:t>(</a:t>
+                      </a:r>
+                      <a:r>
+                        <a:rPr lang="en-US" dirty="0" err="1" smtClean="0"/>
+                        <a:t>RTree</a:t>
+                      </a:r>
+                      <a:r>
+                        <a:rPr lang="en-US" dirty="0" smtClean="0"/>
+                        <a:t>) </a:t>
+                      </a:r>
+                      <a:endParaRPr lang="en-US" sz="1800" dirty="0" smtClean="0">
+                        <a:effectLst/>
+                        <a:latin typeface="Corbel" panose="020B0503020204020204" pitchFamily="34" charset="0"/>
+                        <a:ea typeface="SimSun" panose="02010600030101010101" pitchFamily="2" charset="-122"/>
+                        <a:cs typeface="Tahoma" panose="020B0604030504040204" pitchFamily="34" charset="0"/>
+                      </a:endParaRPr>
+                    </a:p>
+                    <a:p>
+                      <a:pPr marL="0" marR="0">
+                        <a:lnSpc>
+                          <a:spcPct val="110000"/>
+                        </a:lnSpc>
+                        <a:spcBef>
+                          <a:spcPts val="600"/>
+                        </a:spcBef>
+                        <a:spcAft>
+                          <a:spcPts val="0"/>
+                        </a:spcAft>
+                      </a:pPr>
+                      <a:endParaRPr lang="en-US" sz="1800" dirty="0">
+                        <a:effectLst/>
+                        <a:latin typeface="Corbel" panose="020B0503020204020204" pitchFamily="34" charset="0"/>
+                        <a:ea typeface="SimSun" panose="02010600030101010101" pitchFamily="2" charset="-122"/>
+                        <a:cs typeface="Tahoma" panose="020B0604030504040204" pitchFamily="34" charset="0"/>
+                      </a:endParaRPr>
+                    </a:p>
+                  </a:txBody>
+                  <a:tcPr marL="68580" marR="68580" marT="0" marB="0">
+                    <a:lnL>
+                      <a:noFill/>
+                    </a:lnL>
+                    <a:lnR>
+                      <a:noFill/>
+                    </a:lnR>
+                    <a:lnT w="12700" cap="flat" cmpd="sng" algn="ctr">
+                      <a:solidFill>
+                        <a:srgbClr val="959595"/>
+                      </a:solidFill>
+                      <a:prstDash val="solid"/>
+                      <a:round/>
+                      <a:headEnd type="none" w="med" len="med"/>
+                      <a:tailEnd type="none" w="med" len="med"/>
+                    </a:lnT>
+                    <a:lnB w="12700" cap="flat" cmpd="sng" algn="ctr">
+                      <a:solidFill>
+                        <a:srgbClr val="959595"/>
+                      </a:solidFill>
+                      <a:prstDash val="solid"/>
+                      <a:round/>
+                      <a:headEnd type="none" w="med" len="med"/>
+                      <a:tailEnd type="none" w="med" len="med"/>
+                    </a:lnB>
+                  </a:tcPr>
+                </a:tc>
+                <a:tc>
+                  <a:txBody>
+                    <a:bodyPr/>
+                    <a:lstStyle/>
+                    <a:p>
+                      <a:pPr marL="0" marR="0" indent="0" algn="l" defTabSz="914400" rtl="0" eaLnBrk="1" fontAlgn="auto" latinLnBrk="0" hangingPunct="1">
+                        <a:lnSpc>
+                          <a:spcPct val="110000"/>
+                        </a:lnSpc>
+                        <a:spcBef>
+                          <a:spcPts val="600"/>
+                        </a:spcBef>
+                        <a:spcAft>
+                          <a:spcPts val="0"/>
+                        </a:spcAft>
+                        <a:buClrTx/>
+                        <a:buSzTx/>
+                        <a:buFontTx/>
+                        <a:buNone/>
+                        <a:tabLst/>
+                        <a:defRPr/>
+                      </a:pPr>
+                      <a:r>
+                        <a:rPr lang="en-US" sz="1800" b="1" dirty="0" smtClean="0">
+                          <a:solidFill>
+                            <a:schemeClr val="accent1">
+                              <a:lumMod val="60000"/>
+                              <a:lumOff val="40000"/>
+                            </a:schemeClr>
+                          </a:solidFill>
+                          <a:effectLst/>
+                          <a:latin typeface="Corbel" panose="020B0503020204020204" pitchFamily="34" charset="0"/>
+                          <a:ea typeface="SimSun" panose="02010600030101010101" pitchFamily="2" charset="-122"/>
+                          <a:cs typeface="Tahoma" panose="020B0604030504040204" pitchFamily="34" charset="0"/>
+                        </a:rPr>
+                        <a:t>term,</a:t>
+                      </a:r>
+                      <a:r>
+                        <a:rPr lang="en-US" sz="1800" b="1" baseline="0" dirty="0" smtClean="0">
+                          <a:solidFill>
+                            <a:schemeClr val="accent1">
+                              <a:lumMod val="60000"/>
+                              <a:lumOff val="40000"/>
+                            </a:schemeClr>
+                          </a:solidFill>
+                          <a:effectLst/>
+                          <a:latin typeface="Corbel" panose="020B0503020204020204" pitchFamily="34" charset="0"/>
+                          <a:ea typeface="SimSun" panose="02010600030101010101" pitchFamily="2" charset="-122"/>
+                          <a:cs typeface="Tahoma" panose="020B0604030504040204" pitchFamily="34" charset="0"/>
+                        </a:rPr>
+                        <a:t> </a:t>
+                      </a:r>
+                      <a:r>
+                        <a:rPr lang="en-US" sz="1800" b="1" dirty="0" err="1" smtClean="0">
+                          <a:solidFill>
+                            <a:schemeClr val="accent1">
+                              <a:lumMod val="60000"/>
+                              <a:lumOff val="40000"/>
+                            </a:schemeClr>
+                          </a:solidFill>
+                          <a:effectLst/>
+                          <a:latin typeface="Corbel" panose="020B0503020204020204" pitchFamily="34" charset="0"/>
+                          <a:ea typeface="SimSun" panose="02010600030101010101" pitchFamily="2" charset="-122"/>
+                          <a:cs typeface="Tahoma" panose="020B0604030504040204" pitchFamily="34" charset="0"/>
+                        </a:rPr>
+                        <a:t>annual_inc</a:t>
+                      </a:r>
+                      <a:r>
+                        <a:rPr lang="en-US" sz="1800" b="1" dirty="0" smtClean="0">
+                          <a:solidFill>
+                            <a:schemeClr val="accent1">
+                              <a:lumMod val="60000"/>
+                              <a:lumOff val="40000"/>
+                            </a:schemeClr>
+                          </a:solidFill>
+                          <a:effectLst/>
+                          <a:latin typeface="Corbel" panose="020B0503020204020204" pitchFamily="34" charset="0"/>
+                          <a:ea typeface="SimSun" panose="02010600030101010101" pitchFamily="2" charset="-122"/>
+                          <a:cs typeface="Tahoma" panose="020B0604030504040204" pitchFamily="34" charset="0"/>
+                        </a:rPr>
+                        <a:t>, </a:t>
+                      </a:r>
+                      <a:r>
+                        <a:rPr lang="en-US" sz="1800" b="1" dirty="0" err="1" smtClean="0">
+                          <a:solidFill>
+                            <a:schemeClr val="accent1">
+                              <a:lumMod val="60000"/>
+                              <a:lumOff val="40000"/>
+                            </a:schemeClr>
+                          </a:solidFill>
+                          <a:effectLst/>
+                          <a:latin typeface="Corbel" panose="020B0503020204020204" pitchFamily="34" charset="0"/>
+                          <a:ea typeface="SimSun" panose="02010600030101010101" pitchFamily="2" charset="-122"/>
+                          <a:cs typeface="Tahoma" panose="020B0604030504040204" pitchFamily="34" charset="0"/>
+                        </a:rPr>
+                        <a:t>revol_util</a:t>
+                      </a:r>
+                      <a:r>
+                        <a:rPr lang="en-US" sz="1800" b="1" dirty="0" smtClean="0">
+                          <a:solidFill>
+                            <a:schemeClr val="accent1">
+                              <a:lumMod val="60000"/>
+                              <a:lumOff val="40000"/>
+                            </a:schemeClr>
+                          </a:solidFill>
+                          <a:effectLst/>
+                          <a:latin typeface="Corbel" panose="020B0503020204020204" pitchFamily="34" charset="0"/>
+                          <a:ea typeface="SimSun" panose="02010600030101010101" pitchFamily="2" charset="-122"/>
+                          <a:cs typeface="Tahoma" panose="020B0604030504040204" pitchFamily="34" charset="0"/>
+                        </a:rPr>
+                        <a:t>, </a:t>
+                      </a:r>
+                      <a:r>
+                        <a:rPr lang="en-US" sz="1800" b="1" dirty="0" err="1" smtClean="0">
+                          <a:solidFill>
+                            <a:schemeClr val="accent1">
+                              <a:lumMod val="60000"/>
+                              <a:lumOff val="40000"/>
+                            </a:schemeClr>
+                          </a:solidFill>
+                          <a:effectLst/>
+                          <a:latin typeface="Corbel" panose="020B0503020204020204" pitchFamily="34" charset="0"/>
+                          <a:ea typeface="SimSun" panose="02010600030101010101" pitchFamily="2" charset="-122"/>
+                          <a:cs typeface="Tahoma" panose="020B0604030504040204" pitchFamily="34" charset="0"/>
+                        </a:rPr>
+                        <a:t>dti</a:t>
+                      </a:r>
+                      <a:r>
+                        <a:rPr lang="en-US" sz="1800" b="1" dirty="0" smtClean="0">
+                          <a:solidFill>
+                            <a:schemeClr val="accent1">
+                              <a:lumMod val="60000"/>
+                              <a:lumOff val="40000"/>
+                            </a:schemeClr>
+                          </a:solidFill>
+                          <a:effectLst/>
+                          <a:latin typeface="Corbel" panose="020B0503020204020204" pitchFamily="34" charset="0"/>
+                          <a:ea typeface="SimSun" panose="02010600030101010101" pitchFamily="2" charset="-122"/>
+                          <a:cs typeface="Tahoma" panose="020B0604030504040204" pitchFamily="34" charset="0"/>
+                        </a:rPr>
+                        <a:t>,</a:t>
+                      </a:r>
+                      <a:r>
+                        <a:rPr lang="en-US" sz="1800" b="1" baseline="0" dirty="0" smtClean="0">
+                          <a:solidFill>
+                            <a:schemeClr val="accent1">
+                              <a:lumMod val="60000"/>
+                              <a:lumOff val="40000"/>
+                            </a:schemeClr>
+                          </a:solidFill>
+                          <a:effectLst/>
+                          <a:latin typeface="Corbel" panose="020B0503020204020204" pitchFamily="34" charset="0"/>
+                          <a:ea typeface="SimSun" panose="02010600030101010101" pitchFamily="2" charset="-122"/>
+                          <a:cs typeface="Tahoma" panose="020B0604030504040204" pitchFamily="34" charset="0"/>
+                        </a:rPr>
+                        <a:t> </a:t>
+                      </a:r>
+                      <a:r>
+                        <a:rPr lang="en-US" sz="1800" b="1" dirty="0" err="1" smtClean="0">
+                          <a:solidFill>
+                            <a:schemeClr val="accent1">
+                              <a:lumMod val="60000"/>
+                              <a:lumOff val="40000"/>
+                            </a:schemeClr>
+                          </a:solidFill>
+                          <a:effectLst/>
+                          <a:latin typeface="Corbel" panose="020B0503020204020204" pitchFamily="34" charset="0"/>
+                          <a:ea typeface="SimSun" panose="02010600030101010101" pitchFamily="2" charset="-122"/>
+                          <a:cs typeface="Tahoma" panose="020B0604030504040204" pitchFamily="34" charset="0"/>
+                        </a:rPr>
+                        <a:t>loan_amnt</a:t>
+                      </a:r>
+                      <a:endParaRPr lang="en-US" sz="1800" dirty="0" smtClean="0">
+                        <a:effectLst/>
+                        <a:latin typeface="Corbel" panose="020B0503020204020204" pitchFamily="34" charset="0"/>
+                        <a:ea typeface="SimSun" panose="02010600030101010101" pitchFamily="2" charset="-122"/>
+                        <a:cs typeface="Tahoma" panose="020B0604030504040204" pitchFamily="34" charset="0"/>
+                      </a:endParaRPr>
+                    </a:p>
+                  </a:txBody>
+                  <a:tcPr marL="68580" marR="68580" marT="0" marB="0">
+                    <a:lnL>
+                      <a:noFill/>
+                    </a:lnL>
+                    <a:lnR>
+                      <a:noFill/>
+                    </a:lnR>
+                    <a:lnT w="12700" cap="flat" cmpd="sng" algn="ctr">
+                      <a:solidFill>
+                        <a:srgbClr val="959595"/>
+                      </a:solidFill>
+                      <a:prstDash val="solid"/>
+                      <a:round/>
+                      <a:headEnd type="none" w="med" len="med"/>
+                      <a:tailEnd type="none" w="med" len="med"/>
+                    </a:lnT>
+                    <a:lnB w="12700" cap="flat" cmpd="sng" algn="ctr">
+                      <a:solidFill>
+                        <a:srgbClr val="959595"/>
+                      </a:solidFill>
+                      <a:prstDash val="solid"/>
+                      <a:round/>
+                      <a:headEnd type="none" w="med" len="med"/>
+                      <a:tailEnd type="none" w="med" len="med"/>
+                    </a:lnB>
+                  </a:tcPr>
+                </a:tc>
+                <a:tc>
+                  <a:txBody>
+                    <a:bodyPr/>
+                    <a:lstStyle/>
+                    <a:p>
+                      <a:pPr marL="0" marR="0">
+                        <a:lnSpc>
+                          <a:spcPct val="110000"/>
+                        </a:lnSpc>
+                        <a:spcBef>
+                          <a:spcPts val="600"/>
+                        </a:spcBef>
+                        <a:spcAft>
+                          <a:spcPts val="0"/>
+                        </a:spcAft>
+                      </a:pPr>
+                      <a:r>
+                        <a:rPr lang="en-US" sz="1800" dirty="0" smtClean="0">
+                          <a:effectLst/>
+                          <a:latin typeface="Corbel" panose="020B0503020204020204" pitchFamily="34" charset="0"/>
+                          <a:ea typeface="SimSun" panose="02010600030101010101" pitchFamily="2" charset="-122"/>
+                          <a:cs typeface="Tahoma" panose="020B0604030504040204" pitchFamily="34" charset="0"/>
+                        </a:rPr>
+                        <a:t>65.718%</a:t>
+                      </a:r>
+                      <a:endParaRPr lang="en-US" sz="1800" dirty="0">
+                        <a:effectLst/>
+                        <a:latin typeface="Corbel" panose="020B0503020204020204" pitchFamily="34" charset="0"/>
+                        <a:ea typeface="SimSun" panose="02010600030101010101" pitchFamily="2" charset="-122"/>
+                        <a:cs typeface="Tahoma" panose="020B0604030504040204" pitchFamily="34" charset="0"/>
+                      </a:endParaRPr>
+                    </a:p>
+                  </a:txBody>
+                  <a:tcPr marL="68580" marR="68580" marT="0" marB="0">
+                    <a:lnL>
+                      <a:noFill/>
+                    </a:lnL>
+                    <a:lnR>
+                      <a:noFill/>
+                    </a:lnR>
+                    <a:lnT w="12700" cap="flat" cmpd="sng" algn="ctr">
+                      <a:solidFill>
+                        <a:srgbClr val="959595"/>
+                      </a:solidFill>
+                      <a:prstDash val="solid"/>
+                      <a:round/>
+                      <a:headEnd type="none" w="med" len="med"/>
+                      <a:tailEnd type="none" w="med" len="med"/>
+                    </a:lnT>
+                    <a:lnB w="12700" cap="flat" cmpd="sng" algn="ctr">
+                      <a:solidFill>
+                        <a:srgbClr val="959595"/>
+                      </a:solidFill>
+                      <a:prstDash val="solid"/>
+                      <a:round/>
+                      <a:headEnd type="none" w="med" len="med"/>
+                      <a:tailEnd type="none" w="med" len="med"/>
+                    </a:lnB>
+                  </a:tcPr>
+                </a:tc>
+                <a:extLst>
+                  <a:ext uri="{0D108BD9-81ED-4DB2-BD59-A6C34878D82A}">
+                    <a16:rowId xmlns:a16="http://schemas.microsoft.com/office/drawing/2014/main" val="399893658"/>
                   </a:ext>
                 </a:extLst>
               </a:tr>
@@ -14302,7 +15812,2621 @@
           <a:p>
             <a:fld id="{6D22F896-40B5-4ADD-8801-0D06FADFA095}" type="slidenum">
               <a:rPr lang="en-US" smtClean="0"/>
-              <a:t>11</a:t>
+              <a:t>13</a:t>
+            </a:fld>
+            <a:endParaRPr lang="en-US" dirty="0"/>
+          </a:p>
+        </p:txBody>
+      </p:sp>
+      <p:sp>
+        <p:nvSpPr>
+          <p:cNvPr id="5" name="Curved Up Ribbon 4"/>
+          <p:cNvSpPr/>
+          <p:nvPr/>
+        </p:nvSpPr>
+        <p:spPr>
+          <a:xfrm>
+            <a:off x="10162434" y="2744479"/>
+            <a:ext cx="884976" cy="517707"/>
+          </a:xfrm>
+          <a:prstGeom prst="ellipseRibbon2">
+            <a:avLst/>
+          </a:prstGeom>
+        </p:spPr>
+        <p:style>
+          <a:lnRef idx="2">
+            <a:schemeClr val="accent1">
+              <a:shade val="50000"/>
+            </a:schemeClr>
+          </a:lnRef>
+          <a:fillRef idx="1">
+            <a:schemeClr val="accent1"/>
+          </a:fillRef>
+          <a:effectRef idx="0">
+            <a:schemeClr val="accent1"/>
+          </a:effectRef>
+          <a:fontRef idx="minor">
+            <a:schemeClr val="lt1"/>
+          </a:fontRef>
+        </p:style>
+        <p:txBody>
+          <a:bodyPr rtlCol="0" anchor="ctr"/>
+          <a:lstStyle/>
+          <a:p>
+            <a:pPr algn="ctr"/>
+            <a:r>
+              <a:rPr lang="en-US" sz="1100" dirty="0" smtClean="0">
+                <a:solidFill>
+                  <a:schemeClr val="bg1"/>
+                </a:solidFill>
+              </a:rPr>
+              <a:t>Best</a:t>
+            </a:r>
+            <a:endParaRPr lang="en-US" sz="1100" dirty="0">
+              <a:solidFill>
+                <a:schemeClr val="bg1"/>
+              </a:solidFill>
+            </a:endParaRPr>
+          </a:p>
+        </p:txBody>
+      </p:sp>
+      <p:sp>
+        <p:nvSpPr>
+          <p:cNvPr id="8" name="Curved Up Ribbon 7"/>
+          <p:cNvSpPr/>
+          <p:nvPr/>
+        </p:nvSpPr>
+        <p:spPr>
+          <a:xfrm>
+            <a:off x="10162434" y="4627074"/>
+            <a:ext cx="884976" cy="435624"/>
+          </a:xfrm>
+          <a:prstGeom prst="ellipseRibbon2">
+            <a:avLst/>
+          </a:prstGeom>
+        </p:spPr>
+        <p:style>
+          <a:lnRef idx="2">
+            <a:schemeClr val="accent1">
+              <a:shade val="50000"/>
+            </a:schemeClr>
+          </a:lnRef>
+          <a:fillRef idx="1">
+            <a:schemeClr val="accent1"/>
+          </a:fillRef>
+          <a:effectRef idx="0">
+            <a:schemeClr val="accent1"/>
+          </a:effectRef>
+          <a:fontRef idx="minor">
+            <a:schemeClr val="lt1"/>
+          </a:fontRef>
+        </p:style>
+        <p:txBody>
+          <a:bodyPr rtlCol="0" anchor="ctr"/>
+          <a:lstStyle/>
+          <a:p>
+            <a:pPr algn="ctr"/>
+            <a:r>
+              <a:rPr lang="en-US" sz="700" dirty="0" smtClean="0">
+                <a:solidFill>
+                  <a:schemeClr val="bg1"/>
+                </a:solidFill>
+              </a:rPr>
+              <a:t>Runner Up</a:t>
+            </a:r>
+            <a:endParaRPr lang="en-US" sz="700" dirty="0">
+              <a:solidFill>
+                <a:schemeClr val="bg1"/>
+              </a:solidFill>
+            </a:endParaRPr>
+          </a:p>
+        </p:txBody>
+      </p:sp>
+    </p:spTree>
+    <p:extLst>
+      <p:ext uri="{BB962C8B-B14F-4D97-AF65-F5344CB8AC3E}">
+        <p14:creationId xmlns:p14="http://schemas.microsoft.com/office/powerpoint/2010/main" val="527150600"/>
+      </p:ext>
+    </p:extLst>
+  </p:cSld>
+  <p:clrMapOvr>
+    <a:masterClrMapping/>
+  </p:clrMapOvr>
+</p:sld>
+</file>
+
+<file path=ppt/slides/slide14.xml><?xml version="1.0" encoding="utf-8"?>
+<p:sld xmlns:a="http://schemas.openxmlformats.org/drawingml/2006/main" xmlns:r="http://schemas.openxmlformats.org/officeDocument/2006/relationships" xmlns:p="http://schemas.openxmlformats.org/presentationml/2006/main">
+  <p:cSld>
+    <p:spTree>
+      <p:nvGrpSpPr>
+        <p:cNvPr id="1" name=""/>
+        <p:cNvGrpSpPr/>
+        <p:nvPr/>
+      </p:nvGrpSpPr>
+      <p:grpSpPr>
+        <a:xfrm>
+          <a:off x="0" y="0"/>
+          <a:ext cx="0" cy="0"/>
+          <a:chOff x="0" y="0"/>
+          <a:chExt cx="0" cy="0"/>
+        </a:xfrm>
+      </p:grpSpPr>
+      <p:sp>
+        <p:nvSpPr>
+          <p:cNvPr id="2" name="Title 1"/>
+          <p:cNvSpPr>
+            <a:spLocks noGrp="1"/>
+          </p:cNvSpPr>
+          <p:nvPr>
+            <p:ph type="title"/>
+          </p:nvPr>
+        </p:nvSpPr>
+        <p:spPr/>
+        <p:txBody>
+          <a:bodyPr/>
+          <a:lstStyle/>
+          <a:p>
+            <a:r>
+              <a:rPr lang="en-US" dirty="0" smtClean="0"/>
+              <a:t>Appendix: </a:t>
+            </a:r>
+            <a:r>
+              <a:rPr lang="en-US" dirty="0" smtClean="0"/>
+              <a:t>Original Variable </a:t>
+            </a:r>
+            <a:r>
+              <a:rPr lang="en-US" dirty="0" smtClean="0"/>
+              <a:t>Definitions</a:t>
+            </a:r>
+            <a:endParaRPr lang="en-US" dirty="0"/>
+          </a:p>
+        </p:txBody>
+      </p:sp>
+      <p:sp>
+        <p:nvSpPr>
+          <p:cNvPr id="4" name="Footer Placeholder 3"/>
+          <p:cNvSpPr>
+            <a:spLocks noGrp="1"/>
+          </p:cNvSpPr>
+          <p:nvPr>
+            <p:ph type="ftr" sz="quarter" idx="11"/>
+          </p:nvPr>
+        </p:nvSpPr>
+        <p:spPr/>
+        <p:txBody>
+          <a:bodyPr/>
+          <a:lstStyle/>
+          <a:p>
+            <a:r>
+              <a:rPr lang="en-US" smtClean="0"/>
+              <a:t>Springboard Foundations of Data Science - Craig Calder</a:t>
+            </a:r>
+            <a:endParaRPr lang="en-US" dirty="0"/>
+          </a:p>
+        </p:txBody>
+      </p:sp>
+      <p:sp>
+        <p:nvSpPr>
+          <p:cNvPr id="5" name="Slide Number Placeholder 4"/>
+          <p:cNvSpPr>
+            <a:spLocks noGrp="1"/>
+          </p:cNvSpPr>
+          <p:nvPr>
+            <p:ph type="sldNum" sz="quarter" idx="12"/>
+          </p:nvPr>
+        </p:nvSpPr>
+        <p:spPr/>
+        <p:txBody>
+          <a:bodyPr/>
+          <a:lstStyle/>
+          <a:p>
+            <a:fld id="{6D22F896-40B5-4ADD-8801-0D06FADFA095}" type="slidenum">
+              <a:rPr lang="en-US" smtClean="0"/>
+              <a:t>14</a:t>
+            </a:fld>
+            <a:endParaRPr lang="en-US" dirty="0"/>
+          </a:p>
+        </p:txBody>
+      </p:sp>
+      <p:graphicFrame>
+        <p:nvGraphicFramePr>
+          <p:cNvPr id="6" name="Table 5"/>
+          <p:cNvGraphicFramePr>
+            <a:graphicFrameLocks noGrp="1"/>
+          </p:cNvGraphicFramePr>
+          <p:nvPr>
+            <p:extLst>
+              <p:ext uri="{D42A27DB-BD31-4B8C-83A1-F6EECF244321}">
+                <p14:modId xmlns:p14="http://schemas.microsoft.com/office/powerpoint/2010/main" val="513185278"/>
+              </p:ext>
+            </p:extLst>
+          </p:nvPr>
+        </p:nvGraphicFramePr>
+        <p:xfrm>
+          <a:off x="1188719" y="1941608"/>
+          <a:ext cx="9945446" cy="3447617"/>
+        </p:xfrm>
+        <a:graphic>
+          <a:graphicData uri="http://schemas.openxmlformats.org/drawingml/2006/table">
+            <a:tbl>
+              <a:tblPr firstRow="1" firstCol="1" bandRow="1">
+                <a:tableStyleId>{5C22544A-7EE6-4342-B048-85BDC9FD1C3A}</a:tableStyleId>
+              </a:tblPr>
+              <a:tblGrid>
+                <a:gridCol w="338867">
+                  <a:extLst>
+                    <a:ext uri="{9D8B030D-6E8A-4147-A177-3AD203B41FA5}">
+                      <a16:colId xmlns:a16="http://schemas.microsoft.com/office/drawing/2014/main" val="1477395390"/>
+                    </a:ext>
+                  </a:extLst>
+                </a:gridCol>
+                <a:gridCol w="1414210">
+                  <a:extLst>
+                    <a:ext uri="{9D8B030D-6E8A-4147-A177-3AD203B41FA5}">
+                      <a16:colId xmlns:a16="http://schemas.microsoft.com/office/drawing/2014/main" val="4250967354"/>
+                    </a:ext>
+                  </a:extLst>
+                </a:gridCol>
+                <a:gridCol w="8192369">
+                  <a:extLst>
+                    <a:ext uri="{9D8B030D-6E8A-4147-A177-3AD203B41FA5}">
+                      <a16:colId xmlns:a16="http://schemas.microsoft.com/office/drawing/2014/main" val="3494751739"/>
+                    </a:ext>
+                  </a:extLst>
+                </a:gridCol>
+              </a:tblGrid>
+              <a:tr h="126490">
+                <a:tc>
+                  <a:txBody>
+                    <a:bodyPr/>
+                    <a:lstStyle/>
+                    <a:p>
+                      <a:pPr marL="0" marR="0">
+                        <a:lnSpc>
+                          <a:spcPct val="110000"/>
+                        </a:lnSpc>
+                        <a:spcBef>
+                          <a:spcPts val="600"/>
+                        </a:spcBef>
+                        <a:spcAft>
+                          <a:spcPts val="0"/>
+                        </a:spcAft>
+                      </a:pPr>
+                      <a:r>
+                        <a:rPr lang="en-US" sz="1050">
+                          <a:effectLst/>
+                        </a:rPr>
+                        <a:t>#</a:t>
+                      </a:r>
+                      <a:endParaRPr lang="en-US" sz="1050">
+                        <a:effectLst/>
+                        <a:latin typeface="Corbel" panose="020B0503020204020204" pitchFamily="34" charset="0"/>
+                        <a:ea typeface="SimSun" panose="02010600030101010101" pitchFamily="2" charset="-122"/>
+                        <a:cs typeface="Tahoma" panose="020B0604030504040204" pitchFamily="34" charset="0"/>
+                      </a:endParaRPr>
+                    </a:p>
+                  </a:txBody>
+                  <a:tcPr marL="47042" marR="47042" marT="0" marB="0"/>
+                </a:tc>
+                <a:tc>
+                  <a:txBody>
+                    <a:bodyPr/>
+                    <a:lstStyle/>
+                    <a:p>
+                      <a:pPr marL="0" marR="0">
+                        <a:lnSpc>
+                          <a:spcPct val="110000"/>
+                        </a:lnSpc>
+                        <a:spcBef>
+                          <a:spcPts val="600"/>
+                        </a:spcBef>
+                        <a:spcAft>
+                          <a:spcPts val="0"/>
+                        </a:spcAft>
+                      </a:pPr>
+                      <a:r>
+                        <a:rPr lang="en-US" sz="1050">
+                          <a:effectLst/>
+                        </a:rPr>
+                        <a:t>Variable Name</a:t>
+                      </a:r>
+                      <a:endParaRPr lang="en-US" sz="1050">
+                        <a:effectLst/>
+                        <a:latin typeface="Corbel" panose="020B0503020204020204" pitchFamily="34" charset="0"/>
+                        <a:ea typeface="SimSun" panose="02010600030101010101" pitchFamily="2" charset="-122"/>
+                        <a:cs typeface="Tahoma" panose="020B0604030504040204" pitchFamily="34" charset="0"/>
+                      </a:endParaRPr>
+                    </a:p>
+                  </a:txBody>
+                  <a:tcPr marL="47042" marR="47042" marT="0" marB="0"/>
+                </a:tc>
+                <a:tc>
+                  <a:txBody>
+                    <a:bodyPr/>
+                    <a:lstStyle/>
+                    <a:p>
+                      <a:pPr marL="0" marR="0">
+                        <a:lnSpc>
+                          <a:spcPct val="110000"/>
+                        </a:lnSpc>
+                        <a:spcBef>
+                          <a:spcPts val="600"/>
+                        </a:spcBef>
+                        <a:spcAft>
+                          <a:spcPts val="0"/>
+                        </a:spcAft>
+                      </a:pPr>
+                      <a:r>
+                        <a:rPr lang="en-US" sz="1050">
+                          <a:effectLst/>
+                        </a:rPr>
+                        <a:t>Description</a:t>
+                      </a:r>
+                      <a:endParaRPr lang="en-US" sz="1050">
+                        <a:effectLst/>
+                        <a:latin typeface="Corbel" panose="020B0503020204020204" pitchFamily="34" charset="0"/>
+                        <a:ea typeface="SimSun" panose="02010600030101010101" pitchFamily="2" charset="-122"/>
+                        <a:cs typeface="Tahoma" panose="020B0604030504040204" pitchFamily="34" charset="0"/>
+                      </a:endParaRPr>
+                    </a:p>
+                  </a:txBody>
+                  <a:tcPr marL="47042" marR="47042" marT="0" marB="0"/>
+                </a:tc>
+                <a:extLst>
+                  <a:ext uri="{0D108BD9-81ED-4DB2-BD59-A6C34878D82A}">
+                    <a16:rowId xmlns:a16="http://schemas.microsoft.com/office/drawing/2014/main" val="1770999334"/>
+                  </a:ext>
+                </a:extLst>
+              </a:tr>
+              <a:tr h="379469">
+                <a:tc>
+                  <a:txBody>
+                    <a:bodyPr/>
+                    <a:lstStyle/>
+                    <a:p>
+                      <a:pPr marL="0" marR="0">
+                        <a:lnSpc>
+                          <a:spcPct val="110000"/>
+                        </a:lnSpc>
+                        <a:spcBef>
+                          <a:spcPts val="600"/>
+                        </a:spcBef>
+                        <a:spcAft>
+                          <a:spcPts val="0"/>
+                        </a:spcAft>
+                      </a:pPr>
+                      <a:r>
+                        <a:rPr lang="en-US" sz="1050">
+                          <a:effectLst/>
+                        </a:rPr>
+                        <a:t>1</a:t>
+                      </a:r>
+                      <a:endParaRPr lang="en-US" sz="1050">
+                        <a:effectLst/>
+                        <a:latin typeface="Corbel" panose="020B0503020204020204" pitchFamily="34" charset="0"/>
+                        <a:ea typeface="SimSun" panose="02010600030101010101" pitchFamily="2" charset="-122"/>
+                        <a:cs typeface="Tahoma" panose="020B0604030504040204" pitchFamily="34" charset="0"/>
+                      </a:endParaRPr>
+                    </a:p>
+                  </a:txBody>
+                  <a:tcPr marL="47042" marR="47042" marT="0" marB="0"/>
+                </a:tc>
+                <a:tc>
+                  <a:txBody>
+                    <a:bodyPr/>
+                    <a:lstStyle/>
+                    <a:p>
+                      <a:pPr marL="0" marR="0">
+                        <a:lnSpc>
+                          <a:spcPct val="110000"/>
+                        </a:lnSpc>
+                        <a:spcBef>
+                          <a:spcPts val="600"/>
+                        </a:spcBef>
+                        <a:spcAft>
+                          <a:spcPts val="0"/>
+                        </a:spcAft>
+                      </a:pPr>
+                      <a:r>
+                        <a:rPr lang="en-US" sz="1050">
+                          <a:effectLst/>
+                        </a:rPr>
+                        <a:t>loan_amnt</a:t>
+                      </a:r>
+                      <a:endParaRPr lang="en-US" sz="1050">
+                        <a:effectLst/>
+                        <a:latin typeface="Corbel" panose="020B0503020204020204" pitchFamily="34" charset="0"/>
+                        <a:ea typeface="SimSun" panose="02010600030101010101" pitchFamily="2" charset="-122"/>
+                        <a:cs typeface="Tahoma" panose="020B0604030504040204" pitchFamily="34" charset="0"/>
+                      </a:endParaRPr>
+                    </a:p>
+                  </a:txBody>
+                  <a:tcPr marL="47042" marR="47042" marT="0" marB="0"/>
+                </a:tc>
+                <a:tc>
+                  <a:txBody>
+                    <a:bodyPr/>
+                    <a:lstStyle/>
+                    <a:p>
+                      <a:pPr marL="0" marR="0">
+                        <a:lnSpc>
+                          <a:spcPct val="110000"/>
+                        </a:lnSpc>
+                        <a:spcBef>
+                          <a:spcPts val="600"/>
+                        </a:spcBef>
+                        <a:spcAft>
+                          <a:spcPts val="0"/>
+                        </a:spcAft>
+                      </a:pPr>
+                      <a:r>
+                        <a:rPr lang="en-US" sz="1050">
+                          <a:effectLst/>
+                        </a:rPr>
+                        <a:t>The listed amount of the loan applied for by the borrower. If at some point in time, the credit department reduces the loan amount, then it will be reflected in this value. Loan amount ranges from 500 to 35,000.</a:t>
+                      </a:r>
+                      <a:endParaRPr lang="en-US" sz="1050">
+                        <a:effectLst/>
+                        <a:latin typeface="Corbel" panose="020B0503020204020204" pitchFamily="34" charset="0"/>
+                        <a:ea typeface="SimSun" panose="02010600030101010101" pitchFamily="2" charset="-122"/>
+                        <a:cs typeface="Tahoma" panose="020B0604030504040204" pitchFamily="34" charset="0"/>
+                      </a:endParaRPr>
+                    </a:p>
+                  </a:txBody>
+                  <a:tcPr marL="47042" marR="47042" marT="0" marB="0"/>
+                </a:tc>
+                <a:extLst>
+                  <a:ext uri="{0D108BD9-81ED-4DB2-BD59-A6C34878D82A}">
+                    <a16:rowId xmlns:a16="http://schemas.microsoft.com/office/drawing/2014/main" val="2950935703"/>
+                  </a:ext>
+                </a:extLst>
+              </a:tr>
+              <a:tr h="219207">
+                <a:tc>
+                  <a:txBody>
+                    <a:bodyPr/>
+                    <a:lstStyle/>
+                    <a:p>
+                      <a:pPr marL="0" marR="0">
+                        <a:lnSpc>
+                          <a:spcPct val="110000"/>
+                        </a:lnSpc>
+                        <a:spcBef>
+                          <a:spcPts val="600"/>
+                        </a:spcBef>
+                        <a:spcAft>
+                          <a:spcPts val="0"/>
+                        </a:spcAft>
+                      </a:pPr>
+                      <a:r>
+                        <a:rPr lang="en-US" sz="1050">
+                          <a:effectLst/>
+                        </a:rPr>
+                        <a:t>2</a:t>
+                      </a:r>
+                      <a:endParaRPr lang="en-US" sz="1050">
+                        <a:effectLst/>
+                        <a:latin typeface="Corbel" panose="020B0503020204020204" pitchFamily="34" charset="0"/>
+                        <a:ea typeface="SimSun" panose="02010600030101010101" pitchFamily="2" charset="-122"/>
+                        <a:cs typeface="Tahoma" panose="020B0604030504040204" pitchFamily="34" charset="0"/>
+                      </a:endParaRPr>
+                    </a:p>
+                  </a:txBody>
+                  <a:tcPr marL="47042" marR="47042" marT="0" marB="0"/>
+                </a:tc>
+                <a:tc>
+                  <a:txBody>
+                    <a:bodyPr/>
+                    <a:lstStyle/>
+                    <a:p>
+                      <a:pPr marL="0" marR="0">
+                        <a:lnSpc>
+                          <a:spcPct val="110000"/>
+                        </a:lnSpc>
+                        <a:spcBef>
+                          <a:spcPts val="600"/>
+                        </a:spcBef>
+                        <a:spcAft>
+                          <a:spcPts val="0"/>
+                        </a:spcAft>
+                      </a:pPr>
+                      <a:r>
+                        <a:rPr lang="en-US" sz="1050">
+                          <a:effectLst/>
+                        </a:rPr>
+                        <a:t>term</a:t>
+                      </a:r>
+                      <a:endParaRPr lang="en-US" sz="1050">
+                        <a:effectLst/>
+                        <a:latin typeface="Corbel" panose="020B0503020204020204" pitchFamily="34" charset="0"/>
+                        <a:ea typeface="SimSun" panose="02010600030101010101" pitchFamily="2" charset="-122"/>
+                        <a:cs typeface="Tahoma" panose="020B0604030504040204" pitchFamily="34" charset="0"/>
+                      </a:endParaRPr>
+                    </a:p>
+                  </a:txBody>
+                  <a:tcPr marL="47042" marR="47042" marT="0" marB="0"/>
+                </a:tc>
+                <a:tc>
+                  <a:txBody>
+                    <a:bodyPr/>
+                    <a:lstStyle/>
+                    <a:p>
+                      <a:pPr marL="0" marR="0">
+                        <a:lnSpc>
+                          <a:spcPct val="110000"/>
+                        </a:lnSpc>
+                        <a:spcBef>
+                          <a:spcPts val="600"/>
+                        </a:spcBef>
+                        <a:spcAft>
+                          <a:spcPts val="0"/>
+                        </a:spcAft>
+                      </a:pPr>
+                      <a:r>
+                        <a:rPr lang="en-US" sz="1050">
+                          <a:effectLst/>
+                        </a:rPr>
+                        <a:t>The number of months to pay the loan. Values are either 36 or 60 months (character type)</a:t>
+                      </a:r>
+                      <a:endParaRPr lang="en-US" sz="1050">
+                        <a:effectLst/>
+                        <a:latin typeface="Corbel" panose="020B0503020204020204" pitchFamily="34" charset="0"/>
+                        <a:ea typeface="SimSun" panose="02010600030101010101" pitchFamily="2" charset="-122"/>
+                        <a:cs typeface="Tahoma" panose="020B0604030504040204" pitchFamily="34" charset="0"/>
+                      </a:endParaRPr>
+                    </a:p>
+                  </a:txBody>
+                  <a:tcPr marL="47042" marR="47042" marT="0" marB="0"/>
+                </a:tc>
+                <a:extLst>
+                  <a:ext uri="{0D108BD9-81ED-4DB2-BD59-A6C34878D82A}">
+                    <a16:rowId xmlns:a16="http://schemas.microsoft.com/office/drawing/2014/main" val="4210974916"/>
+                  </a:ext>
+                </a:extLst>
+              </a:tr>
+              <a:tr h="208275">
+                <a:tc>
+                  <a:txBody>
+                    <a:bodyPr/>
+                    <a:lstStyle/>
+                    <a:p>
+                      <a:pPr marL="0" marR="0">
+                        <a:lnSpc>
+                          <a:spcPct val="110000"/>
+                        </a:lnSpc>
+                        <a:spcBef>
+                          <a:spcPts val="600"/>
+                        </a:spcBef>
+                        <a:spcAft>
+                          <a:spcPts val="0"/>
+                        </a:spcAft>
+                      </a:pPr>
+                      <a:r>
+                        <a:rPr lang="en-US" sz="1050">
+                          <a:effectLst/>
+                        </a:rPr>
+                        <a:t>3</a:t>
+                      </a:r>
+                      <a:endParaRPr lang="en-US" sz="1050">
+                        <a:effectLst/>
+                        <a:latin typeface="Corbel" panose="020B0503020204020204" pitchFamily="34" charset="0"/>
+                        <a:ea typeface="SimSun" panose="02010600030101010101" pitchFamily="2" charset="-122"/>
+                        <a:cs typeface="Tahoma" panose="020B0604030504040204" pitchFamily="34" charset="0"/>
+                      </a:endParaRPr>
+                    </a:p>
+                  </a:txBody>
+                  <a:tcPr marL="47042" marR="47042" marT="0" marB="0"/>
+                </a:tc>
+                <a:tc>
+                  <a:txBody>
+                    <a:bodyPr/>
+                    <a:lstStyle/>
+                    <a:p>
+                      <a:pPr marL="0" marR="0">
+                        <a:lnSpc>
+                          <a:spcPct val="110000"/>
+                        </a:lnSpc>
+                        <a:spcBef>
+                          <a:spcPts val="600"/>
+                        </a:spcBef>
+                        <a:spcAft>
+                          <a:spcPts val="0"/>
+                        </a:spcAft>
+                      </a:pPr>
+                      <a:r>
+                        <a:rPr lang="en-US" sz="1050">
+                          <a:effectLst/>
+                        </a:rPr>
+                        <a:t>int_rate</a:t>
+                      </a:r>
+                      <a:endParaRPr lang="en-US" sz="1050">
+                        <a:effectLst/>
+                        <a:latin typeface="Corbel" panose="020B0503020204020204" pitchFamily="34" charset="0"/>
+                        <a:ea typeface="SimSun" panose="02010600030101010101" pitchFamily="2" charset="-122"/>
+                        <a:cs typeface="Tahoma" panose="020B0604030504040204" pitchFamily="34" charset="0"/>
+                      </a:endParaRPr>
+                    </a:p>
+                  </a:txBody>
+                  <a:tcPr marL="47042" marR="47042" marT="0" marB="0"/>
+                </a:tc>
+                <a:tc>
+                  <a:txBody>
+                    <a:bodyPr/>
+                    <a:lstStyle/>
+                    <a:p>
+                      <a:pPr marL="0" marR="0">
+                        <a:lnSpc>
+                          <a:spcPct val="110000"/>
+                        </a:lnSpc>
+                        <a:spcBef>
+                          <a:spcPts val="600"/>
+                        </a:spcBef>
+                        <a:spcAft>
+                          <a:spcPts val="0"/>
+                        </a:spcAft>
+                      </a:pPr>
+                      <a:r>
+                        <a:rPr lang="en-US" sz="1050">
+                          <a:effectLst/>
+                        </a:rPr>
+                        <a:t>Ranging from 5.42 the best candidate (e.g. lowest risk) to 26.06 for high risk customers. (dependent variable)</a:t>
+                      </a:r>
+                      <a:endParaRPr lang="en-US" sz="1050">
+                        <a:effectLst/>
+                        <a:latin typeface="Corbel" panose="020B0503020204020204" pitchFamily="34" charset="0"/>
+                        <a:ea typeface="SimSun" panose="02010600030101010101" pitchFamily="2" charset="-122"/>
+                        <a:cs typeface="Tahoma" panose="020B0604030504040204" pitchFamily="34" charset="0"/>
+                      </a:endParaRPr>
+                    </a:p>
+                  </a:txBody>
+                  <a:tcPr marL="47042" marR="47042" marT="0" marB="0"/>
+                </a:tc>
+                <a:extLst>
+                  <a:ext uri="{0D108BD9-81ED-4DB2-BD59-A6C34878D82A}">
+                    <a16:rowId xmlns:a16="http://schemas.microsoft.com/office/drawing/2014/main" val="1896077418"/>
+                  </a:ext>
+                </a:extLst>
+              </a:tr>
+              <a:tr h="126490">
+                <a:tc>
+                  <a:txBody>
+                    <a:bodyPr/>
+                    <a:lstStyle/>
+                    <a:p>
+                      <a:pPr marL="0" marR="0">
+                        <a:lnSpc>
+                          <a:spcPct val="110000"/>
+                        </a:lnSpc>
+                        <a:spcBef>
+                          <a:spcPts val="600"/>
+                        </a:spcBef>
+                        <a:spcAft>
+                          <a:spcPts val="0"/>
+                        </a:spcAft>
+                      </a:pPr>
+                      <a:r>
+                        <a:rPr lang="en-US" sz="1050">
+                          <a:effectLst/>
+                        </a:rPr>
+                        <a:t>4</a:t>
+                      </a:r>
+                      <a:endParaRPr lang="en-US" sz="1050">
+                        <a:effectLst/>
+                        <a:latin typeface="Corbel" panose="020B0503020204020204" pitchFamily="34" charset="0"/>
+                        <a:ea typeface="SimSun" panose="02010600030101010101" pitchFamily="2" charset="-122"/>
+                        <a:cs typeface="Tahoma" panose="020B0604030504040204" pitchFamily="34" charset="0"/>
+                      </a:endParaRPr>
+                    </a:p>
+                  </a:txBody>
+                  <a:tcPr marL="47042" marR="47042" marT="0" marB="0"/>
+                </a:tc>
+                <a:tc>
+                  <a:txBody>
+                    <a:bodyPr/>
+                    <a:lstStyle/>
+                    <a:p>
+                      <a:pPr marL="0" marR="0">
+                        <a:lnSpc>
+                          <a:spcPct val="110000"/>
+                        </a:lnSpc>
+                        <a:spcBef>
+                          <a:spcPts val="600"/>
+                        </a:spcBef>
+                        <a:spcAft>
+                          <a:spcPts val="0"/>
+                        </a:spcAft>
+                      </a:pPr>
+                      <a:r>
+                        <a:rPr lang="en-US" sz="1050">
+                          <a:effectLst/>
+                        </a:rPr>
+                        <a:t>emp_length</a:t>
+                      </a:r>
+                      <a:endParaRPr lang="en-US" sz="1050">
+                        <a:effectLst/>
+                        <a:latin typeface="Corbel" panose="020B0503020204020204" pitchFamily="34" charset="0"/>
+                        <a:ea typeface="SimSun" panose="02010600030101010101" pitchFamily="2" charset="-122"/>
+                        <a:cs typeface="Tahoma" panose="020B0604030504040204" pitchFamily="34" charset="0"/>
+                      </a:endParaRPr>
+                    </a:p>
+                  </a:txBody>
+                  <a:tcPr marL="47042" marR="47042" marT="0" marB="0"/>
+                </a:tc>
+                <a:tc>
+                  <a:txBody>
+                    <a:bodyPr/>
+                    <a:lstStyle/>
+                    <a:p>
+                      <a:pPr marL="0" marR="0">
+                        <a:lnSpc>
+                          <a:spcPct val="110000"/>
+                        </a:lnSpc>
+                        <a:spcBef>
+                          <a:spcPts val="600"/>
+                        </a:spcBef>
+                        <a:spcAft>
+                          <a:spcPts val="0"/>
+                        </a:spcAft>
+                      </a:pPr>
+                      <a:r>
+                        <a:rPr lang="en-US" sz="1050">
+                          <a:effectLst/>
+                        </a:rPr>
+                        <a:t>Employment length in years. </a:t>
+                      </a:r>
+                      <a:endParaRPr lang="en-US" sz="1050">
+                        <a:effectLst/>
+                        <a:latin typeface="Corbel" panose="020B0503020204020204" pitchFamily="34" charset="0"/>
+                        <a:ea typeface="SimSun" panose="02010600030101010101" pitchFamily="2" charset="-122"/>
+                        <a:cs typeface="Tahoma" panose="020B0604030504040204" pitchFamily="34" charset="0"/>
+                      </a:endParaRPr>
+                    </a:p>
+                  </a:txBody>
+                  <a:tcPr marL="47042" marR="47042" marT="0" marB="0"/>
+                </a:tc>
+                <a:extLst>
+                  <a:ext uri="{0D108BD9-81ED-4DB2-BD59-A6C34878D82A}">
+                    <a16:rowId xmlns:a16="http://schemas.microsoft.com/office/drawing/2014/main" val="2061785169"/>
+                  </a:ext>
+                </a:extLst>
+              </a:tr>
+              <a:tr h="220337">
+                <a:tc>
+                  <a:txBody>
+                    <a:bodyPr/>
+                    <a:lstStyle/>
+                    <a:p>
+                      <a:pPr marL="0" marR="0">
+                        <a:lnSpc>
+                          <a:spcPct val="110000"/>
+                        </a:lnSpc>
+                        <a:spcBef>
+                          <a:spcPts val="600"/>
+                        </a:spcBef>
+                        <a:spcAft>
+                          <a:spcPts val="0"/>
+                        </a:spcAft>
+                      </a:pPr>
+                      <a:r>
+                        <a:rPr lang="en-US" sz="1050">
+                          <a:effectLst/>
+                        </a:rPr>
+                        <a:t>5</a:t>
+                      </a:r>
+                      <a:endParaRPr lang="en-US" sz="1050">
+                        <a:effectLst/>
+                        <a:latin typeface="Corbel" panose="020B0503020204020204" pitchFamily="34" charset="0"/>
+                        <a:ea typeface="SimSun" panose="02010600030101010101" pitchFamily="2" charset="-122"/>
+                        <a:cs typeface="Tahoma" panose="020B0604030504040204" pitchFamily="34" charset="0"/>
+                      </a:endParaRPr>
+                    </a:p>
+                  </a:txBody>
+                  <a:tcPr marL="47042" marR="47042" marT="0" marB="0"/>
+                </a:tc>
+                <a:tc>
+                  <a:txBody>
+                    <a:bodyPr/>
+                    <a:lstStyle/>
+                    <a:p>
+                      <a:pPr marL="0" marR="0">
+                        <a:lnSpc>
+                          <a:spcPct val="110000"/>
+                        </a:lnSpc>
+                        <a:spcBef>
+                          <a:spcPts val="600"/>
+                        </a:spcBef>
+                        <a:spcAft>
+                          <a:spcPts val="0"/>
+                        </a:spcAft>
+                      </a:pPr>
+                      <a:r>
+                        <a:rPr lang="en-US" sz="1050" dirty="0" err="1" smtClean="0">
+                          <a:effectLst/>
+                        </a:rPr>
+                        <a:t>home_ownership</a:t>
+                      </a:r>
+                      <a:endParaRPr lang="en-US" sz="1050" dirty="0" smtClean="0">
+                        <a:effectLst/>
+                      </a:endParaRPr>
+                    </a:p>
+                  </a:txBody>
+                  <a:tcPr marL="47042" marR="47042" marT="0" marB="0"/>
+                </a:tc>
+                <a:tc>
+                  <a:txBody>
+                    <a:bodyPr/>
+                    <a:lstStyle/>
+                    <a:p>
+                      <a:pPr marL="0" marR="0">
+                        <a:lnSpc>
+                          <a:spcPct val="110000"/>
+                        </a:lnSpc>
+                        <a:spcBef>
+                          <a:spcPts val="600"/>
+                        </a:spcBef>
+                        <a:spcAft>
+                          <a:spcPts val="0"/>
+                        </a:spcAft>
+                      </a:pPr>
+                      <a:r>
+                        <a:rPr lang="en-US" sz="1050" dirty="0">
+                          <a:effectLst/>
+                        </a:rPr>
+                        <a:t>The home ownership status provided by the borrower during registration. Our values are: RENT, OWN, MORTGAGE, OTHER (character type).</a:t>
+                      </a:r>
+                      <a:endParaRPr lang="en-US" sz="1050" dirty="0">
+                        <a:effectLst/>
+                        <a:latin typeface="Corbel" panose="020B0503020204020204" pitchFamily="34" charset="0"/>
+                        <a:ea typeface="SimSun" panose="02010600030101010101" pitchFamily="2" charset="-122"/>
+                        <a:cs typeface="Tahoma" panose="020B0604030504040204" pitchFamily="34" charset="0"/>
+                      </a:endParaRPr>
+                    </a:p>
+                  </a:txBody>
+                  <a:tcPr marL="47042" marR="47042" marT="0" marB="0"/>
+                </a:tc>
+                <a:extLst>
+                  <a:ext uri="{0D108BD9-81ED-4DB2-BD59-A6C34878D82A}">
+                    <a16:rowId xmlns:a16="http://schemas.microsoft.com/office/drawing/2014/main" val="1568867881"/>
+                  </a:ext>
+                </a:extLst>
+              </a:tr>
+              <a:tr h="215153">
+                <a:tc>
+                  <a:txBody>
+                    <a:bodyPr/>
+                    <a:lstStyle/>
+                    <a:p>
+                      <a:pPr marL="0" marR="0">
+                        <a:lnSpc>
+                          <a:spcPct val="110000"/>
+                        </a:lnSpc>
+                        <a:spcBef>
+                          <a:spcPts val="600"/>
+                        </a:spcBef>
+                        <a:spcAft>
+                          <a:spcPts val="0"/>
+                        </a:spcAft>
+                      </a:pPr>
+                      <a:r>
+                        <a:rPr lang="en-US" sz="1050">
+                          <a:effectLst/>
+                        </a:rPr>
+                        <a:t>6</a:t>
+                      </a:r>
+                      <a:endParaRPr lang="en-US" sz="1050">
+                        <a:effectLst/>
+                        <a:latin typeface="Corbel" panose="020B0503020204020204" pitchFamily="34" charset="0"/>
+                        <a:ea typeface="SimSun" panose="02010600030101010101" pitchFamily="2" charset="-122"/>
+                        <a:cs typeface="Tahoma" panose="020B0604030504040204" pitchFamily="34" charset="0"/>
+                      </a:endParaRPr>
+                    </a:p>
+                  </a:txBody>
+                  <a:tcPr marL="47042" marR="47042" marT="0" marB="0"/>
+                </a:tc>
+                <a:tc>
+                  <a:txBody>
+                    <a:bodyPr/>
+                    <a:lstStyle/>
+                    <a:p>
+                      <a:pPr marL="0" marR="0">
+                        <a:lnSpc>
+                          <a:spcPct val="110000"/>
+                        </a:lnSpc>
+                        <a:spcBef>
+                          <a:spcPts val="600"/>
+                        </a:spcBef>
+                        <a:spcAft>
+                          <a:spcPts val="0"/>
+                        </a:spcAft>
+                      </a:pPr>
+                      <a:r>
+                        <a:rPr lang="en-US" sz="1050">
+                          <a:effectLst/>
+                        </a:rPr>
+                        <a:t>annual_inc</a:t>
+                      </a:r>
+                      <a:endParaRPr lang="en-US" sz="1050">
+                        <a:effectLst/>
+                        <a:latin typeface="Corbel" panose="020B0503020204020204" pitchFamily="34" charset="0"/>
+                        <a:ea typeface="SimSun" panose="02010600030101010101" pitchFamily="2" charset="-122"/>
+                        <a:cs typeface="Tahoma" panose="020B0604030504040204" pitchFamily="34" charset="0"/>
+                      </a:endParaRPr>
+                    </a:p>
+                  </a:txBody>
+                  <a:tcPr marL="47042" marR="47042" marT="0" marB="0"/>
+                </a:tc>
+                <a:tc>
+                  <a:txBody>
+                    <a:bodyPr/>
+                    <a:lstStyle/>
+                    <a:p>
+                      <a:pPr marL="0" marR="0">
+                        <a:lnSpc>
+                          <a:spcPct val="110000"/>
+                        </a:lnSpc>
+                        <a:spcBef>
+                          <a:spcPts val="600"/>
+                        </a:spcBef>
+                        <a:spcAft>
+                          <a:spcPts val="0"/>
+                        </a:spcAft>
+                      </a:pPr>
+                      <a:r>
+                        <a:rPr lang="en-US" sz="1050">
+                          <a:effectLst/>
+                        </a:rPr>
+                        <a:t>The self-reported annual income provided by the borrower during registration.</a:t>
+                      </a:r>
+                      <a:endParaRPr lang="en-US" sz="1050">
+                        <a:effectLst/>
+                        <a:latin typeface="Corbel" panose="020B0503020204020204" pitchFamily="34" charset="0"/>
+                        <a:ea typeface="SimSun" panose="02010600030101010101" pitchFamily="2" charset="-122"/>
+                        <a:cs typeface="Tahoma" panose="020B0604030504040204" pitchFamily="34" charset="0"/>
+                      </a:endParaRPr>
+                    </a:p>
+                  </a:txBody>
+                  <a:tcPr marL="47042" marR="47042" marT="0" marB="0"/>
+                </a:tc>
+                <a:extLst>
+                  <a:ext uri="{0D108BD9-81ED-4DB2-BD59-A6C34878D82A}">
+                    <a16:rowId xmlns:a16="http://schemas.microsoft.com/office/drawing/2014/main" val="2431432574"/>
+                  </a:ext>
+                </a:extLst>
+              </a:tr>
+              <a:tr h="126490">
+                <a:tc>
+                  <a:txBody>
+                    <a:bodyPr/>
+                    <a:lstStyle/>
+                    <a:p>
+                      <a:pPr marL="0" marR="0">
+                        <a:lnSpc>
+                          <a:spcPct val="110000"/>
+                        </a:lnSpc>
+                        <a:spcBef>
+                          <a:spcPts val="600"/>
+                        </a:spcBef>
+                        <a:spcAft>
+                          <a:spcPts val="0"/>
+                        </a:spcAft>
+                      </a:pPr>
+                      <a:r>
+                        <a:rPr lang="en-US" sz="1050">
+                          <a:effectLst/>
+                        </a:rPr>
+                        <a:t>7</a:t>
+                      </a:r>
+                      <a:endParaRPr lang="en-US" sz="1050">
+                        <a:effectLst/>
+                        <a:latin typeface="Corbel" panose="020B0503020204020204" pitchFamily="34" charset="0"/>
+                        <a:ea typeface="SimSun" panose="02010600030101010101" pitchFamily="2" charset="-122"/>
+                        <a:cs typeface="Tahoma" panose="020B0604030504040204" pitchFamily="34" charset="0"/>
+                      </a:endParaRPr>
+                    </a:p>
+                  </a:txBody>
+                  <a:tcPr marL="47042" marR="47042" marT="0" marB="0"/>
+                </a:tc>
+                <a:tc>
+                  <a:txBody>
+                    <a:bodyPr/>
+                    <a:lstStyle/>
+                    <a:p>
+                      <a:pPr marL="0" marR="0">
+                        <a:lnSpc>
+                          <a:spcPct val="110000"/>
+                        </a:lnSpc>
+                        <a:spcBef>
+                          <a:spcPts val="600"/>
+                        </a:spcBef>
+                        <a:spcAft>
+                          <a:spcPts val="0"/>
+                        </a:spcAft>
+                      </a:pPr>
+                      <a:r>
+                        <a:rPr lang="en-US" sz="1050">
+                          <a:effectLst/>
+                        </a:rPr>
+                        <a:t>purpose</a:t>
+                      </a:r>
+                      <a:endParaRPr lang="en-US" sz="1050">
+                        <a:effectLst/>
+                        <a:latin typeface="Corbel" panose="020B0503020204020204" pitchFamily="34" charset="0"/>
+                        <a:ea typeface="SimSun" panose="02010600030101010101" pitchFamily="2" charset="-122"/>
+                        <a:cs typeface="Tahoma" panose="020B0604030504040204" pitchFamily="34" charset="0"/>
+                      </a:endParaRPr>
+                    </a:p>
+                  </a:txBody>
+                  <a:tcPr marL="47042" marR="47042" marT="0" marB="0"/>
+                </a:tc>
+                <a:tc>
+                  <a:txBody>
+                    <a:bodyPr/>
+                    <a:lstStyle/>
+                    <a:p>
+                      <a:pPr marL="0" marR="0">
+                        <a:lnSpc>
+                          <a:spcPct val="110000"/>
+                        </a:lnSpc>
+                        <a:spcBef>
+                          <a:spcPts val="600"/>
+                        </a:spcBef>
+                        <a:spcAft>
+                          <a:spcPts val="0"/>
+                        </a:spcAft>
+                      </a:pPr>
+                      <a:r>
+                        <a:rPr lang="en-US" sz="1050" dirty="0">
+                          <a:effectLst/>
+                        </a:rPr>
+                        <a:t> A category provided by the borrower for the loan request. </a:t>
+                      </a:r>
+                      <a:endParaRPr lang="en-US" sz="1050" dirty="0">
+                        <a:effectLst/>
+                        <a:latin typeface="Corbel" panose="020B0503020204020204" pitchFamily="34" charset="0"/>
+                        <a:ea typeface="SimSun" panose="02010600030101010101" pitchFamily="2" charset="-122"/>
+                        <a:cs typeface="Tahoma" panose="020B0604030504040204" pitchFamily="34" charset="0"/>
+                      </a:endParaRPr>
+                    </a:p>
+                  </a:txBody>
+                  <a:tcPr marL="47042" marR="47042" marT="0" marB="0"/>
+                </a:tc>
+                <a:extLst>
+                  <a:ext uri="{0D108BD9-81ED-4DB2-BD59-A6C34878D82A}">
+                    <a16:rowId xmlns:a16="http://schemas.microsoft.com/office/drawing/2014/main" val="1626767170"/>
+                  </a:ext>
+                </a:extLst>
+              </a:tr>
+              <a:tr h="126490">
+                <a:tc>
+                  <a:txBody>
+                    <a:bodyPr/>
+                    <a:lstStyle/>
+                    <a:p>
+                      <a:pPr marL="0" marR="0">
+                        <a:lnSpc>
+                          <a:spcPct val="110000"/>
+                        </a:lnSpc>
+                        <a:spcBef>
+                          <a:spcPts val="600"/>
+                        </a:spcBef>
+                        <a:spcAft>
+                          <a:spcPts val="0"/>
+                        </a:spcAft>
+                      </a:pPr>
+                      <a:r>
+                        <a:rPr lang="en-US" sz="1050">
+                          <a:effectLst/>
+                        </a:rPr>
+                        <a:t>8</a:t>
+                      </a:r>
+                      <a:endParaRPr lang="en-US" sz="1050">
+                        <a:effectLst/>
+                        <a:latin typeface="Corbel" panose="020B0503020204020204" pitchFamily="34" charset="0"/>
+                        <a:ea typeface="SimSun" panose="02010600030101010101" pitchFamily="2" charset="-122"/>
+                        <a:cs typeface="Tahoma" panose="020B0604030504040204" pitchFamily="34" charset="0"/>
+                      </a:endParaRPr>
+                    </a:p>
+                  </a:txBody>
+                  <a:tcPr marL="47042" marR="47042" marT="0" marB="0"/>
+                </a:tc>
+                <a:tc>
+                  <a:txBody>
+                    <a:bodyPr/>
+                    <a:lstStyle/>
+                    <a:p>
+                      <a:pPr marL="0" marR="0">
+                        <a:lnSpc>
+                          <a:spcPct val="110000"/>
+                        </a:lnSpc>
+                        <a:spcBef>
+                          <a:spcPts val="600"/>
+                        </a:spcBef>
+                        <a:spcAft>
+                          <a:spcPts val="0"/>
+                        </a:spcAft>
+                      </a:pPr>
+                      <a:r>
+                        <a:rPr lang="en-US" sz="1050">
+                          <a:effectLst/>
+                        </a:rPr>
+                        <a:t>addr_state</a:t>
+                      </a:r>
+                      <a:endParaRPr lang="en-US" sz="1050">
+                        <a:effectLst/>
+                        <a:latin typeface="Corbel" panose="020B0503020204020204" pitchFamily="34" charset="0"/>
+                        <a:ea typeface="SimSun" panose="02010600030101010101" pitchFamily="2" charset="-122"/>
+                        <a:cs typeface="Tahoma" panose="020B0604030504040204" pitchFamily="34" charset="0"/>
+                      </a:endParaRPr>
+                    </a:p>
+                  </a:txBody>
+                  <a:tcPr marL="47042" marR="47042" marT="0" marB="0"/>
+                </a:tc>
+                <a:tc>
+                  <a:txBody>
+                    <a:bodyPr/>
+                    <a:lstStyle/>
+                    <a:p>
+                      <a:pPr marL="0" marR="0">
+                        <a:lnSpc>
+                          <a:spcPct val="110000"/>
+                        </a:lnSpc>
+                        <a:spcBef>
+                          <a:spcPts val="600"/>
+                        </a:spcBef>
+                        <a:spcAft>
+                          <a:spcPts val="0"/>
+                        </a:spcAft>
+                      </a:pPr>
+                      <a:r>
+                        <a:rPr lang="en-US" sz="1050">
+                          <a:effectLst/>
+                        </a:rPr>
+                        <a:t>The state provided by the borrower in the loan application</a:t>
+                      </a:r>
+                      <a:endParaRPr lang="en-US" sz="1050">
+                        <a:effectLst/>
+                        <a:latin typeface="Corbel" panose="020B0503020204020204" pitchFamily="34" charset="0"/>
+                        <a:ea typeface="SimSun" panose="02010600030101010101" pitchFamily="2" charset="-122"/>
+                        <a:cs typeface="Tahoma" panose="020B0604030504040204" pitchFamily="34" charset="0"/>
+                      </a:endParaRPr>
+                    </a:p>
+                  </a:txBody>
+                  <a:tcPr marL="47042" marR="47042" marT="0" marB="0"/>
+                </a:tc>
+                <a:extLst>
+                  <a:ext uri="{0D108BD9-81ED-4DB2-BD59-A6C34878D82A}">
+                    <a16:rowId xmlns:a16="http://schemas.microsoft.com/office/drawing/2014/main" val="2511287211"/>
+                  </a:ext>
+                </a:extLst>
+              </a:tr>
+              <a:tr h="379469">
+                <a:tc>
+                  <a:txBody>
+                    <a:bodyPr/>
+                    <a:lstStyle/>
+                    <a:p>
+                      <a:pPr marL="0" marR="0">
+                        <a:lnSpc>
+                          <a:spcPct val="110000"/>
+                        </a:lnSpc>
+                        <a:spcBef>
+                          <a:spcPts val="600"/>
+                        </a:spcBef>
+                        <a:spcAft>
+                          <a:spcPts val="0"/>
+                        </a:spcAft>
+                      </a:pPr>
+                      <a:r>
+                        <a:rPr lang="en-US" sz="1050">
+                          <a:effectLst/>
+                        </a:rPr>
+                        <a:t>9</a:t>
+                      </a:r>
+                      <a:endParaRPr lang="en-US" sz="1050">
+                        <a:effectLst/>
+                        <a:latin typeface="Corbel" panose="020B0503020204020204" pitchFamily="34" charset="0"/>
+                        <a:ea typeface="SimSun" panose="02010600030101010101" pitchFamily="2" charset="-122"/>
+                        <a:cs typeface="Tahoma" panose="020B0604030504040204" pitchFamily="34" charset="0"/>
+                      </a:endParaRPr>
+                    </a:p>
+                  </a:txBody>
+                  <a:tcPr marL="47042" marR="47042" marT="0" marB="0"/>
+                </a:tc>
+                <a:tc>
+                  <a:txBody>
+                    <a:bodyPr/>
+                    <a:lstStyle/>
+                    <a:p>
+                      <a:pPr marL="0" marR="0">
+                        <a:lnSpc>
+                          <a:spcPct val="110000"/>
+                        </a:lnSpc>
+                        <a:spcBef>
+                          <a:spcPts val="600"/>
+                        </a:spcBef>
+                        <a:spcAft>
+                          <a:spcPts val="0"/>
+                        </a:spcAft>
+                      </a:pPr>
+                      <a:r>
+                        <a:rPr lang="en-US" sz="1050">
+                          <a:effectLst/>
+                        </a:rPr>
+                        <a:t>dti</a:t>
+                      </a:r>
+                      <a:endParaRPr lang="en-US" sz="1050">
+                        <a:effectLst/>
+                        <a:latin typeface="Corbel" panose="020B0503020204020204" pitchFamily="34" charset="0"/>
+                        <a:ea typeface="SimSun" panose="02010600030101010101" pitchFamily="2" charset="-122"/>
+                        <a:cs typeface="Tahoma" panose="020B0604030504040204" pitchFamily="34" charset="0"/>
+                      </a:endParaRPr>
+                    </a:p>
+                  </a:txBody>
+                  <a:tcPr marL="47042" marR="47042" marT="0" marB="0"/>
+                </a:tc>
+                <a:tc>
+                  <a:txBody>
+                    <a:bodyPr/>
+                    <a:lstStyle/>
+                    <a:p>
+                      <a:pPr marL="0" marR="0">
+                        <a:lnSpc>
+                          <a:spcPct val="110000"/>
+                        </a:lnSpc>
+                        <a:spcBef>
+                          <a:spcPts val="600"/>
+                        </a:spcBef>
+                        <a:spcAft>
+                          <a:spcPts val="0"/>
+                        </a:spcAft>
+                      </a:pPr>
+                      <a:r>
+                        <a:rPr lang="en-US" sz="1050">
+                          <a:effectLst/>
+                        </a:rPr>
+                        <a:t>A ratio calculated using the borrower's total monthly debt payments on the total debt obligations, excluding mortgage and the requested LC loan, divided by the borrower's self-reported monthly income.</a:t>
+                      </a:r>
+                      <a:endParaRPr lang="en-US" sz="1050">
+                        <a:effectLst/>
+                        <a:latin typeface="Corbel" panose="020B0503020204020204" pitchFamily="34" charset="0"/>
+                        <a:ea typeface="SimSun" panose="02010600030101010101" pitchFamily="2" charset="-122"/>
+                        <a:cs typeface="Tahoma" panose="020B0604030504040204" pitchFamily="34" charset="0"/>
+                      </a:endParaRPr>
+                    </a:p>
+                  </a:txBody>
+                  <a:tcPr marL="47042" marR="47042" marT="0" marB="0"/>
+                </a:tc>
+                <a:extLst>
+                  <a:ext uri="{0D108BD9-81ED-4DB2-BD59-A6C34878D82A}">
+                    <a16:rowId xmlns:a16="http://schemas.microsoft.com/office/drawing/2014/main" val="1507638579"/>
+                  </a:ext>
+                </a:extLst>
+              </a:tr>
+              <a:tr h="236501">
+                <a:tc>
+                  <a:txBody>
+                    <a:bodyPr/>
+                    <a:lstStyle/>
+                    <a:p>
+                      <a:pPr marL="0" marR="0">
+                        <a:lnSpc>
+                          <a:spcPct val="110000"/>
+                        </a:lnSpc>
+                        <a:spcBef>
+                          <a:spcPts val="600"/>
+                        </a:spcBef>
+                        <a:spcAft>
+                          <a:spcPts val="0"/>
+                        </a:spcAft>
+                      </a:pPr>
+                      <a:r>
+                        <a:rPr lang="en-US" sz="1050">
+                          <a:effectLst/>
+                        </a:rPr>
+                        <a:t>10</a:t>
+                      </a:r>
+                      <a:endParaRPr lang="en-US" sz="1050">
+                        <a:effectLst/>
+                        <a:latin typeface="Corbel" panose="020B0503020204020204" pitchFamily="34" charset="0"/>
+                        <a:ea typeface="SimSun" panose="02010600030101010101" pitchFamily="2" charset="-122"/>
+                        <a:cs typeface="Tahoma" panose="020B0604030504040204" pitchFamily="34" charset="0"/>
+                      </a:endParaRPr>
+                    </a:p>
+                  </a:txBody>
+                  <a:tcPr marL="47042" marR="47042" marT="0" marB="0"/>
+                </a:tc>
+                <a:tc>
+                  <a:txBody>
+                    <a:bodyPr/>
+                    <a:lstStyle/>
+                    <a:p>
+                      <a:pPr marL="0" marR="0">
+                        <a:lnSpc>
+                          <a:spcPct val="110000"/>
+                        </a:lnSpc>
+                        <a:spcBef>
+                          <a:spcPts val="600"/>
+                        </a:spcBef>
+                        <a:spcAft>
+                          <a:spcPts val="0"/>
+                        </a:spcAft>
+                      </a:pPr>
+                      <a:r>
+                        <a:rPr lang="en-US" sz="1050">
+                          <a:effectLst/>
+                        </a:rPr>
+                        <a:t>delinq_2yrs</a:t>
+                      </a:r>
+                      <a:endParaRPr lang="en-US" sz="1050">
+                        <a:effectLst/>
+                        <a:latin typeface="Corbel" panose="020B0503020204020204" pitchFamily="34" charset="0"/>
+                        <a:ea typeface="SimSun" panose="02010600030101010101" pitchFamily="2" charset="-122"/>
+                        <a:cs typeface="Tahoma" panose="020B0604030504040204" pitchFamily="34" charset="0"/>
+                      </a:endParaRPr>
+                    </a:p>
+                  </a:txBody>
+                  <a:tcPr marL="47042" marR="47042" marT="0" marB="0"/>
+                </a:tc>
+                <a:tc>
+                  <a:txBody>
+                    <a:bodyPr/>
+                    <a:lstStyle/>
+                    <a:p>
+                      <a:pPr marL="0" marR="0">
+                        <a:lnSpc>
+                          <a:spcPct val="110000"/>
+                        </a:lnSpc>
+                        <a:spcBef>
+                          <a:spcPts val="600"/>
+                        </a:spcBef>
+                        <a:spcAft>
+                          <a:spcPts val="0"/>
+                        </a:spcAft>
+                      </a:pPr>
+                      <a:r>
+                        <a:rPr lang="en-US" sz="1050">
+                          <a:effectLst/>
+                        </a:rPr>
+                        <a:t>The number of 30+ days past-due incidences of delinquency in the borrower's credit file for the past 2 years</a:t>
+                      </a:r>
+                      <a:endParaRPr lang="en-US" sz="1050">
+                        <a:effectLst/>
+                        <a:latin typeface="Corbel" panose="020B0503020204020204" pitchFamily="34" charset="0"/>
+                        <a:ea typeface="SimSun" panose="02010600030101010101" pitchFamily="2" charset="-122"/>
+                        <a:cs typeface="Tahoma" panose="020B0604030504040204" pitchFamily="34" charset="0"/>
+                      </a:endParaRPr>
+                    </a:p>
+                  </a:txBody>
+                  <a:tcPr marL="47042" marR="47042" marT="0" marB="0"/>
+                </a:tc>
+                <a:extLst>
+                  <a:ext uri="{0D108BD9-81ED-4DB2-BD59-A6C34878D82A}">
+                    <a16:rowId xmlns:a16="http://schemas.microsoft.com/office/drawing/2014/main" val="963510083"/>
+                  </a:ext>
+                </a:extLst>
+              </a:tr>
+              <a:tr h="209433">
+                <a:tc>
+                  <a:txBody>
+                    <a:bodyPr/>
+                    <a:lstStyle/>
+                    <a:p>
+                      <a:pPr marL="0" marR="0">
+                        <a:lnSpc>
+                          <a:spcPct val="110000"/>
+                        </a:lnSpc>
+                        <a:spcBef>
+                          <a:spcPts val="600"/>
+                        </a:spcBef>
+                        <a:spcAft>
+                          <a:spcPts val="0"/>
+                        </a:spcAft>
+                      </a:pPr>
+                      <a:r>
+                        <a:rPr lang="en-US" sz="1050">
+                          <a:effectLst/>
+                        </a:rPr>
+                        <a:t>11</a:t>
+                      </a:r>
+                      <a:endParaRPr lang="en-US" sz="1050">
+                        <a:effectLst/>
+                        <a:latin typeface="Corbel" panose="020B0503020204020204" pitchFamily="34" charset="0"/>
+                        <a:ea typeface="SimSun" panose="02010600030101010101" pitchFamily="2" charset="-122"/>
+                        <a:cs typeface="Tahoma" panose="020B0604030504040204" pitchFamily="34" charset="0"/>
+                      </a:endParaRPr>
+                    </a:p>
+                  </a:txBody>
+                  <a:tcPr marL="47042" marR="47042" marT="0" marB="0"/>
+                </a:tc>
+                <a:tc>
+                  <a:txBody>
+                    <a:bodyPr/>
+                    <a:lstStyle/>
+                    <a:p>
+                      <a:pPr marL="0" marR="0">
+                        <a:lnSpc>
+                          <a:spcPct val="110000"/>
+                        </a:lnSpc>
+                        <a:spcBef>
+                          <a:spcPts val="600"/>
+                        </a:spcBef>
+                        <a:spcAft>
+                          <a:spcPts val="0"/>
+                        </a:spcAft>
+                      </a:pPr>
+                      <a:r>
+                        <a:rPr lang="en-US" sz="1050">
+                          <a:effectLst/>
+                        </a:rPr>
+                        <a:t>revol_util</a:t>
+                      </a:r>
+                      <a:endParaRPr lang="en-US" sz="1050">
+                        <a:effectLst/>
+                        <a:latin typeface="Corbel" panose="020B0503020204020204" pitchFamily="34" charset="0"/>
+                        <a:ea typeface="SimSun" panose="02010600030101010101" pitchFamily="2" charset="-122"/>
+                        <a:cs typeface="Tahoma" panose="020B0604030504040204" pitchFamily="34" charset="0"/>
+                      </a:endParaRPr>
+                    </a:p>
+                  </a:txBody>
+                  <a:tcPr marL="47042" marR="47042" marT="0" marB="0"/>
+                </a:tc>
+                <a:tc>
+                  <a:txBody>
+                    <a:bodyPr/>
+                    <a:lstStyle/>
+                    <a:p>
+                      <a:pPr marL="0" marR="0">
+                        <a:lnSpc>
+                          <a:spcPct val="110000"/>
+                        </a:lnSpc>
+                        <a:spcBef>
+                          <a:spcPts val="600"/>
+                        </a:spcBef>
+                        <a:spcAft>
+                          <a:spcPts val="0"/>
+                        </a:spcAft>
+                      </a:pPr>
+                      <a:r>
+                        <a:rPr lang="en-US" sz="1050">
+                          <a:effectLst/>
+                        </a:rPr>
+                        <a:t>Revolving line utilization rate, or the amount of credit the borrower is using relative to all available revolving credit.</a:t>
+                      </a:r>
+                      <a:endParaRPr lang="en-US" sz="1050">
+                        <a:effectLst/>
+                        <a:latin typeface="Corbel" panose="020B0503020204020204" pitchFamily="34" charset="0"/>
+                        <a:ea typeface="SimSun" panose="02010600030101010101" pitchFamily="2" charset="-122"/>
+                        <a:cs typeface="Tahoma" panose="020B0604030504040204" pitchFamily="34" charset="0"/>
+                      </a:endParaRPr>
+                    </a:p>
+                  </a:txBody>
+                  <a:tcPr marL="47042" marR="47042" marT="0" marB="0"/>
+                </a:tc>
+                <a:extLst>
+                  <a:ext uri="{0D108BD9-81ED-4DB2-BD59-A6C34878D82A}">
+                    <a16:rowId xmlns:a16="http://schemas.microsoft.com/office/drawing/2014/main" val="2072717651"/>
+                  </a:ext>
+                </a:extLst>
+              </a:tr>
+              <a:tr h="126490">
+                <a:tc>
+                  <a:txBody>
+                    <a:bodyPr/>
+                    <a:lstStyle/>
+                    <a:p>
+                      <a:pPr marL="0" marR="0">
+                        <a:lnSpc>
+                          <a:spcPct val="110000"/>
+                        </a:lnSpc>
+                        <a:spcBef>
+                          <a:spcPts val="600"/>
+                        </a:spcBef>
+                        <a:spcAft>
+                          <a:spcPts val="0"/>
+                        </a:spcAft>
+                      </a:pPr>
+                      <a:r>
+                        <a:rPr lang="en-US" sz="1050">
+                          <a:effectLst/>
+                        </a:rPr>
+                        <a:t>12</a:t>
+                      </a:r>
+                      <a:endParaRPr lang="en-US" sz="1050">
+                        <a:effectLst/>
+                        <a:latin typeface="Corbel" panose="020B0503020204020204" pitchFamily="34" charset="0"/>
+                        <a:ea typeface="SimSun" panose="02010600030101010101" pitchFamily="2" charset="-122"/>
+                        <a:cs typeface="Tahoma" panose="020B0604030504040204" pitchFamily="34" charset="0"/>
+                      </a:endParaRPr>
+                    </a:p>
+                  </a:txBody>
+                  <a:tcPr marL="47042" marR="47042" marT="0" marB="0"/>
+                </a:tc>
+                <a:tc>
+                  <a:txBody>
+                    <a:bodyPr/>
+                    <a:lstStyle/>
+                    <a:p>
+                      <a:pPr marL="0" marR="0">
+                        <a:lnSpc>
+                          <a:spcPct val="110000"/>
+                        </a:lnSpc>
+                        <a:spcBef>
+                          <a:spcPts val="600"/>
+                        </a:spcBef>
+                        <a:spcAft>
+                          <a:spcPts val="0"/>
+                        </a:spcAft>
+                      </a:pPr>
+                      <a:r>
+                        <a:rPr lang="en-US" sz="1050">
+                          <a:effectLst/>
+                        </a:rPr>
+                        <a:t>total_acc</a:t>
+                      </a:r>
+                      <a:endParaRPr lang="en-US" sz="1050">
+                        <a:effectLst/>
+                        <a:latin typeface="Corbel" panose="020B0503020204020204" pitchFamily="34" charset="0"/>
+                        <a:ea typeface="SimSun" panose="02010600030101010101" pitchFamily="2" charset="-122"/>
+                        <a:cs typeface="Tahoma" panose="020B0604030504040204" pitchFamily="34" charset="0"/>
+                      </a:endParaRPr>
+                    </a:p>
+                  </a:txBody>
+                  <a:tcPr marL="47042" marR="47042" marT="0" marB="0"/>
+                </a:tc>
+                <a:tc>
+                  <a:txBody>
+                    <a:bodyPr/>
+                    <a:lstStyle/>
+                    <a:p>
+                      <a:pPr marL="0" marR="0">
+                        <a:lnSpc>
+                          <a:spcPct val="110000"/>
+                        </a:lnSpc>
+                        <a:spcBef>
+                          <a:spcPts val="600"/>
+                        </a:spcBef>
+                        <a:spcAft>
+                          <a:spcPts val="0"/>
+                        </a:spcAft>
+                      </a:pPr>
+                      <a:r>
+                        <a:rPr lang="en-US" sz="1050">
+                          <a:effectLst/>
+                        </a:rPr>
+                        <a:t>Total number of accounts</a:t>
+                      </a:r>
+                      <a:endParaRPr lang="en-US" sz="1050">
+                        <a:effectLst/>
+                        <a:latin typeface="Corbel" panose="020B0503020204020204" pitchFamily="34" charset="0"/>
+                        <a:ea typeface="SimSun" panose="02010600030101010101" pitchFamily="2" charset="-122"/>
+                        <a:cs typeface="Tahoma" panose="020B0604030504040204" pitchFamily="34" charset="0"/>
+                      </a:endParaRPr>
+                    </a:p>
+                  </a:txBody>
+                  <a:tcPr marL="47042" marR="47042" marT="0" marB="0"/>
+                </a:tc>
+                <a:extLst>
+                  <a:ext uri="{0D108BD9-81ED-4DB2-BD59-A6C34878D82A}">
+                    <a16:rowId xmlns:a16="http://schemas.microsoft.com/office/drawing/2014/main" val="1361264363"/>
+                  </a:ext>
+                </a:extLst>
+              </a:tr>
+              <a:tr h="210738">
+                <a:tc>
+                  <a:txBody>
+                    <a:bodyPr/>
+                    <a:lstStyle/>
+                    <a:p>
+                      <a:pPr marL="0" marR="0">
+                        <a:lnSpc>
+                          <a:spcPct val="110000"/>
+                        </a:lnSpc>
+                        <a:spcBef>
+                          <a:spcPts val="600"/>
+                        </a:spcBef>
+                        <a:spcAft>
+                          <a:spcPts val="0"/>
+                        </a:spcAft>
+                      </a:pPr>
+                      <a:r>
+                        <a:rPr lang="en-US" sz="1050">
+                          <a:effectLst/>
+                        </a:rPr>
+                        <a:t>13</a:t>
+                      </a:r>
+                      <a:endParaRPr lang="en-US" sz="1050">
+                        <a:effectLst/>
+                        <a:latin typeface="Corbel" panose="020B0503020204020204" pitchFamily="34" charset="0"/>
+                        <a:ea typeface="SimSun" panose="02010600030101010101" pitchFamily="2" charset="-122"/>
+                        <a:cs typeface="Tahoma" panose="020B0604030504040204" pitchFamily="34" charset="0"/>
+                      </a:endParaRPr>
+                    </a:p>
+                  </a:txBody>
+                  <a:tcPr marL="47042" marR="47042" marT="0" marB="0"/>
+                </a:tc>
+                <a:tc>
+                  <a:txBody>
+                    <a:bodyPr/>
+                    <a:lstStyle/>
+                    <a:p>
+                      <a:pPr marL="0" marR="0">
+                        <a:lnSpc>
+                          <a:spcPct val="110000"/>
+                        </a:lnSpc>
+                        <a:spcBef>
+                          <a:spcPts val="600"/>
+                        </a:spcBef>
+                        <a:spcAft>
+                          <a:spcPts val="0"/>
+                        </a:spcAft>
+                      </a:pPr>
+                      <a:r>
+                        <a:rPr lang="en-US" sz="1050">
+                          <a:effectLst/>
+                        </a:rPr>
+                        <a:t>bad_loan</a:t>
+                      </a:r>
+                      <a:endParaRPr lang="en-US" sz="1050">
+                        <a:effectLst/>
+                        <a:latin typeface="Corbel" panose="020B0503020204020204" pitchFamily="34" charset="0"/>
+                        <a:ea typeface="SimSun" panose="02010600030101010101" pitchFamily="2" charset="-122"/>
+                        <a:cs typeface="Tahoma" panose="020B0604030504040204" pitchFamily="34" charset="0"/>
+                      </a:endParaRPr>
+                    </a:p>
+                  </a:txBody>
+                  <a:tcPr marL="47042" marR="47042" marT="0" marB="0"/>
+                </a:tc>
+                <a:tc>
+                  <a:txBody>
+                    <a:bodyPr/>
+                    <a:lstStyle/>
+                    <a:p>
+                      <a:pPr marL="0" marR="0">
+                        <a:lnSpc>
+                          <a:spcPct val="110000"/>
+                        </a:lnSpc>
+                        <a:spcBef>
+                          <a:spcPts val="600"/>
+                        </a:spcBef>
+                        <a:spcAft>
+                          <a:spcPts val="0"/>
+                        </a:spcAft>
+                      </a:pPr>
+                      <a:r>
+                        <a:rPr lang="en-US" sz="1050">
+                          <a:effectLst/>
+                        </a:rPr>
+                        <a:t>Numeric: 1 = Bad Loan, 0 = Good loan. Captures if the consumer was either a good or bad loan. </a:t>
+                      </a:r>
+                      <a:endParaRPr lang="en-US" sz="1050">
+                        <a:effectLst/>
+                        <a:latin typeface="Corbel" panose="020B0503020204020204" pitchFamily="34" charset="0"/>
+                        <a:ea typeface="SimSun" panose="02010600030101010101" pitchFamily="2" charset="-122"/>
+                        <a:cs typeface="Tahoma" panose="020B0604030504040204" pitchFamily="34" charset="0"/>
+                      </a:endParaRPr>
+                    </a:p>
+                  </a:txBody>
+                  <a:tcPr marL="47042" marR="47042" marT="0" marB="0"/>
+                </a:tc>
+                <a:extLst>
+                  <a:ext uri="{0D108BD9-81ED-4DB2-BD59-A6C34878D82A}">
+                    <a16:rowId xmlns:a16="http://schemas.microsoft.com/office/drawing/2014/main" val="1784459163"/>
+                  </a:ext>
+                </a:extLst>
+              </a:tr>
+              <a:tr h="126490">
+                <a:tc>
+                  <a:txBody>
+                    <a:bodyPr/>
+                    <a:lstStyle/>
+                    <a:p>
+                      <a:pPr marL="0" marR="0">
+                        <a:lnSpc>
+                          <a:spcPct val="110000"/>
+                        </a:lnSpc>
+                        <a:spcBef>
+                          <a:spcPts val="600"/>
+                        </a:spcBef>
+                        <a:spcAft>
+                          <a:spcPts val="0"/>
+                        </a:spcAft>
+                      </a:pPr>
+                      <a:r>
+                        <a:rPr lang="en-US" sz="1050">
+                          <a:effectLst/>
+                        </a:rPr>
+                        <a:t>14</a:t>
+                      </a:r>
+                      <a:endParaRPr lang="en-US" sz="1050">
+                        <a:effectLst/>
+                        <a:latin typeface="Corbel" panose="020B0503020204020204" pitchFamily="34" charset="0"/>
+                        <a:ea typeface="SimSun" panose="02010600030101010101" pitchFamily="2" charset="-122"/>
+                        <a:cs typeface="Tahoma" panose="020B0604030504040204" pitchFamily="34" charset="0"/>
+                      </a:endParaRPr>
+                    </a:p>
+                  </a:txBody>
+                  <a:tcPr marL="47042" marR="47042" marT="0" marB="0"/>
+                </a:tc>
+                <a:tc>
+                  <a:txBody>
+                    <a:bodyPr/>
+                    <a:lstStyle/>
+                    <a:p>
+                      <a:pPr marL="0" marR="0">
+                        <a:lnSpc>
+                          <a:spcPct val="110000"/>
+                        </a:lnSpc>
+                        <a:spcBef>
+                          <a:spcPts val="600"/>
+                        </a:spcBef>
+                        <a:spcAft>
+                          <a:spcPts val="0"/>
+                        </a:spcAft>
+                      </a:pPr>
+                      <a:r>
+                        <a:rPr lang="en-US" sz="1050">
+                          <a:effectLst/>
+                        </a:rPr>
+                        <a:t>longest_credit_length</a:t>
+                      </a:r>
+                      <a:endParaRPr lang="en-US" sz="1050">
+                        <a:effectLst/>
+                        <a:latin typeface="Corbel" panose="020B0503020204020204" pitchFamily="34" charset="0"/>
+                        <a:ea typeface="SimSun" panose="02010600030101010101" pitchFamily="2" charset="-122"/>
+                        <a:cs typeface="Tahoma" panose="020B0604030504040204" pitchFamily="34" charset="0"/>
+                      </a:endParaRPr>
+                    </a:p>
+                  </a:txBody>
+                  <a:tcPr marL="47042" marR="47042" marT="0" marB="0"/>
+                </a:tc>
+                <a:tc>
+                  <a:txBody>
+                    <a:bodyPr/>
+                    <a:lstStyle/>
+                    <a:p>
+                      <a:pPr marL="0" marR="0">
+                        <a:lnSpc>
+                          <a:spcPct val="110000"/>
+                        </a:lnSpc>
+                        <a:spcBef>
+                          <a:spcPts val="600"/>
+                        </a:spcBef>
+                        <a:spcAft>
+                          <a:spcPts val="0"/>
+                        </a:spcAft>
+                      </a:pPr>
+                      <a:r>
+                        <a:rPr lang="en-US" sz="1050" dirty="0">
+                          <a:effectLst/>
+                        </a:rPr>
+                        <a:t>In months.</a:t>
+                      </a:r>
+                      <a:endParaRPr lang="en-US" sz="1050" dirty="0">
+                        <a:effectLst/>
+                        <a:latin typeface="Corbel" panose="020B0503020204020204" pitchFamily="34" charset="0"/>
+                        <a:ea typeface="SimSun" panose="02010600030101010101" pitchFamily="2" charset="-122"/>
+                        <a:cs typeface="Tahoma" panose="020B0604030504040204" pitchFamily="34" charset="0"/>
+                      </a:endParaRPr>
+                    </a:p>
+                  </a:txBody>
+                  <a:tcPr marL="47042" marR="47042" marT="0" marB="0"/>
+                </a:tc>
+                <a:extLst>
+                  <a:ext uri="{0D108BD9-81ED-4DB2-BD59-A6C34878D82A}">
+                    <a16:rowId xmlns:a16="http://schemas.microsoft.com/office/drawing/2014/main" val="2160171844"/>
+                  </a:ext>
+                </a:extLst>
+              </a:tr>
+              <a:tr h="126490">
+                <a:tc>
+                  <a:txBody>
+                    <a:bodyPr/>
+                    <a:lstStyle/>
+                    <a:p>
+                      <a:pPr marL="0" marR="0">
+                        <a:lnSpc>
+                          <a:spcPct val="110000"/>
+                        </a:lnSpc>
+                        <a:spcBef>
+                          <a:spcPts val="600"/>
+                        </a:spcBef>
+                        <a:spcAft>
+                          <a:spcPts val="0"/>
+                        </a:spcAft>
+                      </a:pPr>
+                      <a:r>
+                        <a:rPr lang="en-US" sz="1050">
+                          <a:effectLst/>
+                        </a:rPr>
+                        <a:t>15</a:t>
+                      </a:r>
+                      <a:endParaRPr lang="en-US" sz="1050">
+                        <a:effectLst/>
+                        <a:latin typeface="Corbel" panose="020B0503020204020204" pitchFamily="34" charset="0"/>
+                        <a:ea typeface="SimSun" panose="02010600030101010101" pitchFamily="2" charset="-122"/>
+                        <a:cs typeface="Tahoma" panose="020B0604030504040204" pitchFamily="34" charset="0"/>
+                      </a:endParaRPr>
+                    </a:p>
+                  </a:txBody>
+                  <a:tcPr marL="47042" marR="47042" marT="0" marB="0"/>
+                </a:tc>
+                <a:tc>
+                  <a:txBody>
+                    <a:bodyPr/>
+                    <a:lstStyle/>
+                    <a:p>
+                      <a:pPr marL="0" marR="0">
+                        <a:lnSpc>
+                          <a:spcPct val="110000"/>
+                        </a:lnSpc>
+                        <a:spcBef>
+                          <a:spcPts val="600"/>
+                        </a:spcBef>
+                        <a:spcAft>
+                          <a:spcPts val="0"/>
+                        </a:spcAft>
+                      </a:pPr>
+                      <a:r>
+                        <a:rPr lang="en-US" sz="1050">
+                          <a:effectLst/>
+                        </a:rPr>
+                        <a:t>verification_status</a:t>
+                      </a:r>
+                      <a:endParaRPr lang="en-US" sz="1050">
+                        <a:effectLst/>
+                        <a:latin typeface="Corbel" panose="020B0503020204020204" pitchFamily="34" charset="0"/>
+                        <a:ea typeface="SimSun" panose="02010600030101010101" pitchFamily="2" charset="-122"/>
+                        <a:cs typeface="Tahoma" panose="020B0604030504040204" pitchFamily="34" charset="0"/>
+                      </a:endParaRPr>
+                    </a:p>
+                  </a:txBody>
+                  <a:tcPr marL="47042" marR="47042" marT="0" marB="0"/>
+                </a:tc>
+                <a:tc>
+                  <a:txBody>
+                    <a:bodyPr/>
+                    <a:lstStyle/>
+                    <a:p>
+                      <a:pPr marL="0" marR="0">
+                        <a:lnSpc>
+                          <a:spcPct val="110000"/>
+                        </a:lnSpc>
+                        <a:spcBef>
+                          <a:spcPts val="600"/>
+                        </a:spcBef>
+                        <a:spcAft>
+                          <a:spcPts val="0"/>
+                        </a:spcAft>
+                      </a:pPr>
+                      <a:r>
+                        <a:rPr lang="en-US" sz="1050" dirty="0">
+                          <a:effectLst/>
+                        </a:rPr>
+                        <a:t>Based on the state of the loan application</a:t>
+                      </a:r>
+                      <a:endParaRPr lang="en-US" sz="1050" dirty="0">
+                        <a:effectLst/>
+                        <a:latin typeface="Corbel" panose="020B0503020204020204" pitchFamily="34" charset="0"/>
+                        <a:ea typeface="SimSun" panose="02010600030101010101" pitchFamily="2" charset="-122"/>
+                        <a:cs typeface="Tahoma" panose="020B0604030504040204" pitchFamily="34" charset="0"/>
+                      </a:endParaRPr>
+                    </a:p>
+                  </a:txBody>
+                  <a:tcPr marL="47042" marR="47042" marT="0" marB="0"/>
+                </a:tc>
+                <a:extLst>
+                  <a:ext uri="{0D108BD9-81ED-4DB2-BD59-A6C34878D82A}">
+                    <a16:rowId xmlns:a16="http://schemas.microsoft.com/office/drawing/2014/main" val="4225574211"/>
+                  </a:ext>
+                </a:extLst>
+              </a:tr>
+            </a:tbl>
+          </a:graphicData>
+        </a:graphic>
+      </p:graphicFrame>
+    </p:spTree>
+    <p:extLst>
+      <p:ext uri="{BB962C8B-B14F-4D97-AF65-F5344CB8AC3E}">
+        <p14:creationId xmlns:p14="http://schemas.microsoft.com/office/powerpoint/2010/main" val="3962167039"/>
+      </p:ext>
+    </p:extLst>
+  </p:cSld>
+  <p:clrMapOvr>
+    <a:masterClrMapping/>
+  </p:clrMapOvr>
+</p:sld>
+</file>
+
+<file path=ppt/slides/slide15.xml><?xml version="1.0" encoding="utf-8"?>
+<p:sld xmlns:a="http://schemas.openxmlformats.org/drawingml/2006/main" xmlns:r="http://schemas.openxmlformats.org/officeDocument/2006/relationships" xmlns:p="http://schemas.openxmlformats.org/presentationml/2006/main">
+  <p:cSld>
+    <p:spTree>
+      <p:nvGrpSpPr>
+        <p:cNvPr id="1" name=""/>
+        <p:cNvGrpSpPr/>
+        <p:nvPr/>
+      </p:nvGrpSpPr>
+      <p:grpSpPr>
+        <a:xfrm>
+          <a:off x="0" y="0"/>
+          <a:ext cx="0" cy="0"/>
+          <a:chOff x="0" y="0"/>
+          <a:chExt cx="0" cy="0"/>
+        </a:xfrm>
+      </p:grpSpPr>
+      <p:sp>
+        <p:nvSpPr>
+          <p:cNvPr id="2" name="Title 1"/>
+          <p:cNvSpPr>
+            <a:spLocks noGrp="1"/>
+          </p:cNvSpPr>
+          <p:nvPr>
+            <p:ph type="title"/>
+          </p:nvPr>
+        </p:nvSpPr>
+        <p:spPr/>
+        <p:txBody>
+          <a:bodyPr/>
+          <a:lstStyle/>
+          <a:p>
+            <a:r>
+              <a:rPr lang="en-US" dirty="0" smtClean="0"/>
+              <a:t>Appendix</a:t>
+            </a:r>
+            <a:r>
+              <a:rPr lang="en-US" dirty="0" smtClean="0"/>
+              <a:t>: added variables definitions </a:t>
+            </a:r>
+            <a:endParaRPr lang="en-US" dirty="0"/>
+          </a:p>
+        </p:txBody>
+      </p:sp>
+      <p:graphicFrame>
+        <p:nvGraphicFramePr>
+          <p:cNvPr id="6" name="Content Placeholder 5"/>
+          <p:cNvGraphicFramePr>
+            <a:graphicFrameLocks noGrp="1"/>
+          </p:cNvGraphicFramePr>
+          <p:nvPr>
+            <p:ph idx="1"/>
+            <p:extLst>
+              <p:ext uri="{D42A27DB-BD31-4B8C-83A1-F6EECF244321}">
+                <p14:modId xmlns:p14="http://schemas.microsoft.com/office/powerpoint/2010/main" val="1025809895"/>
+              </p:ext>
+            </p:extLst>
+          </p:nvPr>
+        </p:nvGraphicFramePr>
+        <p:xfrm>
+          <a:off x="2237591" y="2538804"/>
+          <a:ext cx="6825447" cy="2078055"/>
+        </p:xfrm>
+        <a:graphic>
+          <a:graphicData uri="http://schemas.openxmlformats.org/drawingml/2006/table">
+            <a:tbl>
+              <a:tblPr firstRow="1" firstCol="1" bandRow="1">
+                <a:tableStyleId>{5C22544A-7EE6-4342-B048-85BDC9FD1C3A}</a:tableStyleId>
+              </a:tblPr>
+              <a:tblGrid>
+                <a:gridCol w="2164433">
+                  <a:extLst>
+                    <a:ext uri="{9D8B030D-6E8A-4147-A177-3AD203B41FA5}">
+                      <a16:colId xmlns:a16="http://schemas.microsoft.com/office/drawing/2014/main" val="42474219"/>
+                    </a:ext>
+                  </a:extLst>
+                </a:gridCol>
+                <a:gridCol w="4661014">
+                  <a:extLst>
+                    <a:ext uri="{9D8B030D-6E8A-4147-A177-3AD203B41FA5}">
+                      <a16:colId xmlns:a16="http://schemas.microsoft.com/office/drawing/2014/main" val="78167284"/>
+                    </a:ext>
+                  </a:extLst>
+                </a:gridCol>
+              </a:tblGrid>
+              <a:tr h="230895">
+                <a:tc>
+                  <a:txBody>
+                    <a:bodyPr/>
+                    <a:lstStyle/>
+                    <a:p>
+                      <a:pPr marL="0" marR="0">
+                        <a:lnSpc>
+                          <a:spcPct val="110000"/>
+                        </a:lnSpc>
+                        <a:spcBef>
+                          <a:spcPts val="600"/>
+                        </a:spcBef>
+                        <a:spcAft>
+                          <a:spcPts val="0"/>
+                        </a:spcAft>
+                      </a:pPr>
+                      <a:r>
+                        <a:rPr lang="en-US" sz="1100">
+                          <a:effectLst/>
+                        </a:rPr>
+                        <a:t>New Variables</a:t>
+                      </a:r>
+                      <a:endParaRPr lang="en-US" sz="1100">
+                        <a:effectLst/>
+                        <a:latin typeface="Corbel" panose="020B0503020204020204" pitchFamily="34" charset="0"/>
+                        <a:ea typeface="SimSun" panose="02010600030101010101" pitchFamily="2" charset="-122"/>
+                        <a:cs typeface="Tahoma" panose="020B0604030504040204" pitchFamily="34" charset="0"/>
+                      </a:endParaRPr>
+                    </a:p>
+                  </a:txBody>
+                  <a:tcPr marL="68580" marR="68580" marT="0" marB="0"/>
+                </a:tc>
+                <a:tc>
+                  <a:txBody>
+                    <a:bodyPr/>
+                    <a:lstStyle/>
+                    <a:p>
+                      <a:pPr marL="0" marR="0">
+                        <a:lnSpc>
+                          <a:spcPct val="110000"/>
+                        </a:lnSpc>
+                        <a:spcBef>
+                          <a:spcPts val="600"/>
+                        </a:spcBef>
+                        <a:spcAft>
+                          <a:spcPts val="0"/>
+                        </a:spcAft>
+                      </a:pPr>
+                      <a:r>
+                        <a:rPr lang="en-US" sz="1100">
+                          <a:effectLst/>
+                        </a:rPr>
+                        <a:t>Description</a:t>
+                      </a:r>
+                      <a:endParaRPr lang="en-US" sz="1100">
+                        <a:effectLst/>
+                        <a:latin typeface="Corbel" panose="020B0503020204020204" pitchFamily="34" charset="0"/>
+                        <a:ea typeface="SimSun" panose="02010600030101010101" pitchFamily="2" charset="-122"/>
+                        <a:cs typeface="Tahoma" panose="020B0604030504040204" pitchFamily="34" charset="0"/>
+                      </a:endParaRPr>
+                    </a:p>
+                  </a:txBody>
+                  <a:tcPr marL="68580" marR="68580" marT="0" marB="0"/>
+                </a:tc>
+                <a:extLst>
+                  <a:ext uri="{0D108BD9-81ED-4DB2-BD59-A6C34878D82A}">
+                    <a16:rowId xmlns:a16="http://schemas.microsoft.com/office/drawing/2014/main" val="3069299399"/>
+                  </a:ext>
+                </a:extLst>
+              </a:tr>
+              <a:tr h="230895">
+                <a:tc>
+                  <a:txBody>
+                    <a:bodyPr/>
+                    <a:lstStyle/>
+                    <a:p>
+                      <a:pPr marL="0" marR="0">
+                        <a:lnSpc>
+                          <a:spcPct val="110000"/>
+                        </a:lnSpc>
+                        <a:spcBef>
+                          <a:spcPts val="600"/>
+                        </a:spcBef>
+                        <a:spcAft>
+                          <a:spcPts val="0"/>
+                        </a:spcAft>
+                      </a:pPr>
+                      <a:r>
+                        <a:rPr lang="en-US" sz="1100">
+                          <a:effectLst/>
+                        </a:rPr>
+                        <a:t>bankrpc_state_high</a:t>
+                      </a:r>
+                      <a:endParaRPr lang="en-US" sz="1100">
+                        <a:effectLst/>
+                        <a:latin typeface="Corbel" panose="020B0503020204020204" pitchFamily="34" charset="0"/>
+                        <a:ea typeface="SimSun" panose="02010600030101010101" pitchFamily="2" charset="-122"/>
+                        <a:cs typeface="Tahoma" panose="020B0604030504040204" pitchFamily="34" charset="0"/>
+                      </a:endParaRPr>
+                    </a:p>
+                  </a:txBody>
+                  <a:tcPr marL="68580" marR="68580" marT="0" marB="0"/>
+                </a:tc>
+                <a:tc rowSpan="4">
+                  <a:txBody>
+                    <a:bodyPr/>
+                    <a:lstStyle/>
+                    <a:p>
+                      <a:pPr marL="0" marR="0" algn="l">
+                        <a:lnSpc>
+                          <a:spcPct val="110000"/>
+                        </a:lnSpc>
+                        <a:spcBef>
+                          <a:spcPts val="600"/>
+                        </a:spcBef>
+                        <a:spcAft>
+                          <a:spcPts val="0"/>
+                        </a:spcAft>
+                      </a:pPr>
+                      <a:r>
+                        <a:rPr lang="en-US" sz="1100" dirty="0">
+                          <a:effectLst/>
+                        </a:rPr>
+                        <a:t>States, grouped into four categories, based on bankruptcy filings by State: http://www.valuepenguin.com/bankruptcy-filings-state</a:t>
+                      </a:r>
+                      <a:endParaRPr lang="en-US" sz="1100" dirty="0">
+                        <a:effectLst/>
+                        <a:latin typeface="Corbel" panose="020B0503020204020204" pitchFamily="34" charset="0"/>
+                        <a:ea typeface="SimSun" panose="02010600030101010101" pitchFamily="2" charset="-122"/>
+                        <a:cs typeface="Tahoma" panose="020B0604030504040204" pitchFamily="34" charset="0"/>
+                      </a:endParaRPr>
+                    </a:p>
+                  </a:txBody>
+                  <a:tcPr marL="68580" marR="68580" marT="0" marB="0" anchor="ctr"/>
+                </a:tc>
+                <a:extLst>
+                  <a:ext uri="{0D108BD9-81ED-4DB2-BD59-A6C34878D82A}">
+                    <a16:rowId xmlns:a16="http://schemas.microsoft.com/office/drawing/2014/main" val="2695484721"/>
+                  </a:ext>
+                </a:extLst>
+              </a:tr>
+              <a:tr h="230895">
+                <a:tc>
+                  <a:txBody>
+                    <a:bodyPr/>
+                    <a:lstStyle/>
+                    <a:p>
+                      <a:pPr marL="0" marR="0">
+                        <a:lnSpc>
+                          <a:spcPct val="110000"/>
+                        </a:lnSpc>
+                        <a:spcBef>
+                          <a:spcPts val="600"/>
+                        </a:spcBef>
+                        <a:spcAft>
+                          <a:spcPts val="0"/>
+                        </a:spcAft>
+                      </a:pPr>
+                      <a:r>
+                        <a:rPr lang="en-US" sz="1100">
+                          <a:effectLst/>
+                        </a:rPr>
+                        <a:t>bankrpc_state_medhigh</a:t>
+                      </a:r>
+                      <a:endParaRPr lang="en-US" sz="1100">
+                        <a:effectLst/>
+                        <a:latin typeface="Corbel" panose="020B0503020204020204" pitchFamily="34" charset="0"/>
+                        <a:ea typeface="SimSun" panose="02010600030101010101" pitchFamily="2" charset="-122"/>
+                        <a:cs typeface="Tahoma" panose="020B0604030504040204" pitchFamily="34" charset="0"/>
+                      </a:endParaRPr>
+                    </a:p>
+                  </a:txBody>
+                  <a:tcPr marL="68580" marR="68580" marT="0" marB="0"/>
+                </a:tc>
+                <a:tc vMerge="1">
+                  <a:txBody>
+                    <a:bodyPr/>
+                    <a:lstStyle/>
+                    <a:p>
+                      <a:endParaRPr lang="en-US"/>
+                    </a:p>
+                  </a:txBody>
+                  <a:tcPr/>
+                </a:tc>
+                <a:extLst>
+                  <a:ext uri="{0D108BD9-81ED-4DB2-BD59-A6C34878D82A}">
+                    <a16:rowId xmlns:a16="http://schemas.microsoft.com/office/drawing/2014/main" val="3212635675"/>
+                  </a:ext>
+                </a:extLst>
+              </a:tr>
+              <a:tr h="230895">
+                <a:tc>
+                  <a:txBody>
+                    <a:bodyPr/>
+                    <a:lstStyle/>
+                    <a:p>
+                      <a:pPr marL="0" marR="0">
+                        <a:lnSpc>
+                          <a:spcPct val="110000"/>
+                        </a:lnSpc>
+                        <a:spcBef>
+                          <a:spcPts val="600"/>
+                        </a:spcBef>
+                        <a:spcAft>
+                          <a:spcPts val="0"/>
+                        </a:spcAft>
+                      </a:pPr>
+                      <a:r>
+                        <a:rPr lang="en-US" sz="1100">
+                          <a:effectLst/>
+                        </a:rPr>
+                        <a:t>bankrpc_state_med</a:t>
+                      </a:r>
+                      <a:endParaRPr lang="en-US" sz="1100">
+                        <a:effectLst/>
+                        <a:latin typeface="Corbel" panose="020B0503020204020204" pitchFamily="34" charset="0"/>
+                        <a:ea typeface="SimSun" panose="02010600030101010101" pitchFamily="2" charset="-122"/>
+                        <a:cs typeface="Tahoma" panose="020B0604030504040204" pitchFamily="34" charset="0"/>
+                      </a:endParaRPr>
+                    </a:p>
+                  </a:txBody>
+                  <a:tcPr marL="68580" marR="68580" marT="0" marB="0"/>
+                </a:tc>
+                <a:tc vMerge="1">
+                  <a:txBody>
+                    <a:bodyPr/>
+                    <a:lstStyle/>
+                    <a:p>
+                      <a:endParaRPr lang="en-US"/>
+                    </a:p>
+                  </a:txBody>
+                  <a:tcPr/>
+                </a:tc>
+                <a:extLst>
+                  <a:ext uri="{0D108BD9-81ED-4DB2-BD59-A6C34878D82A}">
+                    <a16:rowId xmlns:a16="http://schemas.microsoft.com/office/drawing/2014/main" val="3320581105"/>
+                  </a:ext>
+                </a:extLst>
+              </a:tr>
+              <a:tr h="230895">
+                <a:tc>
+                  <a:txBody>
+                    <a:bodyPr/>
+                    <a:lstStyle/>
+                    <a:p>
+                      <a:pPr marL="0" marR="0">
+                        <a:lnSpc>
+                          <a:spcPct val="110000"/>
+                        </a:lnSpc>
+                        <a:spcBef>
+                          <a:spcPts val="600"/>
+                        </a:spcBef>
+                        <a:spcAft>
+                          <a:spcPts val="0"/>
+                        </a:spcAft>
+                      </a:pPr>
+                      <a:r>
+                        <a:rPr lang="en-US" sz="1100">
+                          <a:effectLst/>
+                        </a:rPr>
+                        <a:t>bankrpc_state_low</a:t>
+                      </a:r>
+                      <a:endParaRPr lang="en-US" sz="1100">
+                        <a:effectLst/>
+                        <a:latin typeface="Corbel" panose="020B0503020204020204" pitchFamily="34" charset="0"/>
+                        <a:ea typeface="SimSun" panose="02010600030101010101" pitchFamily="2" charset="-122"/>
+                        <a:cs typeface="Tahoma" panose="020B0604030504040204" pitchFamily="34" charset="0"/>
+                      </a:endParaRPr>
+                    </a:p>
+                  </a:txBody>
+                  <a:tcPr marL="68580" marR="68580" marT="0" marB="0"/>
+                </a:tc>
+                <a:tc vMerge="1">
+                  <a:txBody>
+                    <a:bodyPr/>
+                    <a:lstStyle/>
+                    <a:p>
+                      <a:endParaRPr lang="en-US"/>
+                    </a:p>
+                  </a:txBody>
+                  <a:tcPr/>
+                </a:tc>
+                <a:extLst>
+                  <a:ext uri="{0D108BD9-81ED-4DB2-BD59-A6C34878D82A}">
+                    <a16:rowId xmlns:a16="http://schemas.microsoft.com/office/drawing/2014/main" val="2765906876"/>
+                  </a:ext>
+                </a:extLst>
+              </a:tr>
+              <a:tr h="230895">
+                <a:tc>
+                  <a:txBody>
+                    <a:bodyPr/>
+                    <a:lstStyle/>
+                    <a:p>
+                      <a:pPr marL="0" marR="0">
+                        <a:lnSpc>
+                          <a:spcPct val="110000"/>
+                        </a:lnSpc>
+                        <a:spcBef>
+                          <a:spcPts val="600"/>
+                        </a:spcBef>
+                        <a:spcAft>
+                          <a:spcPts val="0"/>
+                        </a:spcAft>
+                      </a:pPr>
+                      <a:r>
+                        <a:rPr lang="en-US" sz="1100" dirty="0" err="1">
+                          <a:effectLst/>
+                        </a:rPr>
+                        <a:t>vstatus_verified</a:t>
+                      </a:r>
+                      <a:endParaRPr lang="en-US" sz="1100" dirty="0">
+                        <a:effectLst/>
+                        <a:latin typeface="Corbel" panose="020B0503020204020204" pitchFamily="34" charset="0"/>
+                        <a:ea typeface="SimSun" panose="02010600030101010101" pitchFamily="2" charset="-122"/>
+                        <a:cs typeface="Tahoma" panose="020B0604030504040204" pitchFamily="34" charset="0"/>
+                      </a:endParaRPr>
+                    </a:p>
+                  </a:txBody>
+                  <a:tcPr marL="68580" marR="68580" marT="0" marB="0"/>
+                </a:tc>
+                <a:tc>
+                  <a:txBody>
+                    <a:bodyPr/>
+                    <a:lstStyle/>
+                    <a:p>
+                      <a:pPr marL="0" marR="0">
+                        <a:lnSpc>
+                          <a:spcPct val="110000"/>
+                        </a:lnSpc>
+                        <a:spcBef>
+                          <a:spcPts val="600"/>
+                        </a:spcBef>
+                        <a:spcAft>
+                          <a:spcPts val="0"/>
+                        </a:spcAft>
+                      </a:pPr>
+                      <a:r>
+                        <a:rPr lang="en-US" sz="1100" dirty="0" smtClean="0">
+                          <a:effectLst/>
+                        </a:rPr>
+                        <a:t>Loan</a:t>
+                      </a:r>
+                      <a:r>
+                        <a:rPr lang="en-US" sz="1100" baseline="0" dirty="0" smtClean="0">
+                          <a:effectLst/>
+                        </a:rPr>
+                        <a:t> status V</a:t>
+                      </a:r>
+                      <a:r>
+                        <a:rPr lang="en-US" sz="1100" dirty="0" smtClean="0">
+                          <a:effectLst/>
+                        </a:rPr>
+                        <a:t>erified </a:t>
+                      </a:r>
+                      <a:r>
+                        <a:rPr lang="en-US" sz="1100" dirty="0">
+                          <a:effectLst/>
+                        </a:rPr>
+                        <a:t>= 1, </a:t>
+                      </a:r>
+                      <a:r>
+                        <a:rPr lang="en-US" sz="1100" dirty="0" smtClean="0">
+                          <a:effectLst/>
+                        </a:rPr>
+                        <a:t>Not Verified </a:t>
+                      </a:r>
+                      <a:r>
+                        <a:rPr lang="en-US" sz="1100" dirty="0">
+                          <a:effectLst/>
+                        </a:rPr>
+                        <a:t>= 0</a:t>
+                      </a:r>
+                      <a:endParaRPr lang="en-US" sz="1100" dirty="0">
+                        <a:effectLst/>
+                        <a:latin typeface="Corbel" panose="020B0503020204020204" pitchFamily="34" charset="0"/>
+                        <a:ea typeface="SimSun" panose="02010600030101010101" pitchFamily="2" charset="-122"/>
+                        <a:cs typeface="Tahoma" panose="020B0604030504040204" pitchFamily="34" charset="0"/>
+                      </a:endParaRPr>
+                    </a:p>
+                  </a:txBody>
+                  <a:tcPr marL="68580" marR="68580" marT="0" marB="0"/>
+                </a:tc>
+                <a:extLst>
+                  <a:ext uri="{0D108BD9-81ED-4DB2-BD59-A6C34878D82A}">
+                    <a16:rowId xmlns:a16="http://schemas.microsoft.com/office/drawing/2014/main" val="252012496"/>
+                  </a:ext>
+                </a:extLst>
+              </a:tr>
+              <a:tr h="230895">
+                <a:tc>
+                  <a:txBody>
+                    <a:bodyPr/>
+                    <a:lstStyle/>
+                    <a:p>
+                      <a:pPr marL="0" marR="0">
+                        <a:lnSpc>
+                          <a:spcPct val="110000"/>
+                        </a:lnSpc>
+                        <a:spcBef>
+                          <a:spcPts val="600"/>
+                        </a:spcBef>
+                        <a:spcAft>
+                          <a:spcPts val="0"/>
+                        </a:spcAft>
+                      </a:pPr>
+                      <a:r>
+                        <a:rPr lang="en-US" sz="1100">
+                          <a:effectLst/>
+                        </a:rPr>
+                        <a:t>homeown_other</a:t>
+                      </a:r>
+                      <a:endParaRPr lang="en-US" sz="1100">
+                        <a:effectLst/>
+                        <a:latin typeface="Corbel" panose="020B0503020204020204" pitchFamily="34" charset="0"/>
+                        <a:ea typeface="SimSun" panose="02010600030101010101" pitchFamily="2" charset="-122"/>
+                        <a:cs typeface="Tahoma" panose="020B0604030504040204" pitchFamily="34" charset="0"/>
+                      </a:endParaRPr>
+                    </a:p>
+                  </a:txBody>
+                  <a:tcPr marL="68580" marR="68580" marT="0" marB="0"/>
+                </a:tc>
+                <a:tc rowSpan="3">
+                  <a:txBody>
+                    <a:bodyPr/>
+                    <a:lstStyle/>
+                    <a:p>
+                      <a:pPr marL="0" marR="0">
+                        <a:lnSpc>
+                          <a:spcPct val="110000"/>
+                        </a:lnSpc>
+                        <a:spcBef>
+                          <a:spcPts val="600"/>
+                        </a:spcBef>
+                        <a:spcAft>
+                          <a:spcPts val="0"/>
+                        </a:spcAft>
+                      </a:pPr>
+                      <a:r>
+                        <a:rPr lang="en-US" sz="1100" dirty="0">
+                          <a:effectLst/>
+                        </a:rPr>
+                        <a:t>Collapsed the homeownership value into categories other, mortgage, or rent.</a:t>
+                      </a:r>
+                      <a:endParaRPr lang="en-US" sz="1100" dirty="0">
+                        <a:effectLst/>
+                        <a:latin typeface="Corbel" panose="020B0503020204020204" pitchFamily="34" charset="0"/>
+                        <a:ea typeface="SimSun" panose="02010600030101010101" pitchFamily="2" charset="-122"/>
+                        <a:cs typeface="Tahoma" panose="020B0604030504040204" pitchFamily="34" charset="0"/>
+                      </a:endParaRPr>
+                    </a:p>
+                  </a:txBody>
+                  <a:tcPr marL="68580" marR="68580" marT="0" marB="0" anchor="ctr"/>
+                </a:tc>
+                <a:extLst>
+                  <a:ext uri="{0D108BD9-81ED-4DB2-BD59-A6C34878D82A}">
+                    <a16:rowId xmlns:a16="http://schemas.microsoft.com/office/drawing/2014/main" val="732248896"/>
+                  </a:ext>
+                </a:extLst>
+              </a:tr>
+              <a:tr h="230895">
+                <a:tc>
+                  <a:txBody>
+                    <a:bodyPr/>
+                    <a:lstStyle/>
+                    <a:p>
+                      <a:pPr marL="0" marR="0">
+                        <a:lnSpc>
+                          <a:spcPct val="110000"/>
+                        </a:lnSpc>
+                        <a:spcBef>
+                          <a:spcPts val="600"/>
+                        </a:spcBef>
+                        <a:spcAft>
+                          <a:spcPts val="0"/>
+                        </a:spcAft>
+                      </a:pPr>
+                      <a:r>
+                        <a:rPr lang="en-US" sz="1100">
+                          <a:effectLst/>
+                        </a:rPr>
+                        <a:t>homeown_mort</a:t>
+                      </a:r>
+                      <a:endParaRPr lang="en-US" sz="1100">
+                        <a:effectLst/>
+                        <a:latin typeface="Corbel" panose="020B0503020204020204" pitchFamily="34" charset="0"/>
+                        <a:ea typeface="SimSun" panose="02010600030101010101" pitchFamily="2" charset="-122"/>
+                        <a:cs typeface="Tahoma" panose="020B0604030504040204" pitchFamily="34" charset="0"/>
+                      </a:endParaRPr>
+                    </a:p>
+                  </a:txBody>
+                  <a:tcPr marL="68580" marR="68580" marT="0" marB="0"/>
+                </a:tc>
+                <a:tc vMerge="1">
+                  <a:txBody>
+                    <a:bodyPr/>
+                    <a:lstStyle/>
+                    <a:p>
+                      <a:endParaRPr lang="en-US"/>
+                    </a:p>
+                  </a:txBody>
+                  <a:tcPr/>
+                </a:tc>
+                <a:extLst>
+                  <a:ext uri="{0D108BD9-81ED-4DB2-BD59-A6C34878D82A}">
+                    <a16:rowId xmlns:a16="http://schemas.microsoft.com/office/drawing/2014/main" val="769820067"/>
+                  </a:ext>
+                </a:extLst>
+              </a:tr>
+              <a:tr h="230895">
+                <a:tc>
+                  <a:txBody>
+                    <a:bodyPr/>
+                    <a:lstStyle/>
+                    <a:p>
+                      <a:pPr marL="0" marR="0">
+                        <a:lnSpc>
+                          <a:spcPct val="110000"/>
+                        </a:lnSpc>
+                        <a:spcBef>
+                          <a:spcPts val="600"/>
+                        </a:spcBef>
+                        <a:spcAft>
+                          <a:spcPts val="0"/>
+                        </a:spcAft>
+                      </a:pPr>
+                      <a:r>
+                        <a:rPr lang="en-US" sz="1100" dirty="0" err="1">
+                          <a:effectLst/>
+                        </a:rPr>
+                        <a:t>homeown_rent</a:t>
+                      </a:r>
+                      <a:endParaRPr lang="en-US" sz="1100" dirty="0">
+                        <a:effectLst/>
+                        <a:latin typeface="Corbel" panose="020B0503020204020204" pitchFamily="34" charset="0"/>
+                        <a:ea typeface="SimSun" panose="02010600030101010101" pitchFamily="2" charset="-122"/>
+                        <a:cs typeface="Tahoma" panose="020B0604030504040204" pitchFamily="34" charset="0"/>
+                      </a:endParaRPr>
+                    </a:p>
+                  </a:txBody>
+                  <a:tcPr marL="68580" marR="68580" marT="0" marB="0"/>
+                </a:tc>
+                <a:tc vMerge="1">
+                  <a:txBody>
+                    <a:bodyPr/>
+                    <a:lstStyle/>
+                    <a:p>
+                      <a:endParaRPr lang="en-US"/>
+                    </a:p>
+                  </a:txBody>
+                  <a:tcPr/>
+                </a:tc>
+                <a:extLst>
+                  <a:ext uri="{0D108BD9-81ED-4DB2-BD59-A6C34878D82A}">
+                    <a16:rowId xmlns:a16="http://schemas.microsoft.com/office/drawing/2014/main" val="828174265"/>
+                  </a:ext>
+                </a:extLst>
+              </a:tr>
+            </a:tbl>
+          </a:graphicData>
+        </a:graphic>
+      </p:graphicFrame>
+      <p:sp>
+        <p:nvSpPr>
+          <p:cNvPr id="4" name="Footer Placeholder 3"/>
+          <p:cNvSpPr>
+            <a:spLocks noGrp="1"/>
+          </p:cNvSpPr>
+          <p:nvPr>
+            <p:ph type="ftr" sz="quarter" idx="11"/>
+          </p:nvPr>
+        </p:nvSpPr>
+        <p:spPr/>
+        <p:txBody>
+          <a:bodyPr/>
+          <a:lstStyle/>
+          <a:p>
+            <a:r>
+              <a:rPr lang="en-US" smtClean="0"/>
+              <a:t>Springboard Foundations of Data Science - Craig Calder</a:t>
+            </a:r>
+            <a:endParaRPr lang="en-US" dirty="0"/>
+          </a:p>
+        </p:txBody>
+      </p:sp>
+      <p:sp>
+        <p:nvSpPr>
+          <p:cNvPr id="5" name="Slide Number Placeholder 4"/>
+          <p:cNvSpPr>
+            <a:spLocks noGrp="1"/>
+          </p:cNvSpPr>
+          <p:nvPr>
+            <p:ph type="sldNum" sz="quarter" idx="12"/>
+          </p:nvPr>
+        </p:nvSpPr>
+        <p:spPr/>
+        <p:txBody>
+          <a:bodyPr/>
+          <a:lstStyle/>
+          <a:p>
+            <a:fld id="{6D22F896-40B5-4ADD-8801-0D06FADFA095}" type="slidenum">
+              <a:rPr lang="en-US" smtClean="0"/>
+              <a:t>15</a:t>
             </a:fld>
             <a:endParaRPr lang="en-US" dirty="0"/>
           </a:p>
@@ -14311,7 +18435,7 @@
     </p:spTree>
     <p:extLst>
       <p:ext uri="{BB962C8B-B14F-4D97-AF65-F5344CB8AC3E}">
-        <p14:creationId xmlns:p14="http://schemas.microsoft.com/office/powerpoint/2010/main" val="527150600"/>
+        <p14:creationId xmlns:p14="http://schemas.microsoft.com/office/powerpoint/2010/main" val="1837711635"/>
       </p:ext>
     </p:extLst>
   </p:cSld>
@@ -14721,11 +18845,7 @@
           <a:p>
             <a:r>
               <a:rPr lang="en-US" dirty="0" err="1" smtClean="0"/>
-              <a:t>Dat</a:t>
-            </a:r>
-            <a:r>
-              <a:rPr lang="en-US" dirty="0" err="1" smtClean="0"/>
-              <a:t>A</a:t>
+              <a:t>DatA</a:t>
             </a:r>
             <a:r>
               <a:rPr lang="en-US" dirty="0" smtClean="0"/>
@@ -14846,7 +18966,6 @@
               <a:rPr lang="en-US" dirty="0"/>
               <a:t> = 1): 30,016 observations (18%)</a:t>
             </a:r>
-            <a:endParaRPr lang="en-US" dirty="0"/>
           </a:p>
         </p:txBody>
       </p:sp>
@@ -14973,29 +19092,21 @@
             <a:pPr lvl="1"/>
             <a:r>
               <a:rPr lang="en-US" dirty="0" smtClean="0"/>
-              <a:t>Impute Missing Values</a:t>
+              <a:t>Imputed Missing Values using MICE package</a:t>
             </a:r>
           </a:p>
           <a:p>
             <a:pPr lvl="1"/>
             <a:r>
               <a:rPr lang="en-US" dirty="0" smtClean="0"/>
-              <a:t>Convert to Factors </a:t>
-            </a:r>
-            <a:r>
-              <a:rPr lang="en-US" dirty="0"/>
-              <a:t>and </a:t>
-            </a:r>
-            <a:r>
-              <a:rPr lang="en-US" dirty="0" smtClean="0"/>
-              <a:t>Create Dummy Variables</a:t>
+              <a:t>Created Dummy Variables from Categorical Variables</a:t>
             </a:r>
           </a:p>
           <a:p>
             <a:pPr lvl="1"/>
             <a:r>
               <a:rPr lang="en-US" dirty="0" smtClean="0"/>
-              <a:t>Eliminate Outliers</a:t>
+              <a:t>Identified and Excluded Outliers (Annual Income &gt; $1M)</a:t>
             </a:r>
           </a:p>
           <a:p>
@@ -15010,15 +19121,7 @@
             </a:r>
             <a:r>
               <a:rPr lang="en-US" dirty="0" smtClean="0"/>
-              <a:t>Split Training/Test </a:t>
-            </a:r>
-            <a:r>
-              <a:rPr lang="en-US" dirty="0"/>
-              <a:t>D</a:t>
-            </a:r>
-            <a:r>
-              <a:rPr lang="en-US" dirty="0" smtClean="0"/>
-              <a:t>ata</a:t>
+              <a:t>Split Training/Test Data using SMOTE</a:t>
             </a:r>
             <a:endParaRPr lang="en-US" dirty="0"/>
           </a:p>
@@ -15236,8 +19339,8 @@
         </p:nvSpPr>
         <p:spPr>
           <a:xfrm>
-            <a:off x="1141411" y="1877209"/>
-            <a:ext cx="10358513" cy="276999"/>
+            <a:off x="1141412" y="1877209"/>
+            <a:ext cx="4942038" cy="276999"/>
           </a:xfrm>
           <a:prstGeom prst="rect">
             <a:avLst/>
@@ -15260,7 +19363,45 @@
             </a:r>
             <a:r>
               <a:rPr lang="en-US" sz="1200" dirty="0" smtClean="0"/>
-              <a:t>ncome is distinctly lower for a bad loan state….            and while loan amounts increase for longer terms, but the means are comparable </a:t>
+              <a:t>ncome is distinctly lower for a bad loan </a:t>
+            </a:r>
+            <a:r>
+              <a:rPr lang="en-US" sz="1200" dirty="0" smtClean="0"/>
+              <a:t>state…</a:t>
+            </a:r>
+            <a:endParaRPr lang="en-US" sz="1200" dirty="0"/>
+          </a:p>
+        </p:txBody>
+      </p:sp>
+      <p:sp>
+        <p:nvSpPr>
+          <p:cNvPr id="9" name="TextBox 8"/>
+          <p:cNvSpPr txBox="1"/>
+          <p:nvPr/>
+        </p:nvSpPr>
+        <p:spPr>
+          <a:xfrm>
+            <a:off x="6215435" y="1873584"/>
+            <a:ext cx="5160777" cy="276999"/>
+          </a:xfrm>
+          <a:prstGeom prst="rect">
+            <a:avLst/>
+          </a:prstGeom>
+          <a:noFill/>
+        </p:spPr>
+        <p:txBody>
+          <a:bodyPr wrap="square" rtlCol="0">
+            <a:spAutoFit/>
+          </a:bodyPr>
+          <a:lstStyle/>
+          <a:p>
+            <a:r>
+              <a:rPr lang="en-US" sz="1200" dirty="0" smtClean="0"/>
+              <a:t>and </a:t>
+            </a:r>
+            <a:r>
+              <a:rPr lang="en-US" sz="1200" dirty="0" smtClean="0"/>
+              <a:t>while loan amounts increase for longer terms, but the means are comparable </a:t>
             </a:r>
             <a:endParaRPr lang="en-US" sz="1200" dirty="0"/>
           </a:p>
@@ -15313,6 +19454,245 @@
           <a:p>
             <a:r>
               <a:rPr lang="en-US" dirty="0" smtClean="0"/>
+              <a:t>Exploratory Data Analysis </a:t>
+            </a:r>
+            <a:r>
+              <a:rPr lang="en-US" dirty="0" err="1" smtClean="0"/>
+              <a:t>Cont</a:t>
+            </a:r>
+            <a:r>
+              <a:rPr lang="en-US" dirty="0" smtClean="0"/>
+              <a:t>…</a:t>
+            </a:r>
+            <a:endParaRPr lang="en-US" dirty="0"/>
+          </a:p>
+        </p:txBody>
+      </p:sp>
+      <p:sp>
+        <p:nvSpPr>
+          <p:cNvPr id="6" name="Footer Placeholder 5"/>
+          <p:cNvSpPr>
+            <a:spLocks noGrp="1"/>
+          </p:cNvSpPr>
+          <p:nvPr>
+            <p:ph type="ftr" sz="quarter" idx="11"/>
+          </p:nvPr>
+        </p:nvSpPr>
+        <p:spPr/>
+        <p:txBody>
+          <a:bodyPr/>
+          <a:lstStyle/>
+          <a:p>
+            <a:r>
+              <a:rPr lang="en-US" smtClean="0"/>
+              <a:t>Springboard Foundations of Data Science - Craig Calder</a:t>
+            </a:r>
+            <a:endParaRPr lang="en-US" dirty="0"/>
+          </a:p>
+        </p:txBody>
+      </p:sp>
+      <p:sp>
+        <p:nvSpPr>
+          <p:cNvPr id="7" name="Slide Number Placeholder 6"/>
+          <p:cNvSpPr>
+            <a:spLocks noGrp="1"/>
+          </p:cNvSpPr>
+          <p:nvPr>
+            <p:ph type="sldNum" sz="quarter" idx="12"/>
+          </p:nvPr>
+        </p:nvSpPr>
+        <p:spPr/>
+        <p:txBody>
+          <a:bodyPr/>
+          <a:lstStyle/>
+          <a:p>
+            <a:fld id="{6D22F896-40B5-4ADD-8801-0D06FADFA095}" type="slidenum">
+              <a:rPr lang="en-US" smtClean="0"/>
+              <a:t>7</a:t>
+            </a:fld>
+            <a:endParaRPr lang="en-US" dirty="0"/>
+          </a:p>
+        </p:txBody>
+      </p:sp>
+      <p:sp>
+        <p:nvSpPr>
+          <p:cNvPr id="8" name="TextBox 7"/>
+          <p:cNvSpPr txBox="1"/>
+          <p:nvPr/>
+        </p:nvSpPr>
+        <p:spPr>
+          <a:xfrm>
+            <a:off x="6304387" y="1768693"/>
+            <a:ext cx="5012657" cy="461665"/>
+          </a:xfrm>
+          <a:prstGeom prst="rect">
+            <a:avLst/>
+          </a:prstGeom>
+          <a:noFill/>
+        </p:spPr>
+        <p:txBody>
+          <a:bodyPr wrap="square" rtlCol="0">
+            <a:spAutoFit/>
+          </a:bodyPr>
+          <a:lstStyle/>
+          <a:p>
+            <a:r>
+              <a:rPr lang="en-US" sz="1200" dirty="0" smtClean="0"/>
+              <a:t>Revolving Line Utilization does appear to be a predicative variable of if a loan will be bad as one can see bad loans (1) increases as </a:t>
+            </a:r>
+            <a:r>
+              <a:rPr lang="en-US" sz="1200" dirty="0" err="1" smtClean="0"/>
+              <a:t>revol_util</a:t>
+            </a:r>
+            <a:r>
+              <a:rPr lang="en-US" sz="1200" dirty="0" smtClean="0"/>
+              <a:t> increases.</a:t>
+            </a:r>
+            <a:r>
+              <a:rPr lang="en-US" sz="1200" dirty="0" smtClean="0"/>
+              <a:t>   </a:t>
+            </a:r>
+            <a:endParaRPr lang="en-US" sz="1200" dirty="0"/>
+          </a:p>
+        </p:txBody>
+      </p:sp>
+      <p:pic>
+        <p:nvPicPr>
+          <p:cNvPr id="9" name="Picture 8"/>
+          <p:cNvPicPr>
+            <a:picLocks noChangeAspect="1"/>
+          </p:cNvPicPr>
+          <p:nvPr/>
+        </p:nvPicPr>
+        <p:blipFill>
+          <a:blip r:embed="rId2">
+            <a:extLst>
+              <a:ext uri="{28A0092B-C50C-407E-A947-70E740481C1C}">
+                <a14:useLocalDpi xmlns:a14="http://schemas.microsoft.com/office/drawing/2010/main" val="0"/>
+              </a:ext>
+            </a:extLst>
+          </a:blip>
+          <a:stretch>
+            <a:fillRect/>
+          </a:stretch>
+        </p:blipFill>
+        <p:spPr>
+          <a:xfrm>
+            <a:off x="6413185" y="2415024"/>
+            <a:ext cx="4709160" cy="3196540"/>
+          </a:xfrm>
+          <a:prstGeom prst="rect">
+            <a:avLst/>
+          </a:prstGeom>
+        </p:spPr>
+      </p:pic>
+      <p:pic>
+        <p:nvPicPr>
+          <p:cNvPr id="10" name="Picture 9"/>
+          <p:cNvPicPr>
+            <a:picLocks noChangeAspect="1"/>
+          </p:cNvPicPr>
+          <p:nvPr/>
+        </p:nvPicPr>
+        <p:blipFill>
+          <a:blip r:embed="rId3">
+            <a:extLst>
+              <a:ext uri="{28A0092B-C50C-407E-A947-70E740481C1C}">
+                <a14:useLocalDpi xmlns:a14="http://schemas.microsoft.com/office/drawing/2010/main" val="0"/>
+              </a:ext>
+            </a:extLst>
+          </a:blip>
+          <a:stretch>
+            <a:fillRect/>
+          </a:stretch>
+        </p:blipFill>
+        <p:spPr>
+          <a:xfrm>
+            <a:off x="1222094" y="2418618"/>
+            <a:ext cx="4709160" cy="3206513"/>
+          </a:xfrm>
+          <a:prstGeom prst="rect">
+            <a:avLst/>
+          </a:prstGeom>
+        </p:spPr>
+      </p:pic>
+      <p:sp>
+        <p:nvSpPr>
+          <p:cNvPr id="12" name="TextBox 11"/>
+          <p:cNvSpPr txBox="1"/>
+          <p:nvPr/>
+        </p:nvSpPr>
+        <p:spPr>
+          <a:xfrm>
+            <a:off x="1141411" y="1768693"/>
+            <a:ext cx="4893343" cy="646331"/>
+          </a:xfrm>
+          <a:prstGeom prst="rect">
+            <a:avLst/>
+          </a:prstGeom>
+          <a:noFill/>
+        </p:spPr>
+        <p:txBody>
+          <a:bodyPr wrap="square" rtlCol="0">
+            <a:spAutoFit/>
+          </a:bodyPr>
+          <a:lstStyle/>
+          <a:p>
+            <a:r>
+              <a:rPr lang="en-US" sz="1200" dirty="0" smtClean="0"/>
+              <a:t>Most loans are for similar amounts across all employment lengths. Comparing Good Loans (0) to Bad Loans (1), employment length doesn’t appear to be a factor in whether or not a loan will be bad.</a:t>
+            </a:r>
+            <a:endParaRPr lang="en-US" sz="1200" dirty="0"/>
+          </a:p>
+        </p:txBody>
+      </p:sp>
+    </p:spTree>
+    <p:extLst>
+      <p:ext uri="{BB962C8B-B14F-4D97-AF65-F5344CB8AC3E}">
+        <p14:creationId xmlns:p14="http://schemas.microsoft.com/office/powerpoint/2010/main" val="2738846990"/>
+      </p:ext>
+    </p:extLst>
+  </p:cSld>
+  <p:clrMapOvr>
+    <a:masterClrMapping/>
+  </p:clrMapOvr>
+</p:sld>
+</file>
+
+<file path=ppt/slides/slide8.xml><?xml version="1.0" encoding="utf-8"?>
+<p:sld xmlns:a="http://schemas.openxmlformats.org/drawingml/2006/main" xmlns:r="http://schemas.openxmlformats.org/officeDocument/2006/relationships" xmlns:p="http://schemas.openxmlformats.org/presentationml/2006/main">
+  <p:cSld>
+    <p:spTree>
+      <p:nvGrpSpPr>
+        <p:cNvPr id="1" name=""/>
+        <p:cNvGrpSpPr/>
+        <p:nvPr/>
+      </p:nvGrpSpPr>
+      <p:grpSpPr>
+        <a:xfrm>
+          <a:off x="0" y="0"/>
+          <a:ext cx="0" cy="0"/>
+          <a:chOff x="0" y="0"/>
+          <a:chExt cx="0" cy="0"/>
+        </a:xfrm>
+      </p:grpSpPr>
+      <p:sp>
+        <p:nvSpPr>
+          <p:cNvPr id="2" name="Title 1"/>
+          <p:cNvSpPr>
+            <a:spLocks noGrp="1"/>
+          </p:cNvSpPr>
+          <p:nvPr>
+            <p:ph type="title"/>
+          </p:nvPr>
+        </p:nvSpPr>
+        <p:spPr/>
+        <p:txBody>
+          <a:bodyPr/>
+          <a:lstStyle/>
+          <a:p>
+            <a:r>
+              <a:rPr lang="en-US" dirty="0" smtClean="0"/>
               <a:t>Model: Logistic Regression</a:t>
             </a:r>
             <a:endParaRPr lang="en-US" dirty="0"/>
@@ -15329,8 +19709,8 @@
         </p:nvSpPr>
         <p:spPr bwMode="auto">
           <a:xfrm>
-            <a:off x="7234517" y="5326458"/>
-            <a:ext cx="3506993" cy="261610"/>
+            <a:off x="8261872" y="5358644"/>
+            <a:ext cx="3506993" cy="246221"/>
           </a:xfrm>
           <a:prstGeom prst="rect">
             <a:avLst/>
@@ -15395,7 +19775,7 @@
               <a:tabLst/>
             </a:pPr>
             <a:r>
-              <a:rPr kumimoji="0" lang="en-US" altLang="ja-JP" sz="1100" b="0" i="0" u="none" strike="noStrike" cap="none" normalizeH="0" baseline="0" dirty="0" err="1" smtClean="0">
+              <a:rPr kumimoji="0" lang="en-US" altLang="ja-JP" sz="1000" b="0" i="0" u="none" strike="noStrike" cap="none" normalizeH="0" baseline="0" dirty="0" err="1" smtClean="0">
                 <a:ln>
                   <a:noFill/>
                 </a:ln>
@@ -15410,7 +19790,7 @@
               <a:t>Signif</a:t>
             </a:r>
             <a:r>
-              <a:rPr kumimoji="0" lang="en-US" altLang="ja-JP" sz="1100" b="0" i="0" u="none" strike="noStrike" cap="none" normalizeH="0" baseline="0" dirty="0" smtClean="0">
+              <a:rPr kumimoji="0" lang="en-US" altLang="ja-JP" sz="1000" b="0" i="0" u="none" strike="noStrike" cap="none" normalizeH="0" baseline="0" dirty="0" smtClean="0">
                 <a:ln>
                   <a:noFill/>
                 </a:ln>
@@ -15424,7 +19804,7 @@
               </a:rPr>
               <a:t>. codes:  0 ‘***’ 0.001 ‘**’ 0.01 ‘*’ 0.05 ‘.’ 0.1 ‘ ’ 1</a:t>
             </a:r>
-            <a:endParaRPr kumimoji="0" lang="en-US" altLang="ja-JP" sz="1800" b="0" i="0" u="none" strike="noStrike" cap="none" normalizeH="0" baseline="0" dirty="0" smtClean="0">
+            <a:endParaRPr kumimoji="0" lang="en-US" altLang="ja-JP" sz="1400" b="0" i="0" u="none" strike="noStrike" cap="none" normalizeH="0" baseline="0" dirty="0" smtClean="0">
               <a:ln>
                 <a:noFill/>
               </a:ln>
@@ -15477,7 +19857,7 @@
           <a:p>
             <a:fld id="{6D22F896-40B5-4ADD-8801-0D06FADFA095}" type="slidenum">
               <a:rPr lang="en-US" smtClean="0"/>
-              <a:t>7</a:t>
+              <a:t>8</a:t>
             </a:fld>
             <a:endParaRPr lang="en-US" dirty="0"/>
           </a:p>
@@ -19278,10 +23658,48 @@
                         </a:spcAft>
                       </a:pPr>
                       <a:r>
+                        <a:rPr lang="en-US" sz="1100" dirty="0" err="1">
+                          <a:effectLst/>
+                        </a:rPr>
+                        <a:t>vstatus_verified</a:t>
+                      </a:r>
+                      <a:r>
+                        <a:rPr lang="en-US" sz="1100" dirty="0">
+                          <a:effectLst/>
+                        </a:rPr>
+                        <a:t> (factor)</a:t>
+                      </a:r>
+                      <a:endParaRPr lang="en-US" sz="1100" dirty="0">
+                        <a:effectLst/>
+                        <a:latin typeface="Corbel" panose="020B0503020204020204" pitchFamily="34" charset="0"/>
+                        <a:ea typeface="SimSun" panose="02010600030101010101" pitchFamily="2" charset="-122"/>
+                        <a:cs typeface="Tahoma" panose="020B0604030504040204" pitchFamily="34" charset="0"/>
+                      </a:endParaRPr>
+                    </a:p>
+                  </a:txBody>
+                  <a:tcPr marL="65858" marR="65858" marT="0" marB="0"/>
+                </a:tc>
+                <a:tc>
+                  <a:txBody>
+                    <a:bodyPr/>
+                    <a:lstStyle/>
+                    <a:p>
+                      <a:pPr marL="0" marR="0">
+                        <a:lnSpc>
+                          <a:spcPct val="110000"/>
+                        </a:lnSpc>
+                        <a:spcBef>
+                          <a:spcPts val="600"/>
+                        </a:spcBef>
+                        <a:spcAft>
+                          <a:spcPts val="0"/>
+                        </a:spcAft>
+                      </a:pPr>
+                      <a:r>
                         <a:rPr lang="en-US" sz="1100">
                           <a:effectLst/>
                         </a:rPr>
-                        <a:t>vstatus_verified (factor)</a:t>
+                        <a:t> </a:t>
                       </a:r>
                       <a:endParaRPr lang="en-US" sz="1100">
                         <a:effectLst/>
@@ -19313,38 +23731,6 @@
                         <a:rPr lang="en-US" sz="1100">
                           <a:effectLst/>
                         </a:rPr>
-                        <a:t> </a:t>
-                      </a:r>
-                      <a:endParaRPr lang="en-US" sz="1100">
-                        <a:effectLst/>
-                        <a:latin typeface="Corbel" panose="020B0503020204020204" pitchFamily="34" charset="0"/>
-                        <a:ea typeface="SimSun" panose="02010600030101010101" pitchFamily="2" charset="-122"/>
-                        <a:cs typeface="Tahoma" panose="020B0604030504040204" pitchFamily="34" charset="0"/>
-                      </a:endParaRPr>
-                    </a:p>
-                  </a:txBody>
-                  <a:tcPr marL="65858" marR="65858" marT="0" marB="0"/>
-                </a:tc>
-                <a:tc>
-                  <a:txBody>
-                    <a:bodyPr/>
-                    <a:lstStyle/>
-                    <a:p>
-                      <a:pPr marL="0" marR="0">
-                        <a:lnSpc>
-                          <a:spcPct val="110000"/>
-                        </a:lnSpc>
-                        <a:spcBef>
-                          <a:spcPts val="600"/>
-                        </a:spcBef>
-                        <a:spcAft>
-                          <a:spcPts val="0"/>
-                        </a:spcAft>
-                      </a:pPr>
-                      <a:r>
-                        <a:rPr lang="en-US" sz="1100">
-                          <a:effectLst/>
-                        </a:rPr>
                         <a:t>1.54E-67</a:t>
                       </a:r>
                       <a:endParaRPr lang="en-US" sz="1100">
@@ -19399,6 +23785,45 @@
           </a:graphicData>
         </a:graphic>
       </p:graphicFrame>
+      <p:sp>
+        <p:nvSpPr>
+          <p:cNvPr id="4" name="Rectangle 3"/>
+          <p:cNvSpPr/>
+          <p:nvPr/>
+        </p:nvSpPr>
+        <p:spPr>
+          <a:xfrm>
+            <a:off x="1414631" y="4722607"/>
+            <a:ext cx="3845858" cy="204395"/>
+          </a:xfrm>
+          <a:prstGeom prst="rect">
+            <a:avLst/>
+          </a:prstGeom>
+          <a:noFill/>
+        </p:spPr>
+        <p:style>
+          <a:lnRef idx="2">
+            <a:schemeClr val="accent5"/>
+          </a:lnRef>
+          <a:fillRef idx="1">
+            <a:schemeClr val="lt1"/>
+          </a:fillRef>
+          <a:effectRef idx="0">
+            <a:schemeClr val="accent5"/>
+          </a:effectRef>
+          <a:fontRef idx="minor">
+            <a:schemeClr val="dk1"/>
+          </a:fontRef>
+        </p:style>
+        <p:txBody>
+          <a:bodyPr rtlCol="0" anchor="ctr"/>
+          <a:lstStyle/>
+          <a:p>
+            <a:pPr algn="ctr"/>
+            <a:endParaRPr lang="en-US"/>
+          </a:p>
+        </p:txBody>
+      </p:sp>
     </p:spTree>
     <p:extLst>
       <p:ext uri="{BB962C8B-B14F-4D97-AF65-F5344CB8AC3E}">
@@ -19412,7 +23837,7 @@
 </p:sld>
 </file>
 
-<file path=ppt/slides/slide8.xml><?xml version="1.0" encoding="utf-8"?>
+<file path=ppt/slides/slide9.xml><?xml version="1.0" encoding="utf-8"?>
 <p:sld xmlns:a="http://schemas.openxmlformats.org/drawingml/2006/main" xmlns:r="http://schemas.openxmlformats.org/officeDocument/2006/relationships" xmlns:p="http://schemas.openxmlformats.org/presentationml/2006/main">
   <p:cSld>
     <p:spTree>
@@ -19446,15 +23871,7 @@
           <a:p>
             <a:r>
               <a:rPr lang="en-US" dirty="0" smtClean="0"/>
-              <a:t>Model </a:t>
-            </a:r>
-            <a:r>
-              <a:rPr lang="en-US" dirty="0" smtClean="0"/>
-              <a:t>Validation </a:t>
-            </a:r>
-            <a:r>
-              <a:rPr lang="en-US" dirty="0" smtClean="0"/>
-              <a:t>- ROCR</a:t>
+              <a:t>Model Validation - ROCR</a:t>
             </a:r>
             <a:endParaRPr lang="en-US" dirty="0"/>
           </a:p>
@@ -19500,7 +23917,7 @@
           <a:p>
             <a:fld id="{6D22F896-40B5-4ADD-8801-0D06FADFA095}" type="slidenum">
               <a:rPr lang="en-US" smtClean="0"/>
-              <a:t>8</a:t>
+              <a:t>9</a:t>
             </a:fld>
             <a:endParaRPr lang="en-US" dirty="0"/>
           </a:p>
@@ -19522,7 +23939,7 @@
         </p:nvGraphicFramePr>
         <p:xfrm>
           <a:off x="1702080" y="4005521"/>
-          <a:ext cx="2611288" cy="1266825"/>
+          <a:ext cx="2611288" cy="1290828"/>
         </p:xfrm>
         <a:graphic>
           <a:graphicData uri="http://schemas.openxmlformats.org/drawingml/2006/table">
@@ -20301,11 +24718,7 @@
           <a:p>
             <a:r>
               <a:rPr lang="en-US" sz="1200" dirty="0"/>
-              <a:t>Area Under the </a:t>
-            </a:r>
-            <a:r>
-              <a:rPr lang="en-US" sz="1200" dirty="0"/>
-              <a:t>Curve </a:t>
+              <a:t>Area Under the Curve </a:t>
             </a:r>
             <a:r>
               <a:rPr lang="en-US" sz="1200" dirty="0" smtClean="0"/>
@@ -20320,15 +24733,7 @@
             </a:r>
             <a:r>
               <a:rPr lang="en-US" sz="1200" dirty="0"/>
-              <a:t>AUC</a:t>
-            </a:r>
-            <a:r>
-              <a:rPr lang="en-US" sz="1200" dirty="0"/>
-              <a:t>) = </a:t>
-            </a:r>
-            <a:r>
-              <a:rPr lang="en-US" sz="1200" dirty="0"/>
-              <a:t>0.6618582</a:t>
+              <a:t>AUC) = 0.6618582</a:t>
             </a:r>
             <a:r>
               <a:rPr lang="en-US" sz="1200" dirty="0" smtClean="0"/>
@@ -20358,11 +24763,7 @@
             </a:r>
             <a:r>
               <a:rPr lang="en-US" sz="1200" dirty="0"/>
-              <a:t>between sensitivity </a:t>
-            </a:r>
-            <a:r>
-              <a:rPr lang="en-US" sz="1200" dirty="0"/>
-              <a:t>and </a:t>
+              <a:t>between sensitivity and </a:t>
             </a:r>
             <a:r>
               <a:rPr lang="en-US" sz="1200" dirty="0" smtClean="0"/>
@@ -20417,192 +24818,6 @@
     <p:extLst>
       <p:ext uri="{BB962C8B-B14F-4D97-AF65-F5344CB8AC3E}">
         <p14:creationId xmlns:p14="http://schemas.microsoft.com/office/powerpoint/2010/main" val="3036639185"/>
-      </p:ext>
-    </p:extLst>
-  </p:cSld>
-  <p:clrMapOvr>
-    <a:masterClrMapping/>
-  </p:clrMapOvr>
-</p:sld>
-</file>
-
-<file path=ppt/slides/slide9.xml><?xml version="1.0" encoding="utf-8"?>
-<p:sld xmlns:a="http://schemas.openxmlformats.org/drawingml/2006/main" xmlns:r="http://schemas.openxmlformats.org/officeDocument/2006/relationships" xmlns:p="http://schemas.openxmlformats.org/presentationml/2006/main">
-  <p:cSld>
-    <p:spTree>
-      <p:nvGrpSpPr>
-        <p:cNvPr id="1" name=""/>
-        <p:cNvGrpSpPr/>
-        <p:nvPr/>
-      </p:nvGrpSpPr>
-      <p:grpSpPr>
-        <a:xfrm>
-          <a:off x="0" y="0"/>
-          <a:ext cx="0" cy="0"/>
-          <a:chOff x="0" y="0"/>
-          <a:chExt cx="0" cy="0"/>
-        </a:xfrm>
-      </p:grpSpPr>
-      <p:sp>
-        <p:nvSpPr>
-          <p:cNvPr id="2" name="Title 1"/>
-          <p:cNvSpPr>
-            <a:spLocks noGrp="1"/>
-          </p:cNvSpPr>
-          <p:nvPr>
-            <p:ph type="title"/>
-          </p:nvPr>
-        </p:nvSpPr>
-        <p:spPr>
-          <a:xfrm>
-            <a:off x="1200580" y="597002"/>
-            <a:ext cx="9905998" cy="1478570"/>
-          </a:xfrm>
-        </p:spPr>
-        <p:txBody>
-          <a:bodyPr/>
-          <a:lstStyle/>
-          <a:p>
-            <a:r>
-              <a:rPr lang="en-US" dirty="0" smtClean="0"/>
-              <a:t>MODEL: Classification </a:t>
-            </a:r>
-            <a:r>
-              <a:rPr lang="en-US" dirty="0" smtClean="0"/>
-              <a:t>Tree</a:t>
-            </a:r>
-            <a:endParaRPr lang="en-US" dirty="0"/>
-          </a:p>
-        </p:txBody>
-      </p:sp>
-      <p:pic>
-        <p:nvPicPr>
-          <p:cNvPr id="4" name="Content Placeholder 3"/>
-          <p:cNvPicPr>
-            <a:picLocks noGrp="1" noChangeAspect="1"/>
-          </p:cNvPicPr>
-          <p:nvPr>
-            <p:ph idx="1"/>
-          </p:nvPr>
-        </p:nvPicPr>
-        <p:blipFill>
-          <a:blip r:embed="rId2">
-            <a:extLst>
-              <a:ext uri="{28A0092B-C50C-407E-A947-70E740481C1C}">
-                <a14:useLocalDpi xmlns:a14="http://schemas.microsoft.com/office/drawing/2010/main" val="0"/>
-              </a:ext>
-            </a:extLst>
-          </a:blip>
-          <a:stretch>
-            <a:fillRect/>
-          </a:stretch>
-        </p:blipFill>
-        <p:spPr>
-          <a:xfrm>
-            <a:off x="5010652" y="1964410"/>
-            <a:ext cx="5846636" cy="3541712"/>
-          </a:xfrm>
-        </p:spPr>
-      </p:pic>
-      <p:sp>
-        <p:nvSpPr>
-          <p:cNvPr id="3" name="Footer Placeholder 2"/>
-          <p:cNvSpPr>
-            <a:spLocks noGrp="1"/>
-          </p:cNvSpPr>
-          <p:nvPr>
-            <p:ph type="ftr" sz="quarter" idx="11"/>
-          </p:nvPr>
-        </p:nvSpPr>
-        <p:spPr/>
-        <p:txBody>
-          <a:bodyPr/>
-          <a:lstStyle/>
-          <a:p>
-            <a:r>
-              <a:rPr lang="en-US" smtClean="0"/>
-              <a:t>Springboard Foundations of Data Science - Craig Calder</a:t>
-            </a:r>
-            <a:endParaRPr lang="en-US" dirty="0"/>
-          </a:p>
-        </p:txBody>
-      </p:sp>
-      <p:sp>
-        <p:nvSpPr>
-          <p:cNvPr id="5" name="Slide Number Placeholder 4"/>
-          <p:cNvSpPr>
-            <a:spLocks noGrp="1"/>
-          </p:cNvSpPr>
-          <p:nvPr>
-            <p:ph type="sldNum" sz="quarter" idx="12"/>
-          </p:nvPr>
-        </p:nvSpPr>
-        <p:spPr/>
-        <p:txBody>
-          <a:bodyPr/>
-          <a:lstStyle/>
-          <a:p>
-            <a:fld id="{6D22F896-40B5-4ADD-8801-0D06FADFA095}" type="slidenum">
-              <a:rPr lang="en-US" smtClean="0"/>
-              <a:t>9</a:t>
-            </a:fld>
-            <a:endParaRPr lang="en-US" dirty="0"/>
-          </a:p>
-        </p:txBody>
-      </p:sp>
-      <p:sp>
-        <p:nvSpPr>
-          <p:cNvPr id="6" name="Rectangle 5"/>
-          <p:cNvSpPr/>
-          <p:nvPr/>
-        </p:nvSpPr>
-        <p:spPr>
-          <a:xfrm>
-            <a:off x="1750490" y="1910623"/>
-            <a:ext cx="2611288" cy="1569660"/>
-          </a:xfrm>
-          <a:prstGeom prst="rect">
-            <a:avLst/>
-          </a:prstGeom>
-        </p:spPr>
-        <p:txBody>
-          <a:bodyPr wrap="square">
-            <a:spAutoFit/>
-          </a:bodyPr>
-          <a:lstStyle/>
-          <a:p>
-            <a:r>
-              <a:rPr lang="en-US" sz="1200" dirty="0" smtClean="0"/>
-              <a:t>Interestingly a classification tree model only identified two predictive variables: Term and annual income. </a:t>
-            </a:r>
-          </a:p>
-          <a:p>
-            <a:endParaRPr lang="en-US" sz="1200" dirty="0"/>
-          </a:p>
-          <a:p>
-            <a:r>
-              <a:rPr lang="en-US" sz="1200" dirty="0" smtClean="0"/>
-              <a:t>Creating a general linear model with just these two variables results in a model with an AUC </a:t>
-            </a:r>
-            <a:r>
-              <a:rPr lang="en-US" sz="1200" dirty="0"/>
-              <a:t>= </a:t>
-            </a:r>
-            <a:r>
-              <a:rPr lang="en-US" sz="1200" dirty="0" smtClean="0"/>
-              <a:t>0.63492</a:t>
-            </a:r>
-            <a:br>
-              <a:rPr lang="en-US" sz="1200" dirty="0" smtClean="0"/>
-            </a:br>
-            <a:endParaRPr lang="en-US" sz="1200" dirty="0"/>
-          </a:p>
-        </p:txBody>
-      </p:sp>
-    </p:spTree>
-    <p:extLst>
-      <p:ext uri="{BB962C8B-B14F-4D97-AF65-F5344CB8AC3E}">
-        <p14:creationId xmlns:p14="http://schemas.microsoft.com/office/powerpoint/2010/main" val="4261395844"/>
       </p:ext>
     </p:extLst>
   </p:cSld>
